--- a/Presentations/Rights Expression Languages.pptx
+++ b/Presentations/Rights Expression Languages.pptx
@@ -5,16 +5,16 @@
     <p:sldMasterId id="2147483665" r:id="rId1"/>
   </p:sldMasterIdLst>
   <p:notesMasterIdLst>
-    <p:notesMasterId r:id="rId28"/>
+    <p:notesMasterId r:id="rId34"/>
   </p:notesMasterIdLst>
   <p:sldIdLst>
     <p:sldId id="256" r:id="rId2"/>
-    <p:sldId id="312" r:id="rId3"/>
-    <p:sldId id="258" r:id="rId4"/>
-    <p:sldId id="266" r:id="rId5"/>
-    <p:sldId id="260" r:id="rId6"/>
-    <p:sldId id="267" r:id="rId7"/>
-    <p:sldId id="269" r:id="rId8"/>
+    <p:sldId id="295" r:id="rId3"/>
+    <p:sldId id="312" r:id="rId4"/>
+    <p:sldId id="258" r:id="rId5"/>
+    <p:sldId id="266" r:id="rId6"/>
+    <p:sldId id="260" r:id="rId7"/>
+    <p:sldId id="267" r:id="rId8"/>
     <p:sldId id="261" r:id="rId9"/>
     <p:sldId id="262" r:id="rId10"/>
     <p:sldId id="271" r:id="rId11"/>
@@ -29,11 +29,17 @@
     <p:sldId id="280" r:id="rId20"/>
     <p:sldId id="281" r:id="rId21"/>
     <p:sldId id="282" r:id="rId22"/>
-    <p:sldId id="314" r:id="rId23"/>
-    <p:sldId id="276" r:id="rId24"/>
-    <p:sldId id="278" r:id="rId25"/>
-    <p:sldId id="313" r:id="rId26"/>
-    <p:sldId id="297" r:id="rId27"/>
+    <p:sldId id="318" r:id="rId23"/>
+    <p:sldId id="320" r:id="rId24"/>
+    <p:sldId id="314" r:id="rId25"/>
+    <p:sldId id="276" r:id="rId26"/>
+    <p:sldId id="278" r:id="rId27"/>
+    <p:sldId id="315" r:id="rId28"/>
+    <p:sldId id="316" r:id="rId29"/>
+    <p:sldId id="317" r:id="rId30"/>
+    <p:sldId id="313" r:id="rId31"/>
+    <p:sldId id="319" r:id="rId32"/>
+    <p:sldId id="297" r:id="rId33"/>
   </p:sldIdLst>
   <p:sldSz cx="9144000" cy="6858000" type="letter"/>
   <p:notesSz cx="7315200" cy="9601200"/>
@@ -675,7 +681,7 @@
             <a:fld id="{D5B4F83D-00C3-469C-84DB-AFEAEFA57539}" type="slidenum">
               <a:rPr lang="en-US"/>
               <a:pPr/>
-              <a:t>26</a:t>
+              <a:t>32</a:t>
             </a:fld>
             <a:endParaRPr lang="en-US"/>
           </a:p>
@@ -3082,6 +3088,60 @@
           <a:chExt cx="0" cy="0"/>
         </a:xfrm>
       </p:grpSpPr>
+      <p:pic>
+        <p:nvPicPr>
+          <p:cNvPr id="5" name="Picture 4" descr="File:The Rumble from West Side Story 1957.JPG">
+            <a:extLst>
+              <a:ext uri="{FF2B5EF4-FFF2-40B4-BE49-F238E27FC236}">
+                <a16:creationId xmlns:a16="http://schemas.microsoft.com/office/drawing/2014/main" id="{36E31DC2-37FF-488B-A71F-BA22E9B6BFBE}"/>
+              </a:ext>
+            </a:extLst>
+          </p:cNvPr>
+          <p:cNvPicPr>
+            <a:picLocks noChangeAspect="1" noChangeArrowheads="1"/>
+          </p:cNvPicPr>
+          <p:nvPr/>
+        </p:nvPicPr>
+        <p:blipFill>
+          <a:blip r:embed="rId2">
+            <a:duotone>
+              <a:prstClr val="black"/>
+              <a:srgbClr val="D9C3A5">
+                <a:tint val="50000"/>
+                <a:satMod val="180000"/>
+              </a:srgbClr>
+            </a:duotone>
+            <a:extLst>
+              <a:ext uri="{28A0092B-C50C-407E-A947-70E740481C1C}">
+                <a14:useLocalDpi xmlns:a14="http://schemas.microsoft.com/office/drawing/2010/main" val="0"/>
+              </a:ext>
+            </a:extLst>
+          </a:blip>
+          <a:srcRect/>
+          <a:stretch>
+            <a:fillRect/>
+          </a:stretch>
+        </p:blipFill>
+        <p:spPr bwMode="auto">
+          <a:xfrm>
+            <a:off x="-2860" y="-7307"/>
+            <a:ext cx="9146860" cy="6094096"/>
+          </a:xfrm>
+          <a:prstGeom prst="rect">
+            <a:avLst/>
+          </a:prstGeom>
+          <a:noFill/>
+          <a:extLst>
+            <a:ext uri="{909E8E84-426E-40DD-AFC4-6F175D3DCCD1}">
+              <a14:hiddenFill xmlns:a14="http://schemas.microsoft.com/office/drawing/2010/main">
+                <a:solidFill>
+                  <a:srgbClr val="FFFFFF"/>
+                </a:solidFill>
+              </a14:hiddenFill>
+            </a:ext>
+          </a:extLst>
+        </p:spPr>
+      </p:pic>
       <p:sp>
         <p:nvSpPr>
           <p:cNvPr id="2" name="Title 1">
@@ -3109,17 +3169,33 @@
               </a:lnSpc>
             </a:pPr>
             <a:r>
-              <a:rPr lang="en-US" dirty="0"/>
+              <a:rPr lang="en-US" dirty="0">
+                <a:solidFill>
+                  <a:schemeClr val="bg1"/>
+                </a:solidFill>
+              </a:rPr>
               <a:t>Rights Expression Languages</a:t>
             </a:r>
             <a:br>
-              <a:rPr lang="en-US" dirty="0"/>
+              <a:rPr lang="en-US" dirty="0">
+                <a:solidFill>
+                  <a:schemeClr val="bg1"/>
+                </a:solidFill>
+              </a:rPr>
             </a:br>
             <a:r>
-              <a:rPr lang="en-US" sz="2400" dirty="0"/>
+              <a:rPr lang="en-US" sz="2400" dirty="0">
+                <a:solidFill>
+                  <a:schemeClr val="bg1"/>
+                </a:solidFill>
+              </a:rPr>
               <a:t>Or, Copyright Law Rumbles with Technology in a Dark Alley</a:t>
             </a:r>
-            <a:endParaRPr lang="en-US" dirty="0"/>
+            <a:endParaRPr lang="en-US" dirty="0">
+              <a:solidFill>
+                <a:schemeClr val="bg1"/>
+              </a:solidFill>
+            </a:endParaRPr>
           </a:p>
         </p:txBody>
       </p:sp>
@@ -3145,28 +3221,48 @@
           <a:lstStyle/>
           <a:p>
             <a:r>
-              <a:rPr lang="en-US" sz="2400" dirty="0"/>
+              <a:rPr lang="en-US" sz="2400" dirty="0">
+                <a:solidFill>
+                  <a:schemeClr val="bg1"/>
+                </a:solidFill>
+              </a:rPr>
               <a:t>Bill Rosenblatt</a:t>
             </a:r>
           </a:p>
           <a:p>
             <a:r>
-              <a:rPr lang="en-US" sz="2400" dirty="0" err="1"/>
+              <a:rPr lang="en-US" sz="2400" dirty="0" err="1">
+                <a:solidFill>
+                  <a:schemeClr val="bg1"/>
+                </a:solidFill>
+              </a:rPr>
               <a:t>GiantSteps</a:t>
             </a:r>
             <a:r>
-              <a:rPr lang="en-US" sz="2400" dirty="0"/>
+              <a:rPr lang="en-US" sz="2400" dirty="0">
+                <a:solidFill>
+                  <a:schemeClr val="bg1"/>
+                </a:solidFill>
+              </a:rPr>
               <a:t> Media Technology Strategies</a:t>
             </a:r>
           </a:p>
           <a:p>
             <a:r>
-              <a:rPr lang="en-US" sz="2400" dirty="0"/>
-              <a:t>January 15, 2019</a:t>
-            </a:r>
-          </a:p>
-          <a:p>
-            <a:endParaRPr lang="en-US" sz="2400" dirty="0"/>
+              <a:rPr lang="en-US" sz="2400" dirty="0">
+                <a:solidFill>
+                  <a:schemeClr val="bg1"/>
+                </a:solidFill>
+              </a:rPr>
+              <a:t>January 8, 2019</a:t>
+            </a:r>
+          </a:p>
+          <a:p>
+            <a:endParaRPr lang="en-US" sz="2400" dirty="0">
+              <a:solidFill>
+                <a:schemeClr val="bg1"/>
+              </a:solidFill>
+            </a:endParaRPr>
           </a:p>
         </p:txBody>
       </p:sp>
@@ -3185,7 +3281,7 @@
           <p:nvPr/>
         </p:nvPicPr>
         <p:blipFill>
-          <a:blip r:embed="rId2">
+          <a:blip r:embed="rId3">
             <a:extLst>
               <a:ext uri="{28A0092B-C50C-407E-A947-70E740481C1C}">
                 <a14:useLocalDpi xmlns:a14="http://schemas.microsoft.com/office/drawing/2010/main" val="0"/>
@@ -3217,6 +3313,49 @@
           </a:extLst>
         </p:spPr>
       </p:pic>
+      <p:sp>
+        <p:nvSpPr>
+          <p:cNvPr id="4" name="TextBox 3">
+            <a:extLst>
+              <a:ext uri="{FF2B5EF4-FFF2-40B4-BE49-F238E27FC236}">
+                <a16:creationId xmlns:a16="http://schemas.microsoft.com/office/drawing/2014/main" id="{4D9721AC-77D8-4116-A724-03D0492DE6C8}"/>
+              </a:ext>
+            </a:extLst>
+          </p:cNvPr>
+          <p:cNvSpPr txBox="1"/>
+          <p:nvPr/>
+        </p:nvSpPr>
+        <p:spPr>
+          <a:xfrm>
+            <a:off x="2455247" y="6373654"/>
+            <a:ext cx="4230645" cy="246221"/>
+          </a:xfrm>
+          <a:prstGeom prst="rect">
+            <a:avLst/>
+          </a:prstGeom>
+          <a:noFill/>
+        </p:spPr>
+        <p:txBody>
+          <a:bodyPr wrap="none" rtlCol="0">
+            <a:spAutoFit/>
+          </a:bodyPr>
+          <a:lstStyle/>
+          <a:p>
+            <a:r>
+              <a:rPr lang="en-US" sz="1000" dirty="0"/>
+              <a:t>Source: </a:t>
+            </a:r>
+            <a:r>
+              <a:rPr lang="en-US" sz="1000" dirty="0" err="1"/>
+              <a:t>WikiMedia</a:t>
+            </a:r>
+            <a:r>
+              <a:rPr lang="en-US" sz="1000" dirty="0"/>
+              <a:t> Commons, The Rumble from West Side Story, 1957</a:t>
+            </a:r>
+          </a:p>
+        </p:txBody>
+      </p:sp>
     </p:spTree>
     <p:extLst>
       <p:ext uri="{BB962C8B-B14F-4D97-AF65-F5344CB8AC3E}">
@@ -3270,7 +3409,7 @@
           <a:p>
             <a:r>
               <a:rPr lang="en-US" dirty="0"/>
-              <a:t>The Scrappy Independent REL: ODRL</a:t>
+              <a:t>The “Indie” REL: ODRL</a:t>
             </a:r>
             <a:br>
               <a:rPr lang="en-US" dirty="0"/>
@@ -3356,7 +3495,7 @@
             <a:pPr lvl="1"/>
             <a:r>
               <a:rPr lang="en-US" sz="2400" dirty="0"/>
-              <a:t>Widely implemented in mobile music services in Europe</a:t>
+              <a:t>Widely implemented in mobile digital music services in Europe</a:t>
             </a:r>
           </a:p>
           <a:p>
@@ -3873,15 +4012,7 @@
             <a:pPr lvl="1"/>
             <a:r>
               <a:rPr lang="en-US" sz="2000" dirty="0"/>
-              <a:t>Oriented toward “content syndication”, 1</a:t>
-            </a:r>
-            <a:r>
-              <a:rPr lang="en-US" sz="2000" baseline="30000" dirty="0"/>
-              <a:t>st</a:t>
-            </a:r>
-            <a:r>
-              <a:rPr lang="en-US" sz="2000" dirty="0"/>
-              <a:t> bubble era fad</a:t>
+              <a:t>Oriented toward “content syndication”, dot-com bubble era fad</a:t>
             </a:r>
           </a:p>
           <a:p>
@@ -4016,7 +4147,7 @@
           <a:p>
             <a:r>
               <a:rPr lang="en-US" dirty="0"/>
-              <a:t>Interlude: Creative Commons</a:t>
+              <a:t>Interlude I: Creative Commons</a:t>
             </a:r>
           </a:p>
         </p:txBody>
@@ -5714,95 +5845,90 @@
           <a:lstStyle/>
           <a:p>
             <a:r>
-              <a:rPr lang="en-US" sz="2800" dirty="0"/>
-              <a:t>ODRL reborn as license automation language</a:t>
-            </a:r>
-          </a:p>
-          <a:p>
-            <a:r>
-              <a:rPr lang="en-US" sz="2800" dirty="0"/>
-              <a:t>Submitted to W3C in 2011, Recommendation in early 2018</a:t>
-            </a:r>
-          </a:p>
-          <a:p>
-            <a:r>
-              <a:rPr lang="en-US" sz="2800" dirty="0"/>
+              <a:rPr lang="en-US" sz="2400" dirty="0"/>
+              <a:t>ODRL reborn as license automation language!</a:t>
+            </a:r>
+          </a:p>
+          <a:p>
+            <a:r>
+              <a:rPr lang="en-US" sz="2400" dirty="0"/>
+              <a:t>Submitted to W3C in 2011, becomes Recommendation in early 2018</a:t>
+            </a:r>
+          </a:p>
+          <a:p>
+            <a:r>
+              <a:rPr lang="en-US" sz="2400" dirty="0"/>
               <a:t>Multiple syntaxes</a:t>
             </a:r>
           </a:p>
           <a:p>
             <a:pPr lvl="1"/>
             <a:r>
+              <a:rPr lang="en-US" sz="2000" dirty="0"/>
+              <a:t>Various XML/RDF syntaxes, JSON</a:t>
+            </a:r>
+          </a:p>
+          <a:p>
+            <a:r>
               <a:rPr lang="en-US" sz="2400" dirty="0"/>
-              <a:t>Various RDF syntaxes, JSON</a:t>
-            </a:r>
-          </a:p>
-          <a:p>
-            <a:r>
-              <a:rPr lang="en-US" sz="2800" dirty="0"/>
-              <a:t>Addressing the patent </a:t>
-            </a:r>
-            <a:r>
-              <a:rPr lang="en-US" sz="2800"/>
-              <a:t>overhang issue:</a:t>
-            </a:r>
-            <a:endParaRPr lang="en-US" sz="2800" dirty="0"/>
+              <a:t>Addressing the patent overhang issue:</a:t>
+            </a:r>
           </a:p>
           <a:p>
             <a:pPr lvl="1"/>
             <a:r>
+              <a:rPr lang="en-US" sz="2000" dirty="0"/>
+              <a:t>REL not used in DRM scheme</a:t>
+            </a:r>
+          </a:p>
+          <a:p>
+            <a:r>
               <a:rPr lang="en-US" sz="2400" dirty="0"/>
-              <a:t>REL not used in DRM scheme</a:t>
-            </a:r>
-          </a:p>
-          <a:p>
-            <a:r>
-              <a:rPr lang="en-US" sz="2800" dirty="0"/>
               <a:t>Core concepts of Permissions and Duties/Obligations</a:t>
             </a:r>
           </a:p>
           <a:p>
             <a:r>
-              <a:rPr lang="en-US" sz="2800" dirty="0"/>
+              <a:rPr lang="en-US" sz="2400" dirty="0"/>
               <a:t>Manifestations:</a:t>
             </a:r>
           </a:p>
           <a:p>
             <a:pPr lvl="1"/>
             <a:r>
-              <a:rPr lang="en-US" sz="2400" dirty="0"/>
+              <a:rPr lang="en-US" sz="2000" dirty="0"/>
               <a:t>W3C Permissions and Obligations Expressions (POE)</a:t>
             </a:r>
             <a:r>
-              <a:rPr lang="en-US" sz="2400" baseline="30000" dirty="0"/>
+              <a:rPr lang="en-US" sz="2000" baseline="30000" dirty="0"/>
               <a:t>1</a:t>
             </a:r>
           </a:p>
           <a:p>
             <a:pPr lvl="1"/>
             <a:r>
-              <a:rPr lang="en-US" sz="2400" dirty="0"/>
+              <a:rPr lang="en-US" sz="2000" dirty="0"/>
               <a:t>IPTC </a:t>
             </a:r>
             <a:r>
-              <a:rPr lang="en-US" sz="2400" dirty="0" err="1"/>
+              <a:rPr lang="en-US" sz="2000" dirty="0" err="1"/>
               <a:t>RightsML</a:t>
             </a:r>
             <a:r>
-              <a:rPr lang="en-US" sz="2400" dirty="0"/>
+              <a:rPr lang="en-US" sz="2000" dirty="0"/>
               <a:t> (ODRL profile) (news industry)</a:t>
             </a:r>
             <a:r>
-              <a:rPr lang="en-US" sz="2400" baseline="30000" dirty="0"/>
+              <a:rPr lang="en-US" sz="2000" baseline="30000" dirty="0"/>
               <a:t> 2</a:t>
             </a:r>
           </a:p>
           <a:p>
             <a:pPr lvl="1"/>
+            <a:endParaRPr lang="en-US" sz="2000" dirty="0"/>
+          </a:p>
+          <a:p>
             <a:endParaRPr lang="en-US" sz="2400" dirty="0"/>
-          </a:p>
-          <a:p>
-            <a:endParaRPr lang="en-US" sz="2800" dirty="0"/>
           </a:p>
         </p:txBody>
       </p:sp>
@@ -5821,7 +5947,7 @@
         <p:spPr>
           <a:xfrm>
             <a:off x="228600" y="6226157"/>
-            <a:ext cx="7239000" cy="400110"/>
+            <a:ext cx="7239000" cy="553998"/>
           </a:xfrm>
           <a:prstGeom prst="rect">
             <a:avLst/>
@@ -5872,7 +5998,17 @@
             </a:r>
             <a:r>
               <a:rPr lang="en-US" sz="1000" dirty="0"/>
-              <a:t>.  </a:t>
+              <a:t>. See also </a:t>
+            </a:r>
+            <a:r>
+              <a:rPr lang="en-US" sz="1000" dirty="0">
+                <a:hlinkClick r:id="rId5"/>
+              </a:rPr>
+              <a:t>https://www.slideshare.net/smyles/rights-for-photo-and-video-archives-at-the-associated-press</a:t>
+            </a:r>
+            <a:r>
+              <a:rPr lang="en-US" sz="1000" dirty="0"/>
+              <a:t>. </a:t>
             </a:r>
           </a:p>
         </p:txBody>
@@ -6088,6 +6224,2573 @@
           <a:lstStyle/>
           <a:p>
             <a:r>
+              <a:rPr lang="en-US" dirty="0">
+                <a:latin typeface="Arial Narrow" panose="020B0606020202030204" pitchFamily="34" charset="0"/>
+              </a:rPr>
+              <a:t>Background</a:t>
+            </a:r>
+          </a:p>
+        </p:txBody>
+      </p:sp>
+      <p:sp>
+        <p:nvSpPr>
+          <p:cNvPr id="3" name="Content Placeholder 2"/>
+          <p:cNvSpPr>
+            <a:spLocks noGrp="1"/>
+          </p:cNvSpPr>
+          <p:nvPr>
+            <p:ph idx="1"/>
+          </p:nvPr>
+        </p:nvSpPr>
+        <p:spPr/>
+        <p:txBody>
+          <a:bodyPr/>
+          <a:lstStyle/>
+          <a:p>
+            <a:r>
+              <a:rPr lang="en-US" sz="2400" dirty="0">
+                <a:latin typeface="Arial Narrow" panose="020B0606020202030204" pitchFamily="34" charset="0"/>
+              </a:rPr>
+              <a:t>Consultant with focus on digital media and copyright age since 2000</a:t>
+            </a:r>
+          </a:p>
+          <a:p>
+            <a:r>
+              <a:rPr lang="en-US" sz="2400" dirty="0">
+                <a:latin typeface="Arial Narrow" panose="020B0606020202030204" pitchFamily="34" charset="0"/>
+              </a:rPr>
+              <a:t>Background: software engineer, media industry IT executive, technology market strategist, author, editor, radio producer</a:t>
+            </a:r>
+          </a:p>
+          <a:p>
+            <a:r>
+              <a:rPr lang="en-US" sz="2400" dirty="0">
+                <a:latin typeface="Arial Narrow" panose="020B0606020202030204" pitchFamily="34" charset="0"/>
+              </a:rPr>
+              <a:t>Author: </a:t>
+            </a:r>
+            <a:r>
+              <a:rPr lang="en-US" sz="2400" i="1" dirty="0">
+                <a:latin typeface="Arial Narrow" panose="020B0606020202030204" pitchFamily="34" charset="0"/>
+              </a:rPr>
+              <a:t>Digital Rights Management: Business and Technology </a:t>
+            </a:r>
+            <a:r>
+              <a:rPr lang="en-US" sz="2400" dirty="0">
+                <a:latin typeface="Arial Narrow" panose="020B0606020202030204" pitchFamily="34" charset="0"/>
+              </a:rPr>
+              <a:t>(Wiley), copyrightandtechnology.com blog, journal articles, </a:t>
+            </a:r>
+            <a:r>
+              <a:rPr lang="en-US" sz="2400" i="1" dirty="0">
+                <a:latin typeface="Arial Narrow" panose="020B0606020202030204" pitchFamily="34" charset="0"/>
+              </a:rPr>
+              <a:t>Forbes</a:t>
+            </a:r>
+            <a:r>
+              <a:rPr lang="en-US" sz="2400" dirty="0">
+                <a:latin typeface="Arial Narrow" panose="020B0606020202030204" pitchFamily="34" charset="0"/>
+              </a:rPr>
+              <a:t> columnist, etc. </a:t>
+            </a:r>
+          </a:p>
+          <a:p>
+            <a:r>
+              <a:rPr lang="en-US" sz="2400" dirty="0">
+                <a:latin typeface="Arial Narrow" panose="020B0606020202030204" pitchFamily="34" charset="0"/>
+              </a:rPr>
+              <a:t>Chair of annual Copyright and Technology conferences</a:t>
+            </a:r>
+          </a:p>
+          <a:p>
+            <a:r>
+              <a:rPr lang="en-US" sz="2400" dirty="0">
+                <a:latin typeface="Arial Narrow" panose="020B0606020202030204" pitchFamily="34" charset="0"/>
+              </a:rPr>
+              <a:t>Speaker at World Economic Forum and other events worldwide</a:t>
+            </a:r>
+          </a:p>
+          <a:p>
+            <a:r>
+              <a:rPr lang="en-US" sz="2400" dirty="0">
+                <a:latin typeface="Arial Narrow" panose="020B0606020202030204" pitchFamily="34" charset="0"/>
+              </a:rPr>
+              <a:t>Guest lecturer at law, business, and music schools</a:t>
+            </a:r>
+          </a:p>
+          <a:p>
+            <a:r>
+              <a:rPr lang="en-US" sz="2400" dirty="0">
+                <a:latin typeface="Arial Narrow" panose="020B0606020202030204" pitchFamily="34" charset="0"/>
+              </a:rPr>
+              <a:t>Expert witness in copyright and patent litigation in US, Canada, Europe</a:t>
+            </a:r>
+          </a:p>
+        </p:txBody>
+      </p:sp>
+    </p:spTree>
+    <p:extLst>
+      <p:ext uri="{BB962C8B-B14F-4D97-AF65-F5344CB8AC3E}">
+        <p14:creationId xmlns:p14="http://schemas.microsoft.com/office/powerpoint/2010/main" val="608994557"/>
+      </p:ext>
+    </p:extLst>
+  </p:cSld>
+  <p:clrMapOvr>
+    <a:masterClrMapping/>
+  </p:clrMapOvr>
+</p:sld>
+</file>
+
+<file path=ppt/slides/slide20.xml><?xml version="1.0" encoding="utf-8"?>
+<p:sld xmlns:a="http://schemas.openxmlformats.org/drawingml/2006/main" xmlns:r="http://schemas.openxmlformats.org/officeDocument/2006/relationships" xmlns:p="http://schemas.openxmlformats.org/presentationml/2006/main">
+  <p:cSld>
+    <p:spTree>
+      <p:nvGrpSpPr>
+        <p:cNvPr id="1" name=""/>
+        <p:cNvGrpSpPr/>
+        <p:nvPr/>
+      </p:nvGrpSpPr>
+      <p:grpSpPr>
+        <a:xfrm>
+          <a:off x="0" y="0"/>
+          <a:ext cx="0" cy="0"/>
+          <a:chOff x="0" y="0"/>
+          <a:chExt cx="0" cy="0"/>
+        </a:xfrm>
+      </p:grpSpPr>
+      <p:sp>
+        <p:nvSpPr>
+          <p:cNvPr id="2" name="Title 1">
+            <a:extLst>
+              <a:ext uri="{FF2B5EF4-FFF2-40B4-BE49-F238E27FC236}">
+                <a16:creationId xmlns:a16="http://schemas.microsoft.com/office/drawing/2014/main" id="{105884F0-E4DB-4C88-98BF-A1D79C8A22AC}"/>
+              </a:ext>
+            </a:extLst>
+          </p:cNvPr>
+          <p:cNvSpPr>
+            <a:spLocks noGrp="1"/>
+          </p:cNvSpPr>
+          <p:nvPr>
+            <p:ph type="title"/>
+          </p:nvPr>
+        </p:nvSpPr>
+        <p:spPr/>
+        <p:txBody>
+          <a:bodyPr/>
+          <a:lstStyle/>
+          <a:p>
+            <a:r>
+              <a:rPr lang="en-US" dirty="0"/>
+              <a:t>ODRL 2.1 Examples</a:t>
+            </a:r>
+            <a:br>
+              <a:rPr lang="en-US" dirty="0"/>
+            </a:br>
+            <a:r>
+              <a:rPr lang="en-US" sz="2400" dirty="0"/>
+              <a:t>Movie can only be played in Germany after 2018 (JSON)</a:t>
+            </a:r>
+            <a:endParaRPr lang="en-US" dirty="0"/>
+          </a:p>
+        </p:txBody>
+      </p:sp>
+      <p:sp>
+        <p:nvSpPr>
+          <p:cNvPr id="5" name="Rectangle 4">
+            <a:extLst>
+              <a:ext uri="{FF2B5EF4-FFF2-40B4-BE49-F238E27FC236}">
+                <a16:creationId xmlns:a16="http://schemas.microsoft.com/office/drawing/2014/main" id="{8EA2CB12-C6DB-4394-9795-5D59C869484A}"/>
+              </a:ext>
+            </a:extLst>
+          </p:cNvPr>
+          <p:cNvSpPr/>
+          <p:nvPr/>
+        </p:nvSpPr>
+        <p:spPr>
+          <a:xfrm>
+            <a:off x="838200" y="1536174"/>
+            <a:ext cx="7391400" cy="4154984"/>
+          </a:xfrm>
+          <a:prstGeom prst="rect">
+            <a:avLst/>
+          </a:prstGeom>
+        </p:spPr>
+        <p:txBody>
+          <a:bodyPr wrap="square">
+            <a:spAutoFit/>
+          </a:bodyPr>
+          <a:lstStyle/>
+          <a:p>
+            <a:r>
+              <a:rPr lang="en-US" sz="1400" dirty="0"/>
+              <a:t>{</a:t>
+            </a:r>
+          </a:p>
+          <a:p>
+            <a:r>
+              <a:rPr lang="en-US" sz="1400" dirty="0"/>
+              <a:t> "@context": "http://www.w3.org/ns/odrl.jsonld",</a:t>
+            </a:r>
+          </a:p>
+          <a:p>
+            <a:r>
+              <a:rPr lang="en-US" sz="1400" dirty="0"/>
+              <a:t> "@type": "Set",</a:t>
+            </a:r>
+          </a:p>
+          <a:p>
+            <a:r>
+              <a:rPr lang="en-US" sz="1400" dirty="0"/>
+              <a:t> "</a:t>
+            </a:r>
+            <a:r>
+              <a:rPr lang="en-US" sz="1400" dirty="0" err="1"/>
+              <a:t>uid</a:t>
+            </a:r>
+            <a:r>
+              <a:rPr lang="en-US" sz="1400" dirty="0"/>
+              <a:t>": "http://example.com/policy:1010",</a:t>
+            </a:r>
+          </a:p>
+          <a:p>
+            <a:r>
+              <a:rPr lang="en-US" sz="1400" dirty="0"/>
+              <a:t> "permission": [{</a:t>
+            </a:r>
+          </a:p>
+          <a:p>
+            <a:r>
+              <a:rPr lang="en-US" sz="1400" dirty="0"/>
+              <a:t> 	"target": "http://example.com/asset:9898.movie",</a:t>
+            </a:r>
+          </a:p>
+          <a:p>
+            <a:r>
+              <a:rPr lang="en-US" sz="1400" dirty="0"/>
+              <a:t>	"action": "display",</a:t>
+            </a:r>
+          </a:p>
+          <a:p>
+            <a:r>
+              <a:rPr lang="en-US" sz="1400" dirty="0"/>
+              <a:t>	"constraint": [{</a:t>
+            </a:r>
+          </a:p>
+          <a:p>
+            <a:r>
+              <a:rPr lang="en-US" sz="1400" dirty="0"/>
+              <a:t>           "</a:t>
+            </a:r>
+            <a:r>
+              <a:rPr lang="en-US" sz="1400" dirty="0" err="1"/>
+              <a:t>leftOperand</a:t>
+            </a:r>
+            <a:r>
+              <a:rPr lang="en-US" sz="1400" dirty="0"/>
+              <a:t>": "</a:t>
+            </a:r>
+            <a:r>
+              <a:rPr lang="en-US" sz="1400" dirty="0" err="1"/>
+              <a:t>dateTime</a:t>
+            </a:r>
+            <a:r>
+              <a:rPr lang="en-US" sz="1400" dirty="0"/>
+              <a:t>",</a:t>
+            </a:r>
+          </a:p>
+          <a:p>
+            <a:r>
+              <a:rPr lang="en-US" sz="1400" dirty="0"/>
+              <a:t>           "operator": "</a:t>
+            </a:r>
+            <a:r>
+              <a:rPr lang="en-US" sz="1400" dirty="0" err="1"/>
+              <a:t>gt</a:t>
+            </a:r>
+            <a:r>
+              <a:rPr lang="en-US" sz="1400" dirty="0"/>
+              <a:t>",</a:t>
+            </a:r>
+          </a:p>
+          <a:p>
+            <a:r>
+              <a:rPr lang="en-US" sz="1400" dirty="0"/>
+              <a:t>           "</a:t>
+            </a:r>
+            <a:r>
+              <a:rPr lang="en-US" sz="1400" dirty="0" err="1"/>
+              <a:t>rightOperand</a:t>
+            </a:r>
+            <a:r>
+              <a:rPr lang="en-US" sz="1400" dirty="0"/>
+              <a:t>":  { "@value": "2019-01-01", "@type": "</a:t>
+            </a:r>
+            <a:r>
+              <a:rPr lang="en-US" sz="1400" dirty="0" err="1"/>
+              <a:t>xsd:date</a:t>
+            </a:r>
+            <a:r>
+              <a:rPr lang="en-US" sz="1400" dirty="0"/>
+              <a:t>" }</a:t>
+            </a:r>
+          </a:p>
+          <a:p>
+            <a:r>
+              <a:rPr lang="en-US" sz="1400" dirty="0"/>
+              <a:t>	   }, {</a:t>
+            </a:r>
+          </a:p>
+          <a:p>
+            <a:r>
+              <a:rPr lang="en-US" sz="1400" dirty="0"/>
+              <a:t>           "</a:t>
+            </a:r>
+            <a:r>
+              <a:rPr lang="en-US" sz="1400" dirty="0" err="1"/>
+              <a:t>leftOperand</a:t>
+            </a:r>
+            <a:r>
+              <a:rPr lang="en-US" sz="1400" dirty="0"/>
+              <a:t>": "spatial",</a:t>
+            </a:r>
+          </a:p>
+          <a:p>
+            <a:r>
+              <a:rPr lang="en-US" sz="1400" dirty="0"/>
+              <a:t>           "operator": "eq",</a:t>
+            </a:r>
+          </a:p>
+          <a:p>
+            <a:r>
+              <a:rPr lang="en-US" sz="1400" dirty="0"/>
+              <a:t>           "</a:t>
+            </a:r>
+            <a:r>
+              <a:rPr lang="en-US" sz="1400" dirty="0" err="1"/>
+              <a:t>rightOperand</a:t>
+            </a:r>
+            <a:r>
+              <a:rPr lang="en-US" sz="1400" dirty="0"/>
+              <a:t>":  "https://www.wikidata.org/wiki/Q183",</a:t>
+            </a:r>
+          </a:p>
+          <a:p>
+            <a:r>
+              <a:rPr lang="en-US" sz="1400" dirty="0"/>
+              <a:t>	   "comment": "</a:t>
+            </a:r>
+            <a:r>
+              <a:rPr lang="en-US" sz="1400" dirty="0" err="1"/>
+              <a:t>i.e</a:t>
+            </a:r>
+            <a:r>
+              <a:rPr lang="en-US" sz="1400" dirty="0"/>
+              <a:t> Germany"</a:t>
+            </a:r>
+          </a:p>
+          <a:p>
+            <a:r>
+              <a:rPr lang="en-US" sz="1400" dirty="0"/>
+              <a:t>       }]</a:t>
+            </a:r>
+          </a:p>
+          <a:p>
+            <a:r>
+              <a:rPr lang="en-US" sz="1400" dirty="0"/>
+              <a:t> }]</a:t>
+            </a:r>
+          </a:p>
+          <a:p>
+            <a:r>
+              <a:rPr lang="en-US" sz="1400" dirty="0"/>
+              <a:t>}	</a:t>
+            </a:r>
+          </a:p>
+        </p:txBody>
+      </p:sp>
+      <p:sp>
+        <p:nvSpPr>
+          <p:cNvPr id="6" name="TextBox 5">
+            <a:extLst>
+              <a:ext uri="{FF2B5EF4-FFF2-40B4-BE49-F238E27FC236}">
+                <a16:creationId xmlns:a16="http://schemas.microsoft.com/office/drawing/2014/main" id="{03BC4F59-9E9A-4983-A945-FEFEF5FA8733}"/>
+              </a:ext>
+            </a:extLst>
+          </p:cNvPr>
+          <p:cNvSpPr txBox="1"/>
+          <p:nvPr/>
+        </p:nvSpPr>
+        <p:spPr>
+          <a:xfrm>
+            <a:off x="228600" y="6430089"/>
+            <a:ext cx="2677336" cy="246221"/>
+          </a:xfrm>
+          <a:prstGeom prst="rect">
+            <a:avLst/>
+          </a:prstGeom>
+          <a:noFill/>
+        </p:spPr>
+        <p:txBody>
+          <a:bodyPr wrap="none" rtlCol="0">
+            <a:spAutoFit/>
+          </a:bodyPr>
+          <a:lstStyle/>
+          <a:p>
+            <a:r>
+              <a:rPr lang="en-US" sz="1000" dirty="0"/>
+              <a:t>Source: </a:t>
+            </a:r>
+            <a:r>
+              <a:rPr lang="en-US" sz="1000" dirty="0">
+                <a:hlinkClick r:id="rId2"/>
+              </a:rPr>
+              <a:t>https://w3c.github.io/odrl/bp/#styles</a:t>
+            </a:r>
+            <a:r>
+              <a:rPr lang="en-US" sz="1000" dirty="0"/>
+              <a:t> </a:t>
+            </a:r>
+          </a:p>
+        </p:txBody>
+      </p:sp>
+    </p:spTree>
+    <p:extLst>
+      <p:ext uri="{BB962C8B-B14F-4D97-AF65-F5344CB8AC3E}">
+        <p14:creationId xmlns:p14="http://schemas.microsoft.com/office/powerpoint/2010/main" val="4066614932"/>
+      </p:ext>
+    </p:extLst>
+  </p:cSld>
+  <p:clrMapOvr>
+    <a:masterClrMapping/>
+  </p:clrMapOvr>
+</p:sld>
+</file>
+
+<file path=ppt/slides/slide21.xml><?xml version="1.0" encoding="utf-8"?>
+<p:sld xmlns:a="http://schemas.openxmlformats.org/drawingml/2006/main" xmlns:r="http://schemas.openxmlformats.org/officeDocument/2006/relationships" xmlns:p="http://schemas.openxmlformats.org/presentationml/2006/main">
+  <p:cSld>
+    <p:spTree>
+      <p:nvGrpSpPr>
+        <p:cNvPr id="1" name=""/>
+        <p:cNvGrpSpPr/>
+        <p:nvPr/>
+      </p:nvGrpSpPr>
+      <p:grpSpPr>
+        <a:xfrm>
+          <a:off x="0" y="0"/>
+          <a:ext cx="0" cy="0"/>
+          <a:chOff x="0" y="0"/>
+          <a:chExt cx="0" cy="0"/>
+        </a:xfrm>
+      </p:grpSpPr>
+      <p:sp>
+        <p:nvSpPr>
+          <p:cNvPr id="2" name="Title 1">
+            <a:extLst>
+              <a:ext uri="{FF2B5EF4-FFF2-40B4-BE49-F238E27FC236}">
+                <a16:creationId xmlns:a16="http://schemas.microsoft.com/office/drawing/2014/main" id="{105884F0-E4DB-4C88-98BF-A1D79C8A22AC}"/>
+              </a:ext>
+            </a:extLst>
+          </p:cNvPr>
+          <p:cNvSpPr>
+            <a:spLocks noGrp="1"/>
+          </p:cNvSpPr>
+          <p:nvPr>
+            <p:ph type="title"/>
+          </p:nvPr>
+        </p:nvSpPr>
+        <p:spPr/>
+        <p:txBody>
+          <a:bodyPr/>
+          <a:lstStyle/>
+          <a:p>
+            <a:r>
+              <a:rPr lang="en-US" dirty="0"/>
+              <a:t>ODRL 2.1 Examples</a:t>
+            </a:r>
+            <a:br>
+              <a:rPr lang="en-US" dirty="0"/>
+            </a:br>
+            <a:r>
+              <a:rPr lang="en-US" sz="2400" dirty="0"/>
+              <a:t>Allow distribution of movie over mobile networks only (JSON)</a:t>
+            </a:r>
+            <a:endParaRPr lang="en-US" dirty="0"/>
+          </a:p>
+        </p:txBody>
+      </p:sp>
+      <p:sp>
+        <p:nvSpPr>
+          <p:cNvPr id="5" name="Rectangle 4">
+            <a:extLst>
+              <a:ext uri="{FF2B5EF4-FFF2-40B4-BE49-F238E27FC236}">
+                <a16:creationId xmlns:a16="http://schemas.microsoft.com/office/drawing/2014/main" id="{8EA2CB12-C6DB-4394-9795-5D59C869484A}"/>
+              </a:ext>
+            </a:extLst>
+          </p:cNvPr>
+          <p:cNvSpPr/>
+          <p:nvPr/>
+        </p:nvSpPr>
+        <p:spPr>
+          <a:xfrm>
+            <a:off x="838200" y="1536174"/>
+            <a:ext cx="7391400" cy="3754874"/>
+          </a:xfrm>
+          <a:prstGeom prst="rect">
+            <a:avLst/>
+          </a:prstGeom>
+        </p:spPr>
+        <p:txBody>
+          <a:bodyPr wrap="square">
+            <a:spAutoFit/>
+          </a:bodyPr>
+          <a:lstStyle/>
+          <a:p>
+            <a:r>
+              <a:rPr lang="en-US" sz="1400" dirty="0"/>
+              <a:t>{</a:t>
+            </a:r>
+          </a:p>
+          <a:p>
+            <a:r>
+              <a:rPr lang="en-US" sz="1400" dirty="0"/>
+              <a:t>    "@context": "http://www.w3.org/ns/odrl.jsonld",</a:t>
+            </a:r>
+          </a:p>
+          <a:p>
+            <a:r>
+              <a:rPr lang="en-US" sz="1400" dirty="0"/>
+              <a:t>    "@type": "Set",</a:t>
+            </a:r>
+          </a:p>
+          <a:p>
+            <a:r>
+              <a:rPr lang="en-US" sz="1400" dirty="0"/>
+              <a:t>    "</a:t>
+            </a:r>
+            <a:r>
+              <a:rPr lang="en-US" sz="1400" dirty="0" err="1"/>
+              <a:t>uid</a:t>
+            </a:r>
+            <a:r>
+              <a:rPr lang="en-US" sz="1400" dirty="0"/>
+              <a:t>": "http://example.com/policy:6161",</a:t>
+            </a:r>
+          </a:p>
+          <a:p>
+            <a:r>
+              <a:rPr lang="en-US" sz="1400" dirty="0"/>
+              <a:t>    "permission": [{</a:t>
+            </a:r>
+          </a:p>
+          <a:p>
+            <a:r>
+              <a:rPr lang="en-US" sz="1400" dirty="0"/>
+              <a:t>       "target": "http://example.com/asset:9898.movie",</a:t>
+            </a:r>
+          </a:p>
+          <a:p>
+            <a:r>
+              <a:rPr lang="en-US" sz="1400" dirty="0"/>
+              <a:t>       "assigner": "http://example.com/org:616",</a:t>
+            </a:r>
+          </a:p>
+          <a:p>
+            <a:r>
+              <a:rPr lang="en-US" sz="1400" dirty="0"/>
+              <a:t>       "action": [{</a:t>
+            </a:r>
+          </a:p>
+          <a:p>
+            <a:r>
+              <a:rPr lang="en-US" sz="1400" dirty="0"/>
+              <a:t>          "action": "distribute",</a:t>
+            </a:r>
+          </a:p>
+          <a:p>
+            <a:r>
+              <a:rPr lang="en-US" sz="1400" dirty="0"/>
+              <a:t>          "refinement": [{</a:t>
+            </a:r>
+          </a:p>
+          <a:p>
+            <a:r>
+              <a:rPr lang="en-US" sz="1400" dirty="0"/>
+              <a:t>             "</a:t>
+            </a:r>
+            <a:r>
+              <a:rPr lang="en-US" sz="1400" dirty="0" err="1"/>
+              <a:t>leftOperand</a:t>
+            </a:r>
+            <a:r>
+              <a:rPr lang="en-US" sz="1400" dirty="0"/>
+              <a:t>": "</a:t>
+            </a:r>
+            <a:r>
+              <a:rPr lang="en-US" sz="1400" dirty="0" err="1"/>
+              <a:t>deliveryChannel</a:t>
+            </a:r>
+            <a:r>
+              <a:rPr lang="en-US" sz="1400" dirty="0"/>
+              <a:t>",</a:t>
+            </a:r>
+          </a:p>
+          <a:p>
+            <a:r>
+              <a:rPr lang="en-US" sz="1400" dirty="0"/>
+              <a:t>             "operator": "eq",</a:t>
+            </a:r>
+          </a:p>
+          <a:p>
+            <a:r>
+              <a:rPr lang="en-US" sz="1400" dirty="0"/>
+              <a:t>             "</a:t>
+            </a:r>
+            <a:r>
+              <a:rPr lang="en-US" sz="1400" dirty="0" err="1"/>
+              <a:t>rightOperand</a:t>
+            </a:r>
+            <a:r>
+              <a:rPr lang="en-US" sz="1400" dirty="0"/>
+              <a:t>": "http://example.com/cv/</a:t>
+            </a:r>
+            <a:r>
+              <a:rPr lang="en-US" sz="1400" dirty="0" err="1"/>
+              <a:t>audMedia</a:t>
+            </a:r>
+            <a:r>
+              <a:rPr lang="en-US" sz="1400" dirty="0"/>
+              <a:t>/MOBILE"</a:t>
+            </a:r>
+          </a:p>
+          <a:p>
+            <a:r>
+              <a:rPr lang="en-US" sz="1400" dirty="0"/>
+              <a:t>          }]</a:t>
+            </a:r>
+          </a:p>
+          <a:p>
+            <a:r>
+              <a:rPr lang="en-US" sz="1400" dirty="0"/>
+              <a:t>      }]</a:t>
+            </a:r>
+          </a:p>
+          <a:p>
+            <a:r>
+              <a:rPr lang="en-US" sz="1400" dirty="0"/>
+              <a:t>   }]</a:t>
+            </a:r>
+          </a:p>
+          <a:p>
+            <a:r>
+              <a:rPr lang="en-US" sz="1400" dirty="0"/>
+              <a:t>}	</a:t>
+            </a:r>
+          </a:p>
+        </p:txBody>
+      </p:sp>
+      <p:sp>
+        <p:nvSpPr>
+          <p:cNvPr id="6" name="TextBox 5">
+            <a:extLst>
+              <a:ext uri="{FF2B5EF4-FFF2-40B4-BE49-F238E27FC236}">
+                <a16:creationId xmlns:a16="http://schemas.microsoft.com/office/drawing/2014/main" id="{03BC4F59-9E9A-4983-A945-FEFEF5FA8733}"/>
+              </a:ext>
+            </a:extLst>
+          </p:cNvPr>
+          <p:cNvSpPr txBox="1"/>
+          <p:nvPr/>
+        </p:nvSpPr>
+        <p:spPr>
+          <a:xfrm>
+            <a:off x="228600" y="6430089"/>
+            <a:ext cx="2677336" cy="246221"/>
+          </a:xfrm>
+          <a:prstGeom prst="rect">
+            <a:avLst/>
+          </a:prstGeom>
+          <a:noFill/>
+        </p:spPr>
+        <p:txBody>
+          <a:bodyPr wrap="none" rtlCol="0">
+            <a:spAutoFit/>
+          </a:bodyPr>
+          <a:lstStyle/>
+          <a:p>
+            <a:r>
+              <a:rPr lang="en-US" sz="1000" dirty="0"/>
+              <a:t>Source: </a:t>
+            </a:r>
+            <a:r>
+              <a:rPr lang="en-US" sz="1000" dirty="0">
+                <a:hlinkClick r:id="rId2"/>
+              </a:rPr>
+              <a:t>https://w3c.github.io/odrl/bp/#styles</a:t>
+            </a:r>
+            <a:r>
+              <a:rPr lang="en-US" sz="1000" dirty="0"/>
+              <a:t> </a:t>
+            </a:r>
+          </a:p>
+        </p:txBody>
+      </p:sp>
+    </p:spTree>
+    <p:extLst>
+      <p:ext uri="{BB962C8B-B14F-4D97-AF65-F5344CB8AC3E}">
+        <p14:creationId xmlns:p14="http://schemas.microsoft.com/office/powerpoint/2010/main" val="3062535866"/>
+      </p:ext>
+    </p:extLst>
+  </p:cSld>
+  <p:clrMapOvr>
+    <a:masterClrMapping/>
+  </p:clrMapOvr>
+</p:sld>
+</file>
+
+<file path=ppt/slides/slide22.xml><?xml version="1.0" encoding="utf-8"?>
+<p:sld xmlns:a="http://schemas.openxmlformats.org/drawingml/2006/main" xmlns:r="http://schemas.openxmlformats.org/officeDocument/2006/relationships" xmlns:p="http://schemas.openxmlformats.org/presentationml/2006/main">
+  <p:cSld>
+    <p:spTree>
+      <p:nvGrpSpPr>
+        <p:cNvPr id="1" name=""/>
+        <p:cNvGrpSpPr/>
+        <p:nvPr/>
+      </p:nvGrpSpPr>
+      <p:grpSpPr>
+        <a:xfrm>
+          <a:off x="0" y="0"/>
+          <a:ext cx="0" cy="0"/>
+          <a:chOff x="0" y="0"/>
+          <a:chExt cx="0" cy="0"/>
+        </a:xfrm>
+      </p:grpSpPr>
+      <p:sp>
+        <p:nvSpPr>
+          <p:cNvPr id="2" name="Title 1">
+            <a:extLst>
+              <a:ext uri="{FF2B5EF4-FFF2-40B4-BE49-F238E27FC236}">
+                <a16:creationId xmlns:a16="http://schemas.microsoft.com/office/drawing/2014/main" id="{C3FC7913-BD61-40EA-9BD8-A73B5E33AD06}"/>
+              </a:ext>
+            </a:extLst>
+          </p:cNvPr>
+          <p:cNvSpPr>
+            <a:spLocks noGrp="1"/>
+          </p:cNvSpPr>
+          <p:nvPr>
+            <p:ph type="title"/>
+          </p:nvPr>
+        </p:nvSpPr>
+        <p:spPr/>
+        <p:txBody>
+          <a:bodyPr/>
+          <a:lstStyle/>
+          <a:p>
+            <a:r>
+              <a:rPr lang="en-US" dirty="0" err="1"/>
+              <a:t>RightsML</a:t>
+            </a:r>
+            <a:r>
+              <a:rPr lang="en-US" dirty="0"/>
+              <a:t> Example</a:t>
+            </a:r>
+            <a:br>
+              <a:rPr lang="en-US" dirty="0"/>
+            </a:br>
+            <a:r>
+              <a:rPr lang="en-US" sz="2400" dirty="0"/>
+              <a:t>Picture can be displayed by EPA licensee within Germany</a:t>
+            </a:r>
+            <a:br>
+              <a:rPr lang="en-US" sz="2400" dirty="0"/>
+            </a:br>
+            <a:r>
+              <a:rPr lang="en-US" sz="2400" dirty="0"/>
+              <a:t>(</a:t>
+            </a:r>
+            <a:r>
+              <a:rPr lang="en-US" sz="2400" dirty="0" err="1"/>
+              <a:t>RightsML</a:t>
+            </a:r>
+            <a:r>
+              <a:rPr lang="en-US" sz="2400" dirty="0"/>
+              <a:t> Data Structure template) </a:t>
+            </a:r>
+            <a:endParaRPr lang="en-US" dirty="0"/>
+          </a:p>
+        </p:txBody>
+      </p:sp>
+      <p:sp>
+        <p:nvSpPr>
+          <p:cNvPr id="5" name="Rectangle 4">
+            <a:extLst>
+              <a:ext uri="{FF2B5EF4-FFF2-40B4-BE49-F238E27FC236}">
+                <a16:creationId xmlns:a16="http://schemas.microsoft.com/office/drawing/2014/main" id="{35F9D478-1D0B-4284-945C-101D9D0516C5}"/>
+              </a:ext>
+            </a:extLst>
+          </p:cNvPr>
+          <p:cNvSpPr/>
+          <p:nvPr/>
+        </p:nvSpPr>
+        <p:spPr>
+          <a:xfrm>
+            <a:off x="914400" y="1905506"/>
+            <a:ext cx="7315200" cy="3785652"/>
+          </a:xfrm>
+          <a:prstGeom prst="rect">
+            <a:avLst/>
+          </a:prstGeom>
+        </p:spPr>
+        <p:txBody>
+          <a:bodyPr wrap="square">
+            <a:spAutoFit/>
+          </a:bodyPr>
+          <a:lstStyle/>
+          <a:p>
+            <a:r>
+              <a:rPr lang="en-US" sz="1600" dirty="0"/>
+              <a:t>Policy:</a:t>
+            </a:r>
+          </a:p>
+          <a:p>
+            <a:r>
+              <a:rPr lang="en-US" sz="1600" dirty="0"/>
+              <a:t>  </a:t>
+            </a:r>
+            <a:r>
+              <a:rPr lang="en-US" sz="1600" dirty="0">
+                <a:solidFill>
+                  <a:srgbClr val="002060"/>
+                </a:solidFill>
+              </a:rPr>
+              <a:t>type</a:t>
+            </a:r>
+            <a:r>
+              <a:rPr lang="en-US" sz="1600" dirty="0"/>
+              <a:t>: "http://www.w3.org/ns/odrl/2/Set"</a:t>
+            </a:r>
+          </a:p>
+          <a:p>
+            <a:r>
+              <a:rPr lang="en-US" sz="1600" dirty="0"/>
+              <a:t>  </a:t>
+            </a:r>
+            <a:r>
+              <a:rPr lang="en-US" sz="1600" dirty="0" err="1">
+                <a:solidFill>
+                  <a:srgbClr val="002060"/>
+                </a:solidFill>
+              </a:rPr>
+              <a:t>uid</a:t>
+            </a:r>
+            <a:r>
+              <a:rPr lang="en-US" sz="1600" dirty="0">
+                <a:solidFill>
+                  <a:srgbClr val="002060"/>
+                </a:solidFill>
+              </a:rPr>
+              <a:t>:</a:t>
+            </a:r>
+            <a:r>
+              <a:rPr lang="en-US" sz="1600" dirty="0"/>
+              <a:t> "http://example.com/</a:t>
+            </a:r>
+            <a:r>
+              <a:rPr lang="en-US" sz="1600" dirty="0" err="1"/>
+              <a:t>RightsML</a:t>
+            </a:r>
+            <a:r>
+              <a:rPr lang="en-US" sz="1600" dirty="0"/>
+              <a:t>/policy/idGeog1"</a:t>
+            </a:r>
+          </a:p>
+          <a:p>
+            <a:r>
+              <a:rPr lang="en-US" sz="1600" dirty="0"/>
+              <a:t>  </a:t>
+            </a:r>
+            <a:r>
+              <a:rPr lang="en-US" sz="1600" dirty="0">
+                <a:solidFill>
+                  <a:srgbClr val="002060"/>
+                </a:solidFill>
+              </a:rPr>
+              <a:t>profile</a:t>
+            </a:r>
+            <a:r>
+              <a:rPr lang="en-US" sz="1600" dirty="0"/>
+              <a:t>: "https://iptc.org/std/</a:t>
+            </a:r>
+            <a:r>
+              <a:rPr lang="en-US" sz="1600" dirty="0" err="1"/>
+              <a:t>RightsML</a:t>
+            </a:r>
+            <a:r>
+              <a:rPr lang="en-US" sz="1600" dirty="0"/>
+              <a:t>/</a:t>
+            </a:r>
+            <a:r>
+              <a:rPr lang="en-US" sz="1600" dirty="0" err="1"/>
+              <a:t>odrl</a:t>
+            </a:r>
+            <a:r>
+              <a:rPr lang="en-US" sz="1600" dirty="0"/>
+              <a:t>-profile/"</a:t>
+            </a:r>
+          </a:p>
+          <a:p>
+            <a:r>
+              <a:rPr lang="en-US" sz="1600" dirty="0"/>
+              <a:t>  </a:t>
+            </a:r>
+            <a:r>
+              <a:rPr lang="en-US" sz="1600" dirty="0">
+                <a:solidFill>
+                  <a:srgbClr val="00B050"/>
+                </a:solidFill>
+              </a:rPr>
+              <a:t>permission</a:t>
+            </a:r>
+            <a:r>
+              <a:rPr lang="en-US" sz="1600" dirty="0"/>
+              <a:t>:</a:t>
+            </a:r>
+          </a:p>
+          <a:p>
+            <a:r>
+              <a:rPr lang="en-US" sz="1600" dirty="0"/>
+              <a:t>    - target: "urn:newsml:example.com:20120101:180106-999-000013"</a:t>
+            </a:r>
+          </a:p>
+          <a:p>
+            <a:r>
+              <a:rPr lang="en-US" sz="1600" dirty="0"/>
+              <a:t>      assigner: "http://example.com/cv/party/</a:t>
+            </a:r>
+            <a:r>
+              <a:rPr lang="en-US" sz="1600" dirty="0" err="1"/>
+              <a:t>epa</a:t>
+            </a:r>
+            <a:r>
+              <a:rPr lang="en-US" sz="1600" dirty="0"/>
+              <a:t>"</a:t>
+            </a:r>
+          </a:p>
+          <a:p>
+            <a:r>
+              <a:rPr lang="en-US" sz="1600" dirty="0"/>
+              <a:t>      assignee:</a:t>
+            </a:r>
+          </a:p>
+          <a:p>
+            <a:r>
+              <a:rPr lang="en-US" sz="1600" dirty="0"/>
+              <a:t>        type: "http://www.w3.org/ns/odrl/2/PartyCollection"</a:t>
+            </a:r>
+          </a:p>
+          <a:p>
+            <a:r>
+              <a:rPr lang="en-US" sz="1600" dirty="0"/>
+              <a:t>        </a:t>
+            </a:r>
+            <a:r>
+              <a:rPr lang="en-US" sz="1600" dirty="0" err="1"/>
+              <a:t>uid</a:t>
+            </a:r>
+            <a:r>
+              <a:rPr lang="en-US" sz="1600" dirty="0"/>
+              <a:t>: "http://example.com/cv/</a:t>
+            </a:r>
+            <a:r>
+              <a:rPr lang="en-US" sz="1600" dirty="0" err="1"/>
+              <a:t>partygroup</a:t>
+            </a:r>
+            <a:r>
+              <a:rPr lang="en-US" sz="1600" dirty="0"/>
+              <a:t>/</a:t>
+            </a:r>
+            <a:r>
+              <a:rPr lang="en-US" sz="1600" dirty="0" err="1"/>
+              <a:t>epapartners</a:t>
+            </a:r>
+            <a:r>
+              <a:rPr lang="en-US" sz="1600" dirty="0"/>
+              <a:t>"</a:t>
+            </a:r>
+          </a:p>
+          <a:p>
+            <a:r>
+              <a:rPr lang="en-US" sz="1600" dirty="0"/>
+              <a:t>      action: "http://www.w3.org/ns/odrl/2/distribute"</a:t>
+            </a:r>
+          </a:p>
+          <a:p>
+            <a:r>
+              <a:rPr lang="en-US" sz="1600" dirty="0">
+                <a:solidFill>
+                  <a:srgbClr val="00B0F0"/>
+                </a:solidFill>
+              </a:rPr>
+              <a:t>      constraint:</a:t>
+            </a:r>
+          </a:p>
+          <a:p>
+            <a:r>
+              <a:rPr lang="en-US" sz="1600" dirty="0"/>
+              <a:t>      - </a:t>
+            </a:r>
+            <a:r>
+              <a:rPr lang="en-US" sz="1600" dirty="0" err="1">
+                <a:solidFill>
+                  <a:srgbClr val="00B0F0"/>
+                </a:solidFill>
+              </a:rPr>
+              <a:t>leftOperand</a:t>
+            </a:r>
+            <a:r>
+              <a:rPr lang="en-US" sz="1600" dirty="0"/>
+              <a:t>: "http://www.w3.org/ns/odrl/2/spatial"</a:t>
+            </a:r>
+          </a:p>
+          <a:p>
+            <a:r>
+              <a:rPr lang="en-US" sz="1600" dirty="0"/>
+              <a:t>        </a:t>
+            </a:r>
+            <a:r>
+              <a:rPr lang="en-US" sz="1600" dirty="0">
+                <a:solidFill>
+                  <a:srgbClr val="00B0F0"/>
+                </a:solidFill>
+              </a:rPr>
+              <a:t>operator</a:t>
+            </a:r>
+            <a:r>
+              <a:rPr lang="en-US" sz="1600" dirty="0"/>
+              <a:t>: "http://www.w3.org/ns/odrl/2/eq"</a:t>
+            </a:r>
+          </a:p>
+          <a:p>
+            <a:r>
+              <a:rPr lang="en-US" sz="1600" dirty="0"/>
+              <a:t>        </a:t>
+            </a:r>
+            <a:r>
+              <a:rPr lang="en-US" sz="1600" dirty="0" err="1">
+                <a:solidFill>
+                  <a:srgbClr val="00B0F0"/>
+                </a:solidFill>
+              </a:rPr>
+              <a:t>rightOperand</a:t>
+            </a:r>
+            <a:r>
+              <a:rPr lang="en-US" sz="1600" dirty="0"/>
+              <a:t>: "http://cvx.iptc.org/iso3166-1a3/DEU"</a:t>
+            </a:r>
+          </a:p>
+        </p:txBody>
+      </p:sp>
+      <p:sp>
+        <p:nvSpPr>
+          <p:cNvPr id="4" name="TextBox 3">
+            <a:extLst>
+              <a:ext uri="{FF2B5EF4-FFF2-40B4-BE49-F238E27FC236}">
+                <a16:creationId xmlns:a16="http://schemas.microsoft.com/office/drawing/2014/main" id="{96D702D3-D187-41C0-9290-BF73A935A959}"/>
+              </a:ext>
+            </a:extLst>
+          </p:cNvPr>
+          <p:cNvSpPr txBox="1"/>
+          <p:nvPr/>
+        </p:nvSpPr>
+        <p:spPr>
+          <a:xfrm>
+            <a:off x="228600" y="6430089"/>
+            <a:ext cx="3887603" cy="246221"/>
+          </a:xfrm>
+          <a:prstGeom prst="rect">
+            <a:avLst/>
+          </a:prstGeom>
+          <a:noFill/>
+        </p:spPr>
+        <p:txBody>
+          <a:bodyPr wrap="none" rtlCol="0">
+            <a:spAutoFit/>
+          </a:bodyPr>
+          <a:lstStyle/>
+          <a:p>
+            <a:r>
+              <a:rPr lang="en-US" sz="1000" dirty="0"/>
+              <a:t>Source: http://dev.iptc.org/RightsML-Simple-Example-Geographic</a:t>
+            </a:r>
+          </a:p>
+        </p:txBody>
+      </p:sp>
+    </p:spTree>
+    <p:extLst>
+      <p:ext uri="{BB962C8B-B14F-4D97-AF65-F5344CB8AC3E}">
+        <p14:creationId xmlns:p14="http://schemas.microsoft.com/office/powerpoint/2010/main" val="1615771631"/>
+      </p:ext>
+    </p:extLst>
+  </p:cSld>
+  <p:clrMapOvr>
+    <a:masterClrMapping/>
+  </p:clrMapOvr>
+</p:sld>
+</file>
+
+<file path=ppt/slides/slide23.xml><?xml version="1.0" encoding="utf-8"?>
+<p:sld xmlns:a="http://schemas.openxmlformats.org/drawingml/2006/main" xmlns:r="http://schemas.openxmlformats.org/officeDocument/2006/relationships" xmlns:p="http://schemas.openxmlformats.org/presentationml/2006/main">
+  <p:cSld>
+    <p:spTree>
+      <p:nvGrpSpPr>
+        <p:cNvPr id="1" name=""/>
+        <p:cNvGrpSpPr/>
+        <p:nvPr/>
+      </p:nvGrpSpPr>
+      <p:grpSpPr>
+        <a:xfrm>
+          <a:off x="0" y="0"/>
+          <a:ext cx="0" cy="0"/>
+          <a:chOff x="0" y="0"/>
+          <a:chExt cx="0" cy="0"/>
+        </a:xfrm>
+      </p:grpSpPr>
+      <p:sp>
+        <p:nvSpPr>
+          <p:cNvPr id="2" name="Title 1">
+            <a:extLst>
+              <a:ext uri="{FF2B5EF4-FFF2-40B4-BE49-F238E27FC236}">
+                <a16:creationId xmlns:a16="http://schemas.microsoft.com/office/drawing/2014/main" id="{1913E9D4-C7C4-4E54-8391-22F581515917}"/>
+              </a:ext>
+            </a:extLst>
+          </p:cNvPr>
+          <p:cNvSpPr>
+            <a:spLocks noGrp="1"/>
+          </p:cNvSpPr>
+          <p:nvPr>
+            <p:ph type="title"/>
+          </p:nvPr>
+        </p:nvSpPr>
+        <p:spPr/>
+        <p:txBody>
+          <a:bodyPr/>
+          <a:lstStyle/>
+          <a:p>
+            <a:r>
+              <a:rPr lang="en-US" dirty="0" err="1"/>
+              <a:t>RightsML</a:t>
+            </a:r>
+            <a:r>
+              <a:rPr lang="en-US" dirty="0"/>
+              <a:t> Example</a:t>
+            </a:r>
+            <a:br>
+              <a:rPr lang="en-US" dirty="0"/>
+            </a:br>
+            <a:r>
+              <a:rPr lang="en-US" sz="2400" dirty="0"/>
+              <a:t>The same code in JSON</a:t>
+            </a:r>
+            <a:endParaRPr lang="en-US" dirty="0"/>
+          </a:p>
+        </p:txBody>
+      </p:sp>
+      <p:sp>
+        <p:nvSpPr>
+          <p:cNvPr id="4" name="Rectangle 3">
+            <a:extLst>
+              <a:ext uri="{FF2B5EF4-FFF2-40B4-BE49-F238E27FC236}">
+                <a16:creationId xmlns:a16="http://schemas.microsoft.com/office/drawing/2014/main" id="{B5521212-E798-4FE1-9B36-E7BD9CC94A53}"/>
+              </a:ext>
+            </a:extLst>
+          </p:cNvPr>
+          <p:cNvSpPr/>
+          <p:nvPr/>
+        </p:nvSpPr>
+        <p:spPr>
+          <a:xfrm>
+            <a:off x="914400" y="1351508"/>
+            <a:ext cx="7315200" cy="5016758"/>
+          </a:xfrm>
+          <a:prstGeom prst="rect">
+            <a:avLst/>
+          </a:prstGeom>
+        </p:spPr>
+        <p:txBody>
+          <a:bodyPr wrap="square">
+            <a:spAutoFit/>
+          </a:bodyPr>
+          <a:lstStyle/>
+          <a:p>
+            <a:r>
+              <a:rPr lang="en-US" sz="1600" dirty="0"/>
+              <a:t>{</a:t>
+            </a:r>
+          </a:p>
+          <a:p>
+            <a:r>
+              <a:rPr lang="en-US" sz="1600" dirty="0"/>
+              <a:t>    "@context": ["http://www.w3.org/ns/odrl.jsonld", </a:t>
+            </a:r>
+          </a:p>
+          <a:p>
+            <a:r>
+              <a:rPr lang="en-US" sz="1600" dirty="0"/>
+              <a:t>                 "https://iptc.org/std/</a:t>
+            </a:r>
+            <a:r>
+              <a:rPr lang="en-US" sz="1600" dirty="0" err="1"/>
+              <a:t>RightsML</a:t>
+            </a:r>
+            <a:r>
+              <a:rPr lang="en-US" sz="1600" dirty="0"/>
+              <a:t>/</a:t>
+            </a:r>
+            <a:r>
+              <a:rPr lang="en-US" sz="1600" dirty="0" err="1"/>
+              <a:t>odrl</a:t>
+            </a:r>
+            <a:r>
+              <a:rPr lang="en-US" sz="1600" dirty="0"/>
+              <a:t>-profile/</a:t>
+            </a:r>
+            <a:r>
+              <a:rPr lang="en-US" sz="1600" dirty="0" err="1"/>
+              <a:t>rightsml.jsonld</a:t>
+            </a:r>
+            <a:r>
+              <a:rPr lang="en-US" sz="1600" dirty="0"/>
+              <a:t>"],</a:t>
+            </a:r>
+          </a:p>
+          <a:p>
+            <a:r>
+              <a:rPr lang="en-US" sz="1600" dirty="0"/>
+              <a:t>    "@type": "Set",</a:t>
+            </a:r>
+          </a:p>
+          <a:p>
+            <a:r>
+              <a:rPr lang="en-US" sz="1600" dirty="0"/>
+              <a:t>    "</a:t>
+            </a:r>
+            <a:r>
+              <a:rPr lang="en-US" sz="1600" dirty="0" err="1"/>
+              <a:t>uid</a:t>
+            </a:r>
+            <a:r>
+              <a:rPr lang="en-US" sz="1600" dirty="0"/>
+              <a:t>": "http://example.com/</a:t>
+            </a:r>
+            <a:r>
+              <a:rPr lang="en-US" sz="1600" dirty="0" err="1"/>
+              <a:t>RightsML</a:t>
+            </a:r>
+            <a:r>
+              <a:rPr lang="en-US" sz="1600" dirty="0"/>
+              <a:t>/policy/idGeog1",</a:t>
+            </a:r>
+          </a:p>
+          <a:p>
+            <a:r>
+              <a:rPr lang="en-US" sz="1600" dirty="0"/>
+              <a:t>    "profile": "https://iptc.org/std/</a:t>
+            </a:r>
+            <a:r>
+              <a:rPr lang="en-US" sz="1600" dirty="0" err="1"/>
+              <a:t>RightsML</a:t>
+            </a:r>
+            <a:r>
+              <a:rPr lang="en-US" sz="1600" dirty="0"/>
+              <a:t>/</a:t>
+            </a:r>
+            <a:r>
+              <a:rPr lang="en-US" sz="1600" dirty="0" err="1"/>
+              <a:t>odrl</a:t>
+            </a:r>
+            <a:r>
+              <a:rPr lang="en-US" sz="1600" dirty="0"/>
+              <a:t>-profile/",</a:t>
+            </a:r>
+          </a:p>
+          <a:p>
+            <a:r>
+              <a:rPr lang="en-US" sz="1600" dirty="0"/>
+              <a:t>    "permission": [{</a:t>
+            </a:r>
+          </a:p>
+          <a:p>
+            <a:r>
+              <a:rPr lang="en-US" sz="1600" dirty="0"/>
+              <a:t>        "target": "urn:newsml:example.com:20120101:180106-999-000013",</a:t>
+            </a:r>
+          </a:p>
+          <a:p>
+            <a:r>
+              <a:rPr lang="en-US" sz="1600" dirty="0"/>
+              <a:t>        "assigner": "http://example.com/cv/party/</a:t>
+            </a:r>
+            <a:r>
+              <a:rPr lang="en-US" sz="1600" dirty="0" err="1"/>
+              <a:t>epa</a:t>
+            </a:r>
+            <a:r>
+              <a:rPr lang="en-US" sz="1600" dirty="0"/>
+              <a:t>",</a:t>
+            </a:r>
+          </a:p>
+          <a:p>
+            <a:r>
+              <a:rPr lang="en-US" sz="1600" dirty="0"/>
+              <a:t>        "assignee": {</a:t>
+            </a:r>
+          </a:p>
+          <a:p>
+            <a:r>
+              <a:rPr lang="en-US" sz="1600" dirty="0"/>
+              <a:t>            "@type": "</a:t>
+            </a:r>
+            <a:r>
+              <a:rPr lang="en-US" sz="1600" dirty="0" err="1"/>
+              <a:t>PartyCollection</a:t>
+            </a:r>
+            <a:r>
+              <a:rPr lang="en-US" sz="1600" dirty="0"/>
+              <a:t>",</a:t>
+            </a:r>
+          </a:p>
+          <a:p>
+            <a:r>
+              <a:rPr lang="en-US" sz="1600" dirty="0"/>
+              <a:t>            "</a:t>
+            </a:r>
+            <a:r>
+              <a:rPr lang="en-US" sz="1600" dirty="0" err="1"/>
+              <a:t>uid</a:t>
+            </a:r>
+            <a:r>
+              <a:rPr lang="en-US" sz="1600" dirty="0"/>
+              <a:t>": "http://example.com/cv/</a:t>
+            </a:r>
+            <a:r>
+              <a:rPr lang="en-US" sz="1600" dirty="0" err="1"/>
+              <a:t>partygroup</a:t>
+            </a:r>
+            <a:r>
+              <a:rPr lang="en-US" sz="1600" dirty="0"/>
+              <a:t>/</a:t>
+            </a:r>
+            <a:r>
+              <a:rPr lang="en-US" sz="1600" dirty="0" err="1"/>
+              <a:t>epapartners</a:t>
+            </a:r>
+            <a:r>
+              <a:rPr lang="en-US" sz="1600" dirty="0"/>
+              <a:t>" },</a:t>
+            </a:r>
+          </a:p>
+          <a:p>
+            <a:r>
+              <a:rPr lang="en-US" sz="1600" dirty="0"/>
+              <a:t>        "action": "distribute",</a:t>
+            </a:r>
+          </a:p>
+          <a:p>
+            <a:r>
+              <a:rPr lang="en-US" sz="1600" dirty="0"/>
+              <a:t>        "constraint": [{</a:t>
+            </a:r>
+          </a:p>
+          <a:p>
+            <a:r>
+              <a:rPr lang="en-US" sz="1600" dirty="0"/>
+              <a:t>            "</a:t>
+            </a:r>
+            <a:r>
+              <a:rPr lang="en-US" sz="1600" dirty="0" err="1"/>
+              <a:t>leftOperand</a:t>
+            </a:r>
+            <a:r>
+              <a:rPr lang="en-US" sz="1600" dirty="0"/>
+              <a:t>": "spatial",</a:t>
+            </a:r>
+          </a:p>
+          <a:p>
+            <a:r>
+              <a:rPr lang="en-US" sz="1600" dirty="0"/>
+              <a:t>            "operator": "eq",</a:t>
+            </a:r>
+          </a:p>
+          <a:p>
+            <a:r>
+              <a:rPr lang="en-US" sz="1600" dirty="0"/>
+              <a:t>            "</a:t>
+            </a:r>
+            <a:r>
+              <a:rPr lang="en-US" sz="1600" dirty="0" err="1"/>
+              <a:t>rightOperand</a:t>
+            </a:r>
+            <a:r>
+              <a:rPr lang="en-US" sz="1600" dirty="0"/>
+              <a:t>": "http://cvx.iptc.org/iso3166-1a3/DEU"</a:t>
+            </a:r>
+          </a:p>
+          <a:p>
+            <a:r>
+              <a:rPr lang="en-US" sz="1600" dirty="0"/>
+              <a:t>        }]</a:t>
+            </a:r>
+          </a:p>
+          <a:p>
+            <a:r>
+              <a:rPr lang="en-US" sz="1600" dirty="0"/>
+              <a:t>    }]</a:t>
+            </a:r>
+          </a:p>
+          <a:p>
+            <a:r>
+              <a:rPr lang="en-US" sz="1600" dirty="0"/>
+              <a:t> }</a:t>
+            </a:r>
+          </a:p>
+        </p:txBody>
+      </p:sp>
+    </p:spTree>
+    <p:extLst>
+      <p:ext uri="{BB962C8B-B14F-4D97-AF65-F5344CB8AC3E}">
+        <p14:creationId xmlns:p14="http://schemas.microsoft.com/office/powerpoint/2010/main" val="1117430536"/>
+      </p:ext>
+    </p:extLst>
+  </p:cSld>
+  <p:clrMapOvr>
+    <a:masterClrMapping/>
+  </p:clrMapOvr>
+</p:sld>
+</file>
+
+<file path=ppt/slides/slide24.xml><?xml version="1.0" encoding="utf-8"?>
+<p:sld xmlns:a="http://schemas.openxmlformats.org/drawingml/2006/main" xmlns:r="http://schemas.openxmlformats.org/officeDocument/2006/relationships" xmlns:p="http://schemas.openxmlformats.org/presentationml/2006/main">
+  <p:cSld>
+    <p:spTree>
+      <p:nvGrpSpPr>
+        <p:cNvPr id="1" name=""/>
+        <p:cNvGrpSpPr/>
+        <p:nvPr/>
+      </p:nvGrpSpPr>
+      <p:grpSpPr>
+        <a:xfrm>
+          <a:off x="0" y="0"/>
+          <a:ext cx="0" cy="0"/>
+          <a:chOff x="0" y="0"/>
+          <a:chExt cx="0" cy="0"/>
+        </a:xfrm>
+      </p:grpSpPr>
+      <p:sp>
+        <p:nvSpPr>
+          <p:cNvPr id="2" name="Title 1">
+            <a:extLst>
+              <a:ext uri="{FF2B5EF4-FFF2-40B4-BE49-F238E27FC236}">
+                <a16:creationId xmlns:a16="http://schemas.microsoft.com/office/drawing/2014/main" id="{DA4AC1CB-2422-49E0-90EE-26C4932EAD35}"/>
+              </a:ext>
+            </a:extLst>
+          </p:cNvPr>
+          <p:cNvSpPr>
+            <a:spLocks noGrp="1"/>
+          </p:cNvSpPr>
+          <p:nvPr>
+            <p:ph type="title"/>
+          </p:nvPr>
+        </p:nvSpPr>
+        <p:spPr/>
+        <p:txBody>
+          <a:bodyPr/>
+          <a:lstStyle/>
+          <a:p>
+            <a:r>
+              <a:rPr lang="en-US" dirty="0"/>
+              <a:t>Other License Automation RELs</a:t>
+            </a:r>
+          </a:p>
+        </p:txBody>
+      </p:sp>
+      <p:sp>
+        <p:nvSpPr>
+          <p:cNvPr id="3" name="Content Placeholder 2">
+            <a:extLst>
+              <a:ext uri="{FF2B5EF4-FFF2-40B4-BE49-F238E27FC236}">
+                <a16:creationId xmlns:a16="http://schemas.microsoft.com/office/drawing/2014/main" id="{E23458ED-6EED-455B-8D18-BA77497EB997}"/>
+              </a:ext>
+            </a:extLst>
+          </p:cNvPr>
+          <p:cNvSpPr>
+            <a:spLocks noGrp="1"/>
+          </p:cNvSpPr>
+          <p:nvPr>
+            <p:ph idx="1"/>
+          </p:nvPr>
+        </p:nvSpPr>
+        <p:spPr/>
+        <p:txBody>
+          <a:bodyPr/>
+          <a:lstStyle/>
+          <a:p>
+            <a:r>
+              <a:rPr lang="en-US" dirty="0"/>
+              <a:t>PLUS (images)</a:t>
+            </a:r>
+            <a:r>
+              <a:rPr lang="en-US" baseline="30000" dirty="0"/>
+              <a:t>1</a:t>
+            </a:r>
+          </a:p>
+          <a:p>
+            <a:r>
+              <a:rPr lang="en-US" dirty="0"/>
+              <a:t>PRISM Rights Language (magazine publishing)</a:t>
+            </a:r>
+            <a:r>
+              <a:rPr lang="en-US" baseline="30000" dirty="0"/>
+              <a:t>2</a:t>
+            </a:r>
+            <a:endParaRPr lang="en-US" dirty="0"/>
+          </a:p>
+          <a:p>
+            <a:r>
+              <a:rPr lang="en-US" dirty="0" err="1"/>
+              <a:t>METSRights</a:t>
+            </a:r>
+            <a:r>
+              <a:rPr lang="en-US" dirty="0"/>
+              <a:t> (gov’t &amp; academic libraries)</a:t>
+            </a:r>
+            <a:r>
+              <a:rPr lang="en-US" baseline="30000" dirty="0"/>
+              <a:t>3</a:t>
+            </a:r>
+            <a:endParaRPr lang="en-US" dirty="0"/>
+          </a:p>
+          <a:p>
+            <a:r>
+              <a:rPr lang="en-US" dirty="0"/>
+              <a:t>ONIX-PL (books)</a:t>
+            </a:r>
+            <a:r>
+              <a:rPr lang="en-US" baseline="30000" dirty="0"/>
+              <a:t>4</a:t>
+            </a:r>
+            <a:endParaRPr lang="en-US" dirty="0"/>
+          </a:p>
+          <a:p>
+            <a:endParaRPr lang="en-US" dirty="0"/>
+          </a:p>
+          <a:p>
+            <a:endParaRPr lang="en-US" dirty="0"/>
+          </a:p>
+        </p:txBody>
+      </p:sp>
+      <p:sp>
+        <p:nvSpPr>
+          <p:cNvPr id="4" name="TextBox 3">
+            <a:extLst>
+              <a:ext uri="{FF2B5EF4-FFF2-40B4-BE49-F238E27FC236}">
+                <a16:creationId xmlns:a16="http://schemas.microsoft.com/office/drawing/2014/main" id="{C92CCF95-A32F-4D93-9A4E-0A41013DFC27}"/>
+              </a:ext>
+            </a:extLst>
+          </p:cNvPr>
+          <p:cNvSpPr txBox="1"/>
+          <p:nvPr/>
+        </p:nvSpPr>
+        <p:spPr>
+          <a:xfrm>
+            <a:off x="228600" y="5976932"/>
+            <a:ext cx="7239000" cy="861774"/>
+          </a:xfrm>
+          <a:prstGeom prst="rect">
+            <a:avLst/>
+          </a:prstGeom>
+          <a:noFill/>
+        </p:spPr>
+        <p:txBody>
+          <a:bodyPr wrap="square" rtlCol="0">
+            <a:spAutoFit/>
+          </a:bodyPr>
+          <a:lstStyle/>
+          <a:p>
+            <a:r>
+              <a:rPr lang="en-US" sz="1000" baseline="30000" dirty="0"/>
+              <a:t>1 </a:t>
+            </a:r>
+            <a:r>
+              <a:rPr lang="en-US" sz="1000" dirty="0">
+                <a:hlinkClick r:id="rId2"/>
+              </a:rPr>
+              <a:t>http://www.useplus.com/index.asp</a:t>
+            </a:r>
+            <a:r>
+              <a:rPr lang="en-US" sz="1000" dirty="0"/>
+              <a:t>. </a:t>
+            </a:r>
+          </a:p>
+          <a:p>
+            <a:r>
+              <a:rPr lang="en-US" sz="1000" baseline="30000" dirty="0"/>
+              <a:t>2 </a:t>
+            </a:r>
+            <a:r>
+              <a:rPr lang="en-US" sz="1000" dirty="0">
+                <a:hlinkClick r:id="rId3"/>
+              </a:rPr>
+              <a:t>http://www.prismstandard.org/specifications/3.0/PRISM_usage_rights_metadata_3.0.pdf</a:t>
+            </a:r>
+            <a:r>
+              <a:rPr lang="en-US" sz="1000" dirty="0"/>
+              <a:t>.</a:t>
+            </a:r>
+          </a:p>
+          <a:p>
+            <a:r>
+              <a:rPr lang="en-US" sz="1000" baseline="30000" dirty="0"/>
+              <a:t>3 </a:t>
+            </a:r>
+            <a:r>
+              <a:rPr lang="en-US" sz="1000" dirty="0">
+                <a:hlinkClick r:id="rId4"/>
+              </a:rPr>
+              <a:t>https://www.loc.gov/standards/rights/</a:t>
+            </a:r>
+            <a:r>
+              <a:rPr lang="en-US" sz="1000" dirty="0"/>
+              <a:t>. </a:t>
+            </a:r>
+          </a:p>
+          <a:p>
+            <a:r>
+              <a:rPr lang="en-US" sz="1000" baseline="30000" dirty="0"/>
+              <a:t>4 </a:t>
+            </a:r>
+            <a:r>
+              <a:rPr lang="en-US" sz="1000" dirty="0">
+                <a:hlinkClick r:id="rId5"/>
+              </a:rPr>
+              <a:t>https://www.editeur.org/21/ONIX-PL/</a:t>
+            </a:r>
+            <a:r>
+              <a:rPr lang="en-US" sz="1000" dirty="0"/>
+              <a:t>. </a:t>
+            </a:r>
+          </a:p>
+          <a:p>
+            <a:r>
+              <a:rPr lang="en-US" sz="1000" dirty="0"/>
+              <a:t> </a:t>
+            </a:r>
+          </a:p>
+        </p:txBody>
+      </p:sp>
+    </p:spTree>
+    <p:extLst>
+      <p:ext uri="{BB962C8B-B14F-4D97-AF65-F5344CB8AC3E}">
+        <p14:creationId xmlns:p14="http://schemas.microsoft.com/office/powerpoint/2010/main" val="4114122003"/>
+      </p:ext>
+    </p:extLst>
+  </p:cSld>
+  <p:clrMapOvr>
+    <a:masterClrMapping/>
+  </p:clrMapOvr>
+</p:sld>
+</file>
+
+<file path=ppt/slides/slide25.xml><?xml version="1.0" encoding="utf-8"?>
+<p:sld xmlns:a="http://schemas.openxmlformats.org/drawingml/2006/main" xmlns:r="http://schemas.openxmlformats.org/officeDocument/2006/relationships" xmlns:p="http://schemas.openxmlformats.org/presentationml/2006/main">
+  <p:cSld>
+    <p:spTree>
+      <p:nvGrpSpPr>
+        <p:cNvPr id="1" name=""/>
+        <p:cNvGrpSpPr/>
+        <p:nvPr/>
+      </p:nvGrpSpPr>
+      <p:grpSpPr>
+        <a:xfrm>
+          <a:off x="0" y="0"/>
+          <a:ext cx="0" cy="0"/>
+          <a:chOff x="0" y="0"/>
+          <a:chExt cx="0" cy="0"/>
+        </a:xfrm>
+      </p:grpSpPr>
+      <p:sp>
+        <p:nvSpPr>
+          <p:cNvPr id="2" name="Title 1">
+            <a:extLst>
+              <a:ext uri="{FF2B5EF4-FFF2-40B4-BE49-F238E27FC236}">
+                <a16:creationId xmlns:a16="http://schemas.microsoft.com/office/drawing/2014/main" id="{73DFC143-5811-4D2C-8F73-9148D6127769}"/>
+              </a:ext>
+            </a:extLst>
+          </p:cNvPr>
+          <p:cNvSpPr>
+            <a:spLocks noGrp="1"/>
+          </p:cNvSpPr>
+          <p:nvPr>
+            <p:ph type="title"/>
+          </p:nvPr>
+        </p:nvSpPr>
+        <p:spPr/>
+        <p:txBody>
+          <a:bodyPr/>
+          <a:lstStyle/>
+          <a:p>
+            <a:r>
+              <a:rPr lang="en-US" dirty="0"/>
+              <a:t>RELs, DRMs, Licenses, and Copyright</a:t>
+            </a:r>
+          </a:p>
+        </p:txBody>
+      </p:sp>
+      <p:sp>
+        <p:nvSpPr>
+          <p:cNvPr id="3" name="Content Placeholder 2">
+            <a:extLst>
+              <a:ext uri="{FF2B5EF4-FFF2-40B4-BE49-F238E27FC236}">
+                <a16:creationId xmlns:a16="http://schemas.microsoft.com/office/drawing/2014/main" id="{BCCC9330-BA00-487A-B5C6-A6030C188F19}"/>
+              </a:ext>
+            </a:extLst>
+          </p:cNvPr>
+          <p:cNvSpPr>
+            <a:spLocks noGrp="1"/>
+          </p:cNvSpPr>
+          <p:nvPr>
+            <p:ph idx="1"/>
+          </p:nvPr>
+        </p:nvSpPr>
+        <p:spPr/>
+        <p:txBody>
+          <a:bodyPr/>
+          <a:lstStyle/>
+          <a:p>
+            <a:r>
+              <a:rPr lang="en-US" sz="2400" dirty="0"/>
+              <a:t>Licenses: </a:t>
+            </a:r>
+            <a:r>
+              <a:rPr lang="en-US" sz="2400" u="sng" dirty="0"/>
+              <a:t>legally</a:t>
+            </a:r>
+            <a:r>
+              <a:rPr lang="en-US" sz="2400" dirty="0"/>
+              <a:t> enforced rights &amp; restrictions</a:t>
+            </a:r>
+          </a:p>
+          <a:p>
+            <a:r>
+              <a:rPr lang="en-US" sz="2400" dirty="0"/>
+              <a:t>DRM: </a:t>
+            </a:r>
+            <a:r>
+              <a:rPr lang="en-US" sz="2400" u="sng" dirty="0"/>
+              <a:t>technologically</a:t>
+            </a:r>
+            <a:r>
+              <a:rPr lang="en-US" sz="2400" dirty="0"/>
+              <a:t> enforced rights &amp; restrictions</a:t>
+            </a:r>
+          </a:p>
+          <a:p>
+            <a:r>
+              <a:rPr lang="en-US" sz="2400" dirty="0"/>
+              <a:t>RELs enable precision for both</a:t>
+            </a:r>
+          </a:p>
+          <a:p>
+            <a:r>
+              <a:rPr lang="en-US" sz="2400" dirty="0"/>
+              <a:t>RELs can encode licenses that confer </a:t>
+            </a:r>
+            <a:r>
+              <a:rPr lang="en-US" sz="2400" i="1" dirty="0"/>
+              <a:t>more</a:t>
+            </a:r>
+            <a:r>
+              <a:rPr lang="en-US" sz="2400" dirty="0"/>
+              <a:t> rights than copyright (basic idea of Creative Commons)</a:t>
+            </a:r>
+          </a:p>
+          <a:p>
+            <a:r>
+              <a:rPr lang="en-US" sz="2400" dirty="0"/>
+              <a:t>… or licenses that confer </a:t>
+            </a:r>
+            <a:r>
+              <a:rPr lang="en-US" sz="2400" i="1" dirty="0"/>
+              <a:t>less </a:t>
+            </a:r>
+            <a:r>
+              <a:rPr lang="en-US" sz="2400" dirty="0"/>
+              <a:t>rights than copyright</a:t>
+            </a:r>
+            <a:br>
+              <a:rPr lang="en-US" sz="2400" dirty="0"/>
+            </a:br>
+            <a:r>
+              <a:rPr lang="en-US" sz="2400" dirty="0"/>
+              <a:t>(true of most EULAs)</a:t>
+            </a:r>
+          </a:p>
+          <a:p>
+            <a:r>
+              <a:rPr lang="en-US" sz="2400" dirty="0"/>
+              <a:t>Relevant point of law: </a:t>
+            </a:r>
+            <a:br>
+              <a:rPr lang="en-US" sz="2400" dirty="0"/>
+            </a:br>
+            <a:r>
+              <a:rPr lang="en-US" sz="2400" dirty="0"/>
+              <a:t>You don’t get the copyright bundle with pure digital content.</a:t>
+            </a:r>
+            <a:r>
+              <a:rPr lang="en-US" sz="2400" baseline="30000" dirty="0"/>
+              <a:t>1</a:t>
+            </a:r>
+          </a:p>
+          <a:p>
+            <a:r>
+              <a:rPr lang="en-US" sz="2400" dirty="0"/>
+              <a:t>Relevant point of technology:</a:t>
+            </a:r>
+            <a:br>
+              <a:rPr lang="en-US" sz="2400" dirty="0"/>
+            </a:br>
+            <a:r>
+              <a:rPr lang="en-US" sz="2400" dirty="0"/>
+              <a:t>RELS don’t make DRM capable of emulating copyright rights accurately.</a:t>
+            </a:r>
+          </a:p>
+          <a:p>
+            <a:endParaRPr lang="en-US" sz="2400" dirty="0"/>
+          </a:p>
+          <a:p>
+            <a:endParaRPr lang="en-US" sz="2400" dirty="0"/>
+          </a:p>
+        </p:txBody>
+      </p:sp>
+      <p:sp>
+        <p:nvSpPr>
+          <p:cNvPr id="4" name="TextBox 3">
+            <a:extLst>
+              <a:ext uri="{FF2B5EF4-FFF2-40B4-BE49-F238E27FC236}">
+                <a16:creationId xmlns:a16="http://schemas.microsoft.com/office/drawing/2014/main" id="{82B84FEA-5AF9-4975-9BDC-7D54587D9027}"/>
+              </a:ext>
+            </a:extLst>
+          </p:cNvPr>
+          <p:cNvSpPr txBox="1"/>
+          <p:nvPr/>
+        </p:nvSpPr>
+        <p:spPr>
+          <a:xfrm>
+            <a:off x="228600" y="6430089"/>
+            <a:ext cx="3852337" cy="246221"/>
+          </a:xfrm>
+          <a:prstGeom prst="rect">
+            <a:avLst/>
+          </a:prstGeom>
+          <a:noFill/>
+        </p:spPr>
+        <p:txBody>
+          <a:bodyPr wrap="none" rtlCol="0">
+            <a:spAutoFit/>
+          </a:bodyPr>
+          <a:lstStyle/>
+          <a:p>
+            <a:r>
+              <a:rPr lang="en-US" sz="1000" baseline="30000" dirty="0"/>
+              <a:t>1 </a:t>
+            </a:r>
+            <a:r>
+              <a:rPr lang="en-US" sz="1000" dirty="0"/>
+              <a:t>Capitol Records, LLC v. </a:t>
+            </a:r>
+            <a:r>
+              <a:rPr lang="en-US" sz="1000" dirty="0" err="1"/>
+              <a:t>ReDigi</a:t>
+            </a:r>
+            <a:r>
+              <a:rPr lang="en-US" sz="1000" dirty="0"/>
+              <a:t> Inc., No. 16-2321 (2d Cir. 2018)</a:t>
+            </a:r>
+          </a:p>
+        </p:txBody>
+      </p:sp>
+    </p:spTree>
+    <p:extLst>
+      <p:ext uri="{BB962C8B-B14F-4D97-AF65-F5344CB8AC3E}">
+        <p14:creationId xmlns:p14="http://schemas.microsoft.com/office/powerpoint/2010/main" val="896676278"/>
+      </p:ext>
+    </p:extLst>
+  </p:cSld>
+  <p:clrMapOvr>
+    <a:masterClrMapping/>
+  </p:clrMapOvr>
+</p:sld>
+</file>
+
+<file path=ppt/slides/slide26.xml><?xml version="1.0" encoding="utf-8"?>
+<p:sld xmlns:a="http://schemas.openxmlformats.org/drawingml/2006/main" xmlns:r="http://schemas.openxmlformats.org/officeDocument/2006/relationships" xmlns:p="http://schemas.openxmlformats.org/presentationml/2006/main">
+  <p:cSld>
+    <p:spTree>
+      <p:nvGrpSpPr>
+        <p:cNvPr id="1" name=""/>
+        <p:cNvGrpSpPr/>
+        <p:nvPr/>
+      </p:nvGrpSpPr>
+      <p:grpSpPr>
+        <a:xfrm>
+          <a:off x="0" y="0"/>
+          <a:ext cx="0" cy="0"/>
+          <a:chOff x="0" y="0"/>
+          <a:chExt cx="0" cy="0"/>
+        </a:xfrm>
+      </p:grpSpPr>
+      <p:sp>
+        <p:nvSpPr>
+          <p:cNvPr id="2" name="Title 1">
+            <a:extLst>
+              <a:ext uri="{FF2B5EF4-FFF2-40B4-BE49-F238E27FC236}">
+                <a16:creationId xmlns:a16="http://schemas.microsoft.com/office/drawing/2014/main" id="{0E37CDB3-4626-43F1-B3F1-A39E420CF66C}"/>
+              </a:ext>
+            </a:extLst>
+          </p:cNvPr>
+          <p:cNvSpPr>
+            <a:spLocks noGrp="1"/>
+          </p:cNvSpPr>
+          <p:nvPr>
+            <p:ph type="title"/>
+          </p:nvPr>
+        </p:nvSpPr>
+        <p:spPr/>
+        <p:txBody>
+          <a:bodyPr/>
+          <a:lstStyle/>
+          <a:p>
+            <a:r>
+              <a:rPr lang="en-US" dirty="0"/>
+              <a:t>The Digital Media Project</a:t>
+            </a:r>
+            <a:br>
+              <a:rPr lang="en-US" dirty="0"/>
+            </a:br>
+            <a:r>
+              <a:rPr lang="en-US" sz="2400" dirty="0"/>
+              <a:t>An attempt to make a DRM that emulates copyright accurately</a:t>
+            </a:r>
+            <a:endParaRPr lang="en-US" dirty="0"/>
+          </a:p>
+        </p:txBody>
+      </p:sp>
+      <p:sp>
+        <p:nvSpPr>
+          <p:cNvPr id="3" name="Content Placeholder 2">
+            <a:extLst>
+              <a:ext uri="{FF2B5EF4-FFF2-40B4-BE49-F238E27FC236}">
+                <a16:creationId xmlns:a16="http://schemas.microsoft.com/office/drawing/2014/main" id="{B7C77794-4AA6-4B64-A6CD-21F4C5757066}"/>
+              </a:ext>
+            </a:extLst>
+          </p:cNvPr>
+          <p:cNvSpPr>
+            <a:spLocks noGrp="1"/>
+          </p:cNvSpPr>
+          <p:nvPr>
+            <p:ph idx="1"/>
+          </p:nvPr>
+        </p:nvSpPr>
+        <p:spPr/>
+        <p:txBody>
+          <a:bodyPr/>
+          <a:lstStyle/>
+          <a:p>
+            <a:r>
+              <a:rPr lang="en-US" sz="2800" dirty="0"/>
+              <a:t>Dr. Leonardo </a:t>
+            </a:r>
+            <a:r>
+              <a:rPr lang="en-US" sz="2800" dirty="0" err="1"/>
+              <a:t>Chiariglione</a:t>
+            </a:r>
+            <a:r>
+              <a:rPr lang="en-US" sz="2800" dirty="0"/>
+              <a:t>, founder of MPEG standards body</a:t>
+            </a:r>
+          </a:p>
+          <a:p>
+            <a:r>
+              <a:rPr lang="en-US" sz="2800" dirty="0"/>
+              <a:t>Attempt to create open interoperable DRM standards that respect and emulate real-world content usages, incl. copyright</a:t>
+            </a:r>
+          </a:p>
+          <a:p>
+            <a:r>
+              <a:rPr lang="en-US" sz="2800" dirty="0"/>
+              <a:t>Started in 2003</a:t>
+            </a:r>
+          </a:p>
+          <a:p>
+            <a:r>
+              <a:rPr lang="en-US" sz="2800" dirty="0"/>
+              <a:t>On “low simmer” since ~2007</a:t>
+            </a:r>
+          </a:p>
+          <a:p>
+            <a:r>
+              <a:rPr lang="en-US" sz="2800" dirty="0"/>
+              <a:t>Mappings of “</a:t>
+            </a:r>
+            <a:r>
+              <a:rPr lang="en-US" sz="2800" dirty="0">
+                <a:hlinkClick r:id="rId2"/>
+              </a:rPr>
+              <a:t>Traditional Rights and Usages</a:t>
+            </a:r>
+            <a:r>
+              <a:rPr lang="en-US" sz="2800" dirty="0"/>
+              <a:t>” to REL expressions</a:t>
+            </a:r>
+          </a:p>
+          <a:p>
+            <a:r>
+              <a:rPr lang="en-US" sz="2800" dirty="0"/>
+              <a:t>Promising work, never completed</a:t>
+            </a:r>
+          </a:p>
+        </p:txBody>
+      </p:sp>
+    </p:spTree>
+    <p:extLst>
+      <p:ext uri="{BB962C8B-B14F-4D97-AF65-F5344CB8AC3E}">
+        <p14:creationId xmlns:p14="http://schemas.microsoft.com/office/powerpoint/2010/main" val="3436800063"/>
+      </p:ext>
+    </p:extLst>
+  </p:cSld>
+  <p:clrMapOvr>
+    <a:masterClrMapping/>
+  </p:clrMapOvr>
+</p:sld>
+</file>
+
+<file path=ppt/slides/slide27.xml><?xml version="1.0" encoding="utf-8"?>
+<p:sld xmlns:a="http://schemas.openxmlformats.org/drawingml/2006/main" xmlns:r="http://schemas.openxmlformats.org/officeDocument/2006/relationships" xmlns:p="http://schemas.openxmlformats.org/presentationml/2006/main">
+  <p:cSld>
+    <p:spTree>
+      <p:nvGrpSpPr>
+        <p:cNvPr id="1" name=""/>
+        <p:cNvGrpSpPr/>
+        <p:nvPr/>
+      </p:nvGrpSpPr>
+      <p:grpSpPr>
+        <a:xfrm>
+          <a:off x="0" y="0"/>
+          <a:ext cx="0" cy="0"/>
+          <a:chOff x="0" y="0"/>
+          <a:chExt cx="0" cy="0"/>
+        </a:xfrm>
+      </p:grpSpPr>
+      <p:sp>
+        <p:nvSpPr>
+          <p:cNvPr id="2" name="Title 1">
+            <a:extLst>
+              <a:ext uri="{FF2B5EF4-FFF2-40B4-BE49-F238E27FC236}">
+                <a16:creationId xmlns:a16="http://schemas.microsoft.com/office/drawing/2014/main" id="{4F25E34D-CD1C-40E9-851F-66376FF87390}"/>
+              </a:ext>
+            </a:extLst>
+          </p:cNvPr>
+          <p:cNvSpPr>
+            <a:spLocks noGrp="1"/>
+          </p:cNvSpPr>
+          <p:nvPr>
+            <p:ph type="title"/>
+          </p:nvPr>
+        </p:nvSpPr>
+        <p:spPr/>
+        <p:txBody>
+          <a:bodyPr/>
+          <a:lstStyle/>
+          <a:p>
+            <a:r>
+              <a:rPr lang="en-US" dirty="0"/>
+              <a:t>Interlude II: Music Rights and Services</a:t>
+            </a:r>
+            <a:br>
+              <a:rPr lang="en-US" dirty="0"/>
+            </a:br>
+            <a:r>
+              <a:rPr lang="en-US" sz="2400" dirty="0"/>
+              <a:t>(Typical cases)</a:t>
+            </a:r>
+            <a:endParaRPr lang="en-US" dirty="0"/>
+          </a:p>
+        </p:txBody>
+      </p:sp>
+      <p:sp>
+        <p:nvSpPr>
+          <p:cNvPr id="3" name="Content Placeholder 2">
+            <a:extLst>
+              <a:ext uri="{FF2B5EF4-FFF2-40B4-BE49-F238E27FC236}">
+                <a16:creationId xmlns:a16="http://schemas.microsoft.com/office/drawing/2014/main" id="{754249C6-3921-4674-8B5F-731BEC445388}"/>
+              </a:ext>
+            </a:extLst>
+          </p:cNvPr>
+          <p:cNvSpPr>
+            <a:spLocks noGrp="1"/>
+          </p:cNvSpPr>
+          <p:nvPr>
+            <p:ph idx="1"/>
+          </p:nvPr>
+        </p:nvSpPr>
+        <p:spPr/>
+        <p:txBody>
+          <a:bodyPr/>
+          <a:lstStyle/>
+          <a:p>
+            <a:r>
+              <a:rPr lang="en-US" sz="2400" dirty="0"/>
+              <a:t>All music recordings carry two copyrights:</a:t>
+            </a:r>
+          </a:p>
+          <a:p>
+            <a:pPr lvl="1"/>
+            <a:r>
+              <a:rPr lang="en-US" sz="2000" dirty="0"/>
+              <a:t>One for the composition a/k/a musical work</a:t>
+            </a:r>
+          </a:p>
+          <a:p>
+            <a:pPr lvl="1"/>
+            <a:r>
+              <a:rPr lang="en-US" sz="2000" dirty="0"/>
+              <a:t>One for the sound recording</a:t>
+            </a:r>
+          </a:p>
+          <a:p>
+            <a:r>
+              <a:rPr lang="en-US" sz="2400" dirty="0"/>
+              <a:t>Subscription digital music services (DSPs) typically offer:</a:t>
+            </a:r>
+          </a:p>
+          <a:p>
+            <a:pPr lvl="1"/>
+            <a:r>
+              <a:rPr lang="en-US" sz="2000" dirty="0"/>
+              <a:t>Interactive streams (user chooses each track)</a:t>
+            </a:r>
+          </a:p>
+          <a:p>
+            <a:pPr lvl="1"/>
+            <a:r>
+              <a:rPr lang="en-US" sz="2000" dirty="0"/>
+              <a:t>Conditional a/k/a tethered downloads (plays until subscription cancelled)</a:t>
+            </a:r>
+          </a:p>
+          <a:p>
+            <a:pPr lvl="1"/>
+            <a:r>
+              <a:rPr lang="en-US" sz="2000" dirty="0"/>
+              <a:t>Permanent downloads (users pay extra)</a:t>
+            </a:r>
+          </a:p>
+          <a:p>
+            <a:r>
+              <a:rPr lang="en-US" sz="2400" dirty="0"/>
+              <a:t>Subscription DSPs must pay these royalties:</a:t>
+            </a:r>
+          </a:p>
+          <a:p>
+            <a:pPr lvl="1"/>
+            <a:r>
+              <a:rPr lang="en-US" sz="2000" dirty="0"/>
+              <a:t>Reproduction &amp; distribution of sound recording: to record label</a:t>
+            </a:r>
+          </a:p>
+          <a:p>
+            <a:pPr lvl="1"/>
+            <a:r>
+              <a:rPr lang="en-US" sz="2000" u="sng" dirty="0"/>
+              <a:t>Reproduction &amp; distribution (“mechanical”) of composition: </a:t>
+            </a:r>
+            <a:br>
+              <a:rPr lang="en-US" sz="2000" u="sng" dirty="0"/>
+            </a:br>
+            <a:r>
+              <a:rPr lang="en-US" sz="2000" u="sng" dirty="0"/>
+              <a:t>to music publisher</a:t>
+            </a:r>
+            <a:r>
+              <a:rPr lang="en-US" sz="2000" dirty="0"/>
+              <a:t> (compulsory under § 115)</a:t>
+            </a:r>
+            <a:endParaRPr lang="en-US" sz="2000" u="sng" dirty="0"/>
+          </a:p>
+          <a:p>
+            <a:pPr lvl="1"/>
+            <a:r>
+              <a:rPr lang="en-US" sz="2000" dirty="0"/>
+              <a:t>Public performance of composition: to PRO (ASCAP, BMI, SESAC, GMR)</a:t>
+            </a:r>
+            <a:br>
+              <a:rPr lang="en-US" sz="2000" dirty="0"/>
+            </a:br>
+            <a:r>
+              <a:rPr lang="en-US" sz="2000" dirty="0"/>
+              <a:t>or direct to music publisher</a:t>
+            </a:r>
+          </a:p>
+        </p:txBody>
+      </p:sp>
+    </p:spTree>
+    <p:extLst>
+      <p:ext uri="{BB962C8B-B14F-4D97-AF65-F5344CB8AC3E}">
+        <p14:creationId xmlns:p14="http://schemas.microsoft.com/office/powerpoint/2010/main" val="1081282685"/>
+      </p:ext>
+    </p:extLst>
+  </p:cSld>
+  <p:clrMapOvr>
+    <a:masterClrMapping/>
+  </p:clrMapOvr>
+</p:sld>
+</file>
+
+<file path=ppt/slides/slide28.xml><?xml version="1.0" encoding="utf-8"?>
+<p:sld xmlns:a="http://schemas.openxmlformats.org/drawingml/2006/main" xmlns:r="http://schemas.openxmlformats.org/officeDocument/2006/relationships" xmlns:p="http://schemas.openxmlformats.org/presentationml/2006/main">
+  <p:cSld>
+    <p:spTree>
+      <p:nvGrpSpPr>
+        <p:cNvPr id="1" name=""/>
+        <p:cNvGrpSpPr/>
+        <p:nvPr/>
+      </p:nvGrpSpPr>
+      <p:grpSpPr>
+        <a:xfrm>
+          <a:off x="0" y="0"/>
+          <a:ext cx="0" cy="0"/>
+          <a:chOff x="0" y="0"/>
+          <a:chExt cx="0" cy="0"/>
+        </a:xfrm>
+      </p:grpSpPr>
+      <p:sp>
+        <p:nvSpPr>
+          <p:cNvPr id="2" name="Title 1">
+            <a:extLst>
+              <a:ext uri="{FF2B5EF4-FFF2-40B4-BE49-F238E27FC236}">
+                <a16:creationId xmlns:a16="http://schemas.microsoft.com/office/drawing/2014/main" id="{F5433887-99F4-42FF-A519-D7DF6EBE4DB9}"/>
+              </a:ext>
+            </a:extLst>
+          </p:cNvPr>
+          <p:cNvSpPr>
+            <a:spLocks noGrp="1"/>
+          </p:cNvSpPr>
+          <p:nvPr>
+            <p:ph type="title"/>
+          </p:nvPr>
+        </p:nvSpPr>
+        <p:spPr/>
+        <p:txBody>
+          <a:bodyPr/>
+          <a:lstStyle/>
+          <a:p>
+            <a:r>
+              <a:rPr lang="en-US" dirty="0"/>
+              <a:t>The Music Modernization Act</a:t>
+            </a:r>
+            <a:br>
+              <a:rPr lang="en-US" dirty="0"/>
+            </a:br>
+            <a:r>
+              <a:rPr lang="en-US" dirty="0"/>
+              <a:t>Revisions to § 115</a:t>
+            </a:r>
+          </a:p>
+        </p:txBody>
+      </p:sp>
+      <p:sp>
+        <p:nvSpPr>
+          <p:cNvPr id="3" name="Content Placeholder 2">
+            <a:extLst>
+              <a:ext uri="{FF2B5EF4-FFF2-40B4-BE49-F238E27FC236}">
+                <a16:creationId xmlns:a16="http://schemas.microsoft.com/office/drawing/2014/main" id="{2F6106C5-284E-40C4-BF08-ACAD3276BE4B}"/>
+              </a:ext>
+            </a:extLst>
+          </p:cNvPr>
+          <p:cNvSpPr>
+            <a:spLocks noGrp="1"/>
+          </p:cNvSpPr>
+          <p:nvPr>
+            <p:ph idx="1"/>
+          </p:nvPr>
+        </p:nvSpPr>
+        <p:spPr/>
+        <p:txBody>
+          <a:bodyPr/>
+          <a:lstStyle/>
+          <a:p>
+            <a:r>
+              <a:rPr lang="en-US" sz="2800" dirty="0"/>
+              <a:t>§ 115: compulsory license for composition mechanicals</a:t>
+            </a:r>
+          </a:p>
+          <a:p>
+            <a:r>
+              <a:rPr lang="en-US" sz="2800" dirty="0"/>
+              <a:t>Replaces track-by-track with blanket license</a:t>
+            </a:r>
+          </a:p>
+          <a:p>
+            <a:r>
+              <a:rPr lang="en-US" sz="2800" dirty="0"/>
+              <a:t>Solves “matching problem”:</a:t>
+            </a:r>
+          </a:p>
+          <a:p>
+            <a:pPr lvl="1"/>
+            <a:r>
+              <a:rPr lang="en-US" sz="2400" dirty="0"/>
+              <a:t>DSPs take in &gt;10,000 tracks/day</a:t>
+            </a:r>
+          </a:p>
+          <a:p>
+            <a:pPr lvl="1"/>
+            <a:r>
+              <a:rPr lang="en-US" sz="2400" dirty="0"/>
+              <a:t>They must find compositions underlying sound recordings</a:t>
+            </a:r>
+          </a:p>
+          <a:p>
+            <a:pPr lvl="1"/>
+            <a:r>
+              <a:rPr lang="en-US" sz="2400" dirty="0"/>
+              <a:t>And issue license paperwork for each, or risk infringement actions</a:t>
+            </a:r>
+          </a:p>
+          <a:p>
+            <a:pPr lvl="1"/>
+            <a:r>
+              <a:rPr lang="en-US" sz="2400" dirty="0"/>
+              <a:t>Old, incorrect, missing, disputed data makes this a huge burden</a:t>
+            </a:r>
+          </a:p>
+          <a:p>
+            <a:pPr lvl="1"/>
+            <a:r>
+              <a:rPr lang="en-US" sz="2400" dirty="0"/>
+              <a:t>Spotify and Apple have been sued over this</a:t>
+            </a:r>
+          </a:p>
+          <a:p>
+            <a:r>
+              <a:rPr lang="en-US" sz="2800" dirty="0"/>
+              <a:t>Creates single agency to process all these mechanicals</a:t>
+            </a:r>
+          </a:p>
+          <a:p>
+            <a:pPr lvl="1"/>
+            <a:r>
+              <a:rPr lang="en-US" sz="2400" dirty="0"/>
+              <a:t>Instead of each DSP doing this itself (or hiring 3</a:t>
+            </a:r>
+            <a:r>
+              <a:rPr lang="en-US" sz="2400" baseline="30000" dirty="0"/>
+              <a:t>rd</a:t>
+            </a:r>
+            <a:r>
+              <a:rPr lang="en-US" sz="2400" dirty="0"/>
+              <a:t> party agency)</a:t>
+            </a:r>
+          </a:p>
+        </p:txBody>
+      </p:sp>
+    </p:spTree>
+    <p:extLst>
+      <p:ext uri="{BB962C8B-B14F-4D97-AF65-F5344CB8AC3E}">
+        <p14:creationId xmlns:p14="http://schemas.microsoft.com/office/powerpoint/2010/main" val="66988854"/>
+      </p:ext>
+    </p:extLst>
+  </p:cSld>
+  <p:clrMapOvr>
+    <a:masterClrMapping/>
+  </p:clrMapOvr>
+</p:sld>
+</file>
+
+<file path=ppt/slides/slide29.xml><?xml version="1.0" encoding="utf-8"?>
+<p:sld xmlns:a="http://schemas.openxmlformats.org/drawingml/2006/main" xmlns:r="http://schemas.openxmlformats.org/officeDocument/2006/relationships" xmlns:p="http://schemas.openxmlformats.org/presentationml/2006/main">
+  <p:cSld>
+    <p:spTree>
+      <p:nvGrpSpPr>
+        <p:cNvPr id="1" name=""/>
+        <p:cNvGrpSpPr/>
+        <p:nvPr/>
+      </p:nvGrpSpPr>
+      <p:grpSpPr>
+        <a:xfrm>
+          <a:off x="0" y="0"/>
+          <a:ext cx="0" cy="0"/>
+          <a:chOff x="0" y="0"/>
+          <a:chExt cx="0" cy="0"/>
+        </a:xfrm>
+      </p:grpSpPr>
+      <p:sp>
+        <p:nvSpPr>
+          <p:cNvPr id="2" name="Title 1">
+            <a:extLst>
+              <a:ext uri="{FF2B5EF4-FFF2-40B4-BE49-F238E27FC236}">
+                <a16:creationId xmlns:a16="http://schemas.microsoft.com/office/drawing/2014/main" id="{E0462FC7-0E66-43AC-AEAC-2C527DD84117}"/>
+              </a:ext>
+            </a:extLst>
+          </p:cNvPr>
+          <p:cNvSpPr>
+            <a:spLocks noGrp="1"/>
+          </p:cNvSpPr>
+          <p:nvPr>
+            <p:ph type="title"/>
+          </p:nvPr>
+        </p:nvSpPr>
+        <p:spPr/>
+        <p:txBody>
+          <a:bodyPr/>
+          <a:lstStyle/>
+          <a:p>
+            <a:r>
+              <a:rPr lang="en-US" dirty="0"/>
+              <a:t>Representing MMA License in a REL</a:t>
+            </a:r>
+          </a:p>
+        </p:txBody>
+      </p:sp>
+      <p:sp>
+        <p:nvSpPr>
+          <p:cNvPr id="3" name="Content Placeholder 2">
+            <a:extLst>
+              <a:ext uri="{FF2B5EF4-FFF2-40B4-BE49-F238E27FC236}">
+                <a16:creationId xmlns:a16="http://schemas.microsoft.com/office/drawing/2014/main" id="{47CF0398-FB0A-42A3-A9C8-F92422146CAD}"/>
+              </a:ext>
+            </a:extLst>
+          </p:cNvPr>
+          <p:cNvSpPr>
+            <a:spLocks noGrp="1"/>
+          </p:cNvSpPr>
+          <p:nvPr>
+            <p:ph idx="1"/>
+          </p:nvPr>
+        </p:nvSpPr>
+        <p:spPr/>
+        <p:txBody>
+          <a:bodyPr/>
+          <a:lstStyle/>
+          <a:p>
+            <a:r>
+              <a:rPr lang="en-US" sz="2800" dirty="0"/>
+              <a:t>Rights publisher grants to DSP:</a:t>
+            </a:r>
+          </a:p>
+          <a:p>
+            <a:pPr lvl="1"/>
+            <a:r>
+              <a:rPr lang="en-US" sz="2400" dirty="0"/>
+              <a:t>Blanket statutory mechanical license, no need to get it for each track</a:t>
+            </a:r>
+          </a:p>
+          <a:p>
+            <a:pPr lvl="1"/>
+            <a:r>
+              <a:rPr lang="en-US" sz="2400" dirty="0"/>
+              <a:t>(Performance license not affected, though royalty rate may change)</a:t>
+            </a:r>
+          </a:p>
+          <a:p>
+            <a:r>
+              <a:rPr lang="en-US" sz="2800" dirty="0"/>
+              <a:t>DDEX: music industry messaging standard</a:t>
+            </a:r>
+          </a:p>
+          <a:p>
+            <a:pPr lvl="1"/>
+            <a:r>
+              <a:rPr lang="en-US" sz="2400" dirty="0"/>
+              <a:t>Used by many labels &amp; indie aggregators for metadata sent with music to DSPs</a:t>
+            </a:r>
+          </a:p>
+          <a:p>
+            <a:pPr lvl="1"/>
+            <a:r>
+              <a:rPr lang="en-US" sz="2400" dirty="0"/>
+              <a:t>Codes for rights granted (distribution channels), e.g.:</a:t>
+            </a:r>
+          </a:p>
+          <a:p>
+            <a:pPr lvl="2"/>
+            <a:r>
+              <a:rPr lang="en-US" sz="2000" dirty="0" err="1"/>
+              <a:t>OnDemandStream</a:t>
+            </a:r>
+            <a:endParaRPr lang="en-US" sz="2000" dirty="0"/>
+          </a:p>
+          <a:p>
+            <a:pPr lvl="2"/>
+            <a:r>
+              <a:rPr lang="en-US" sz="2000" dirty="0"/>
+              <a:t>Conditional-Download</a:t>
+            </a:r>
+          </a:p>
+          <a:p>
+            <a:pPr lvl="2"/>
+            <a:r>
+              <a:rPr lang="en-US" sz="2000" dirty="0" err="1"/>
+              <a:t>PermanentDownload</a:t>
+            </a:r>
+            <a:endParaRPr lang="en-US" sz="2000" dirty="0"/>
+          </a:p>
+        </p:txBody>
+      </p:sp>
+    </p:spTree>
+    <p:extLst>
+      <p:ext uri="{BB962C8B-B14F-4D97-AF65-F5344CB8AC3E}">
+        <p14:creationId xmlns:p14="http://schemas.microsoft.com/office/powerpoint/2010/main" val="2609182217"/>
+      </p:ext>
+    </p:extLst>
+  </p:cSld>
+  <p:clrMapOvr>
+    <a:masterClrMapping/>
+  </p:clrMapOvr>
+</p:sld>
+</file>
+
+<file path=ppt/slides/slide3.xml><?xml version="1.0" encoding="utf-8"?>
+<p:sld xmlns:a="http://schemas.openxmlformats.org/drawingml/2006/main" xmlns:r="http://schemas.openxmlformats.org/officeDocument/2006/relationships" xmlns:p="http://schemas.openxmlformats.org/presentationml/2006/main">
+  <p:cSld>
+    <p:spTree>
+      <p:nvGrpSpPr>
+        <p:cNvPr id="1" name=""/>
+        <p:cNvGrpSpPr/>
+        <p:nvPr/>
+      </p:nvGrpSpPr>
+      <p:grpSpPr>
+        <a:xfrm>
+          <a:off x="0" y="0"/>
+          <a:ext cx="0" cy="0"/>
+          <a:chOff x="0" y="0"/>
+          <a:chExt cx="0" cy="0"/>
+        </a:xfrm>
+      </p:grpSpPr>
+      <p:sp>
+        <p:nvSpPr>
+          <p:cNvPr id="2" name="Title 1"/>
+          <p:cNvSpPr>
+            <a:spLocks noGrp="1"/>
+          </p:cNvSpPr>
+          <p:nvPr>
+            <p:ph type="title"/>
+          </p:nvPr>
+        </p:nvSpPr>
+        <p:spPr/>
+        <p:txBody>
+          <a:bodyPr/>
+          <a:lstStyle/>
+          <a:p>
+            <a:r>
               <a:rPr lang="en-US" dirty="0"/>
               <a:t>Larry Lessig’s Four Forces of Regulation</a:t>
             </a:r>
@@ -6221,1122 +8924,7 @@
 </p:sld>
 </file>
 
-<file path=ppt/slides/slide20.xml><?xml version="1.0" encoding="utf-8"?>
-<p:sld xmlns:a="http://schemas.openxmlformats.org/drawingml/2006/main" xmlns:r="http://schemas.openxmlformats.org/officeDocument/2006/relationships" xmlns:p="http://schemas.openxmlformats.org/presentationml/2006/main">
-  <p:cSld>
-    <p:spTree>
-      <p:nvGrpSpPr>
-        <p:cNvPr id="1" name=""/>
-        <p:cNvGrpSpPr/>
-        <p:nvPr/>
-      </p:nvGrpSpPr>
-      <p:grpSpPr>
-        <a:xfrm>
-          <a:off x="0" y="0"/>
-          <a:ext cx="0" cy="0"/>
-          <a:chOff x="0" y="0"/>
-          <a:chExt cx="0" cy="0"/>
-        </a:xfrm>
-      </p:grpSpPr>
-      <p:sp>
-        <p:nvSpPr>
-          <p:cNvPr id="2" name="Title 1">
-            <a:extLst>
-              <a:ext uri="{FF2B5EF4-FFF2-40B4-BE49-F238E27FC236}">
-                <a16:creationId xmlns:a16="http://schemas.microsoft.com/office/drawing/2014/main" id="{105884F0-E4DB-4C88-98BF-A1D79C8A22AC}"/>
-              </a:ext>
-            </a:extLst>
-          </p:cNvPr>
-          <p:cNvSpPr>
-            <a:spLocks noGrp="1"/>
-          </p:cNvSpPr>
-          <p:nvPr>
-            <p:ph type="title"/>
-          </p:nvPr>
-        </p:nvSpPr>
-        <p:spPr/>
-        <p:txBody>
-          <a:bodyPr/>
-          <a:lstStyle/>
-          <a:p>
-            <a:r>
-              <a:rPr lang="en-US" dirty="0"/>
-              <a:t>ODRL 2.1 Examples</a:t>
-            </a:r>
-            <a:br>
-              <a:rPr lang="en-US" dirty="0"/>
-            </a:br>
-            <a:r>
-              <a:rPr lang="en-US" sz="2400" dirty="0"/>
-              <a:t>Picture can only be displayed in Germany after 2018</a:t>
-            </a:r>
-            <a:endParaRPr lang="en-US" dirty="0"/>
-          </a:p>
-        </p:txBody>
-      </p:sp>
-      <p:sp>
-        <p:nvSpPr>
-          <p:cNvPr id="5" name="Rectangle 4">
-            <a:extLst>
-              <a:ext uri="{FF2B5EF4-FFF2-40B4-BE49-F238E27FC236}">
-                <a16:creationId xmlns:a16="http://schemas.microsoft.com/office/drawing/2014/main" id="{8EA2CB12-C6DB-4394-9795-5D59C869484A}"/>
-              </a:ext>
-            </a:extLst>
-          </p:cNvPr>
-          <p:cNvSpPr/>
-          <p:nvPr/>
-        </p:nvSpPr>
-        <p:spPr>
-          <a:xfrm>
-            <a:off x="838200" y="1536174"/>
-            <a:ext cx="7391400" cy="4154984"/>
-          </a:xfrm>
-          <a:prstGeom prst="rect">
-            <a:avLst/>
-          </a:prstGeom>
-        </p:spPr>
-        <p:txBody>
-          <a:bodyPr wrap="square">
-            <a:spAutoFit/>
-          </a:bodyPr>
-          <a:lstStyle/>
-          <a:p>
-            <a:r>
-              <a:rPr lang="en-US" sz="1400" dirty="0"/>
-              <a:t>{</a:t>
-            </a:r>
-          </a:p>
-          <a:p>
-            <a:r>
-              <a:rPr lang="en-US" sz="1400" dirty="0"/>
-              <a:t> "@context": "http://www.w3.org/ns/odrl.jsonld",</a:t>
-            </a:r>
-          </a:p>
-          <a:p>
-            <a:r>
-              <a:rPr lang="en-US" sz="1400" dirty="0"/>
-              <a:t> "@type": "Set",</a:t>
-            </a:r>
-          </a:p>
-          <a:p>
-            <a:r>
-              <a:rPr lang="en-US" sz="1400" dirty="0"/>
-              <a:t> "</a:t>
-            </a:r>
-            <a:r>
-              <a:rPr lang="en-US" sz="1400" dirty="0" err="1"/>
-              <a:t>uid</a:t>
-            </a:r>
-            <a:r>
-              <a:rPr lang="en-US" sz="1400" dirty="0"/>
-              <a:t>": "http://example.com/policy:1010",</a:t>
-            </a:r>
-          </a:p>
-          <a:p>
-            <a:r>
-              <a:rPr lang="en-US" sz="1400" dirty="0"/>
-              <a:t> "permission": [{</a:t>
-            </a:r>
-          </a:p>
-          <a:p>
-            <a:r>
-              <a:rPr lang="en-US" sz="1400" dirty="0"/>
-              <a:t> 	"target": "http://example.com/asset:9898.movie",</a:t>
-            </a:r>
-          </a:p>
-          <a:p>
-            <a:r>
-              <a:rPr lang="en-US" sz="1400" dirty="0"/>
-              <a:t>	"action": "display",</a:t>
-            </a:r>
-          </a:p>
-          <a:p>
-            <a:r>
-              <a:rPr lang="en-US" sz="1400" dirty="0"/>
-              <a:t>	"constraint": [{</a:t>
-            </a:r>
-          </a:p>
-          <a:p>
-            <a:r>
-              <a:rPr lang="en-US" sz="1400" dirty="0"/>
-              <a:t>           "</a:t>
-            </a:r>
-            <a:r>
-              <a:rPr lang="en-US" sz="1400" dirty="0" err="1"/>
-              <a:t>leftOperand</a:t>
-            </a:r>
-            <a:r>
-              <a:rPr lang="en-US" sz="1400" dirty="0"/>
-              <a:t>": "</a:t>
-            </a:r>
-            <a:r>
-              <a:rPr lang="en-US" sz="1400" dirty="0" err="1"/>
-              <a:t>dateTime</a:t>
-            </a:r>
-            <a:r>
-              <a:rPr lang="en-US" sz="1400" dirty="0"/>
-              <a:t>",</a:t>
-            </a:r>
-          </a:p>
-          <a:p>
-            <a:r>
-              <a:rPr lang="en-US" sz="1400" dirty="0"/>
-              <a:t>           "operator": "</a:t>
-            </a:r>
-            <a:r>
-              <a:rPr lang="en-US" sz="1400" dirty="0" err="1"/>
-              <a:t>gt</a:t>
-            </a:r>
-            <a:r>
-              <a:rPr lang="en-US" sz="1400" dirty="0"/>
-              <a:t>",</a:t>
-            </a:r>
-          </a:p>
-          <a:p>
-            <a:r>
-              <a:rPr lang="en-US" sz="1400" dirty="0"/>
-              <a:t>           "</a:t>
-            </a:r>
-            <a:r>
-              <a:rPr lang="en-US" sz="1400" dirty="0" err="1"/>
-              <a:t>rightOperand</a:t>
-            </a:r>
-            <a:r>
-              <a:rPr lang="en-US" sz="1400" dirty="0"/>
-              <a:t>":  { "@value": "2019-01-01", "@type": "</a:t>
-            </a:r>
-            <a:r>
-              <a:rPr lang="en-US" sz="1400" dirty="0" err="1"/>
-              <a:t>xsd:date</a:t>
-            </a:r>
-            <a:r>
-              <a:rPr lang="en-US" sz="1400" dirty="0"/>
-              <a:t>" }</a:t>
-            </a:r>
-          </a:p>
-          <a:p>
-            <a:r>
-              <a:rPr lang="en-US" sz="1400" dirty="0"/>
-              <a:t>	   }, {</a:t>
-            </a:r>
-          </a:p>
-          <a:p>
-            <a:r>
-              <a:rPr lang="en-US" sz="1400" dirty="0"/>
-              <a:t>           "</a:t>
-            </a:r>
-            <a:r>
-              <a:rPr lang="en-US" sz="1400" dirty="0" err="1"/>
-              <a:t>leftOperand</a:t>
-            </a:r>
-            <a:r>
-              <a:rPr lang="en-US" sz="1400" dirty="0"/>
-              <a:t>": "spatial",</a:t>
-            </a:r>
-          </a:p>
-          <a:p>
-            <a:r>
-              <a:rPr lang="en-US" sz="1400" dirty="0"/>
-              <a:t>           "operator": "eq",</a:t>
-            </a:r>
-          </a:p>
-          <a:p>
-            <a:r>
-              <a:rPr lang="en-US" sz="1400" dirty="0"/>
-              <a:t>           "</a:t>
-            </a:r>
-            <a:r>
-              <a:rPr lang="en-US" sz="1400" dirty="0" err="1"/>
-              <a:t>rightOperand</a:t>
-            </a:r>
-            <a:r>
-              <a:rPr lang="en-US" sz="1400" dirty="0"/>
-              <a:t>":  "https://www.wikidata.org/wiki/Q183",</a:t>
-            </a:r>
-          </a:p>
-          <a:p>
-            <a:r>
-              <a:rPr lang="en-US" sz="1400" dirty="0"/>
-              <a:t>	   "comment": "</a:t>
-            </a:r>
-            <a:r>
-              <a:rPr lang="en-US" sz="1400" dirty="0" err="1"/>
-              <a:t>i.e</a:t>
-            </a:r>
-            <a:r>
-              <a:rPr lang="en-US" sz="1400" dirty="0"/>
-              <a:t> Germany"</a:t>
-            </a:r>
-          </a:p>
-          <a:p>
-            <a:r>
-              <a:rPr lang="en-US" sz="1400" dirty="0"/>
-              <a:t>       }]</a:t>
-            </a:r>
-          </a:p>
-          <a:p>
-            <a:r>
-              <a:rPr lang="en-US" sz="1400" dirty="0"/>
-              <a:t> }]</a:t>
-            </a:r>
-          </a:p>
-          <a:p>
-            <a:r>
-              <a:rPr lang="en-US" sz="1400" dirty="0"/>
-              <a:t>}	</a:t>
-            </a:r>
-          </a:p>
-        </p:txBody>
-      </p:sp>
-      <p:sp>
-        <p:nvSpPr>
-          <p:cNvPr id="6" name="TextBox 5">
-            <a:extLst>
-              <a:ext uri="{FF2B5EF4-FFF2-40B4-BE49-F238E27FC236}">
-                <a16:creationId xmlns:a16="http://schemas.microsoft.com/office/drawing/2014/main" id="{03BC4F59-9E9A-4983-A945-FEFEF5FA8733}"/>
-              </a:ext>
-            </a:extLst>
-          </p:cNvPr>
-          <p:cNvSpPr txBox="1"/>
-          <p:nvPr/>
-        </p:nvSpPr>
-        <p:spPr>
-          <a:xfrm>
-            <a:off x="228600" y="6430089"/>
-            <a:ext cx="2677336" cy="246221"/>
-          </a:xfrm>
-          <a:prstGeom prst="rect">
-            <a:avLst/>
-          </a:prstGeom>
-          <a:noFill/>
-        </p:spPr>
-        <p:txBody>
-          <a:bodyPr wrap="none" rtlCol="0">
-            <a:spAutoFit/>
-          </a:bodyPr>
-          <a:lstStyle/>
-          <a:p>
-            <a:r>
-              <a:rPr lang="en-US" sz="1000" dirty="0"/>
-              <a:t>Source: </a:t>
-            </a:r>
-            <a:r>
-              <a:rPr lang="en-US" sz="1000" dirty="0">
-                <a:hlinkClick r:id="rId2"/>
-              </a:rPr>
-              <a:t>https://w3c.github.io/odrl/bp/#styles</a:t>
-            </a:r>
-            <a:r>
-              <a:rPr lang="en-US" sz="1000" dirty="0"/>
-              <a:t> </a:t>
-            </a:r>
-          </a:p>
-        </p:txBody>
-      </p:sp>
-    </p:spTree>
-    <p:extLst>
-      <p:ext uri="{BB962C8B-B14F-4D97-AF65-F5344CB8AC3E}">
-        <p14:creationId xmlns:p14="http://schemas.microsoft.com/office/powerpoint/2010/main" val="4066614932"/>
-      </p:ext>
-    </p:extLst>
-  </p:cSld>
-  <p:clrMapOvr>
-    <a:masterClrMapping/>
-  </p:clrMapOvr>
-</p:sld>
-</file>
-
-<file path=ppt/slides/slide21.xml><?xml version="1.0" encoding="utf-8"?>
-<p:sld xmlns:a="http://schemas.openxmlformats.org/drawingml/2006/main" xmlns:r="http://schemas.openxmlformats.org/officeDocument/2006/relationships" xmlns:p="http://schemas.openxmlformats.org/presentationml/2006/main">
-  <p:cSld>
-    <p:spTree>
-      <p:nvGrpSpPr>
-        <p:cNvPr id="1" name=""/>
-        <p:cNvGrpSpPr/>
-        <p:nvPr/>
-      </p:nvGrpSpPr>
-      <p:grpSpPr>
-        <a:xfrm>
-          <a:off x="0" y="0"/>
-          <a:ext cx="0" cy="0"/>
-          <a:chOff x="0" y="0"/>
-          <a:chExt cx="0" cy="0"/>
-        </a:xfrm>
-      </p:grpSpPr>
-      <p:sp>
-        <p:nvSpPr>
-          <p:cNvPr id="2" name="Title 1">
-            <a:extLst>
-              <a:ext uri="{FF2B5EF4-FFF2-40B4-BE49-F238E27FC236}">
-                <a16:creationId xmlns:a16="http://schemas.microsoft.com/office/drawing/2014/main" id="{105884F0-E4DB-4C88-98BF-A1D79C8A22AC}"/>
-              </a:ext>
-            </a:extLst>
-          </p:cNvPr>
-          <p:cNvSpPr>
-            <a:spLocks noGrp="1"/>
-          </p:cNvSpPr>
-          <p:nvPr>
-            <p:ph type="title"/>
-          </p:nvPr>
-        </p:nvSpPr>
-        <p:spPr/>
-        <p:txBody>
-          <a:bodyPr/>
-          <a:lstStyle/>
-          <a:p>
-            <a:r>
-              <a:rPr lang="en-US" dirty="0"/>
-              <a:t>ODRL 2.1 Examples</a:t>
-            </a:r>
-            <a:br>
-              <a:rPr lang="en-US" dirty="0"/>
-            </a:br>
-            <a:r>
-              <a:rPr lang="en-US" sz="2400" dirty="0"/>
-              <a:t>Allow distribution of movie over mobile networks only</a:t>
-            </a:r>
-            <a:endParaRPr lang="en-US" dirty="0"/>
-          </a:p>
-        </p:txBody>
-      </p:sp>
-      <p:sp>
-        <p:nvSpPr>
-          <p:cNvPr id="5" name="Rectangle 4">
-            <a:extLst>
-              <a:ext uri="{FF2B5EF4-FFF2-40B4-BE49-F238E27FC236}">
-                <a16:creationId xmlns:a16="http://schemas.microsoft.com/office/drawing/2014/main" id="{8EA2CB12-C6DB-4394-9795-5D59C869484A}"/>
-              </a:ext>
-            </a:extLst>
-          </p:cNvPr>
-          <p:cNvSpPr/>
-          <p:nvPr/>
-        </p:nvSpPr>
-        <p:spPr>
-          <a:xfrm>
-            <a:off x="838200" y="1536174"/>
-            <a:ext cx="7391400" cy="3754874"/>
-          </a:xfrm>
-          <a:prstGeom prst="rect">
-            <a:avLst/>
-          </a:prstGeom>
-        </p:spPr>
-        <p:txBody>
-          <a:bodyPr wrap="square">
-            <a:spAutoFit/>
-          </a:bodyPr>
-          <a:lstStyle/>
-          <a:p>
-            <a:r>
-              <a:rPr lang="en-US" sz="1400" dirty="0"/>
-              <a:t>{</a:t>
-            </a:r>
-          </a:p>
-          <a:p>
-            <a:r>
-              <a:rPr lang="en-US" sz="1400" dirty="0"/>
-              <a:t>    "@context": "http://www.w3.org/ns/odrl.jsonld",</a:t>
-            </a:r>
-          </a:p>
-          <a:p>
-            <a:r>
-              <a:rPr lang="en-US" sz="1400" dirty="0"/>
-              <a:t>    "@type": "Set",</a:t>
-            </a:r>
-          </a:p>
-          <a:p>
-            <a:r>
-              <a:rPr lang="en-US" sz="1400" dirty="0"/>
-              <a:t>    "</a:t>
-            </a:r>
-            <a:r>
-              <a:rPr lang="en-US" sz="1400" dirty="0" err="1"/>
-              <a:t>uid</a:t>
-            </a:r>
-            <a:r>
-              <a:rPr lang="en-US" sz="1400" dirty="0"/>
-              <a:t>": "http://example.com/policy:6161",</a:t>
-            </a:r>
-          </a:p>
-          <a:p>
-            <a:r>
-              <a:rPr lang="en-US" sz="1400" dirty="0"/>
-              <a:t>    "permission": [{</a:t>
-            </a:r>
-          </a:p>
-          <a:p>
-            <a:r>
-              <a:rPr lang="en-US" sz="1400" dirty="0"/>
-              <a:t>       "target": "http://example.com/asset:9898.movie",</a:t>
-            </a:r>
-          </a:p>
-          <a:p>
-            <a:r>
-              <a:rPr lang="en-US" sz="1400" dirty="0"/>
-              <a:t>       "assigner": "http://example.com/org:616",</a:t>
-            </a:r>
-          </a:p>
-          <a:p>
-            <a:r>
-              <a:rPr lang="en-US" sz="1400" dirty="0"/>
-              <a:t>       "action": [{</a:t>
-            </a:r>
-          </a:p>
-          <a:p>
-            <a:r>
-              <a:rPr lang="en-US" sz="1400" dirty="0"/>
-              <a:t>          "action": "distribute",</a:t>
-            </a:r>
-          </a:p>
-          <a:p>
-            <a:r>
-              <a:rPr lang="en-US" sz="1400" dirty="0"/>
-              <a:t>          "refinement": [{</a:t>
-            </a:r>
-          </a:p>
-          <a:p>
-            <a:r>
-              <a:rPr lang="en-US" sz="1400" dirty="0"/>
-              <a:t>             "</a:t>
-            </a:r>
-            <a:r>
-              <a:rPr lang="en-US" sz="1400" dirty="0" err="1"/>
-              <a:t>leftOperand</a:t>
-            </a:r>
-            <a:r>
-              <a:rPr lang="en-US" sz="1400" dirty="0"/>
-              <a:t>": "</a:t>
-            </a:r>
-            <a:r>
-              <a:rPr lang="en-US" sz="1400" dirty="0" err="1"/>
-              <a:t>deliveryChannel</a:t>
-            </a:r>
-            <a:r>
-              <a:rPr lang="en-US" sz="1400" dirty="0"/>
-              <a:t>",</a:t>
-            </a:r>
-          </a:p>
-          <a:p>
-            <a:r>
-              <a:rPr lang="en-US" sz="1400" dirty="0"/>
-              <a:t>             "operator": "eq",</a:t>
-            </a:r>
-          </a:p>
-          <a:p>
-            <a:r>
-              <a:rPr lang="en-US" sz="1400" dirty="0"/>
-              <a:t>             "</a:t>
-            </a:r>
-            <a:r>
-              <a:rPr lang="en-US" sz="1400" dirty="0" err="1"/>
-              <a:t>rightOperand</a:t>
-            </a:r>
-            <a:r>
-              <a:rPr lang="en-US" sz="1400" dirty="0"/>
-              <a:t>": "http://example.com/cv/</a:t>
-            </a:r>
-            <a:r>
-              <a:rPr lang="en-US" sz="1400" dirty="0" err="1"/>
-              <a:t>audMedia</a:t>
-            </a:r>
-            <a:r>
-              <a:rPr lang="en-US" sz="1400" dirty="0"/>
-              <a:t>/MOBILE"</a:t>
-            </a:r>
-          </a:p>
-          <a:p>
-            <a:r>
-              <a:rPr lang="en-US" sz="1400" dirty="0"/>
-              <a:t>          }]</a:t>
-            </a:r>
-          </a:p>
-          <a:p>
-            <a:r>
-              <a:rPr lang="en-US" sz="1400" dirty="0"/>
-              <a:t>      }]</a:t>
-            </a:r>
-          </a:p>
-          <a:p>
-            <a:r>
-              <a:rPr lang="en-US" sz="1400" dirty="0"/>
-              <a:t>   }]</a:t>
-            </a:r>
-          </a:p>
-          <a:p>
-            <a:r>
-              <a:rPr lang="en-US" sz="1400" dirty="0"/>
-              <a:t>}	</a:t>
-            </a:r>
-          </a:p>
-        </p:txBody>
-      </p:sp>
-      <p:sp>
-        <p:nvSpPr>
-          <p:cNvPr id="6" name="TextBox 5">
-            <a:extLst>
-              <a:ext uri="{FF2B5EF4-FFF2-40B4-BE49-F238E27FC236}">
-                <a16:creationId xmlns:a16="http://schemas.microsoft.com/office/drawing/2014/main" id="{03BC4F59-9E9A-4983-A945-FEFEF5FA8733}"/>
-              </a:ext>
-            </a:extLst>
-          </p:cNvPr>
-          <p:cNvSpPr txBox="1"/>
-          <p:nvPr/>
-        </p:nvSpPr>
-        <p:spPr>
-          <a:xfrm>
-            <a:off x="228600" y="6430089"/>
-            <a:ext cx="2677336" cy="246221"/>
-          </a:xfrm>
-          <a:prstGeom prst="rect">
-            <a:avLst/>
-          </a:prstGeom>
-          <a:noFill/>
-        </p:spPr>
-        <p:txBody>
-          <a:bodyPr wrap="none" rtlCol="0">
-            <a:spAutoFit/>
-          </a:bodyPr>
-          <a:lstStyle/>
-          <a:p>
-            <a:r>
-              <a:rPr lang="en-US" sz="1000" dirty="0"/>
-              <a:t>Source: </a:t>
-            </a:r>
-            <a:r>
-              <a:rPr lang="en-US" sz="1000" dirty="0">
-                <a:hlinkClick r:id="rId2"/>
-              </a:rPr>
-              <a:t>https://w3c.github.io/odrl/bp/#styles</a:t>
-            </a:r>
-            <a:r>
-              <a:rPr lang="en-US" sz="1000" dirty="0"/>
-              <a:t> </a:t>
-            </a:r>
-          </a:p>
-        </p:txBody>
-      </p:sp>
-    </p:spTree>
-    <p:extLst>
-      <p:ext uri="{BB962C8B-B14F-4D97-AF65-F5344CB8AC3E}">
-        <p14:creationId xmlns:p14="http://schemas.microsoft.com/office/powerpoint/2010/main" val="3062535866"/>
-      </p:ext>
-    </p:extLst>
-  </p:cSld>
-  <p:clrMapOvr>
-    <a:masterClrMapping/>
-  </p:clrMapOvr>
-</p:sld>
-</file>
-
-<file path=ppt/slides/slide22.xml><?xml version="1.0" encoding="utf-8"?>
-<p:sld xmlns:a="http://schemas.openxmlformats.org/drawingml/2006/main" xmlns:r="http://schemas.openxmlformats.org/officeDocument/2006/relationships" xmlns:p="http://schemas.openxmlformats.org/presentationml/2006/main">
-  <p:cSld>
-    <p:spTree>
-      <p:nvGrpSpPr>
-        <p:cNvPr id="1" name=""/>
-        <p:cNvGrpSpPr/>
-        <p:nvPr/>
-      </p:nvGrpSpPr>
-      <p:grpSpPr>
-        <a:xfrm>
-          <a:off x="0" y="0"/>
-          <a:ext cx="0" cy="0"/>
-          <a:chOff x="0" y="0"/>
-          <a:chExt cx="0" cy="0"/>
-        </a:xfrm>
-      </p:grpSpPr>
-      <p:sp>
-        <p:nvSpPr>
-          <p:cNvPr id="2" name="Title 1">
-            <a:extLst>
-              <a:ext uri="{FF2B5EF4-FFF2-40B4-BE49-F238E27FC236}">
-                <a16:creationId xmlns:a16="http://schemas.microsoft.com/office/drawing/2014/main" id="{DA4AC1CB-2422-49E0-90EE-26C4932EAD35}"/>
-              </a:ext>
-            </a:extLst>
-          </p:cNvPr>
-          <p:cNvSpPr>
-            <a:spLocks noGrp="1"/>
-          </p:cNvSpPr>
-          <p:nvPr>
-            <p:ph type="title"/>
-          </p:nvPr>
-        </p:nvSpPr>
-        <p:spPr/>
-        <p:txBody>
-          <a:bodyPr/>
-          <a:lstStyle/>
-          <a:p>
-            <a:r>
-              <a:rPr lang="en-US" dirty="0"/>
-              <a:t>Other License Automation RELs</a:t>
-            </a:r>
-          </a:p>
-        </p:txBody>
-      </p:sp>
-      <p:sp>
-        <p:nvSpPr>
-          <p:cNvPr id="3" name="Content Placeholder 2">
-            <a:extLst>
-              <a:ext uri="{FF2B5EF4-FFF2-40B4-BE49-F238E27FC236}">
-                <a16:creationId xmlns:a16="http://schemas.microsoft.com/office/drawing/2014/main" id="{E23458ED-6EED-455B-8D18-BA77497EB997}"/>
-              </a:ext>
-            </a:extLst>
-          </p:cNvPr>
-          <p:cNvSpPr>
-            <a:spLocks noGrp="1"/>
-          </p:cNvSpPr>
-          <p:nvPr>
-            <p:ph idx="1"/>
-          </p:nvPr>
-        </p:nvSpPr>
-        <p:spPr/>
-        <p:txBody>
-          <a:bodyPr/>
-          <a:lstStyle/>
-          <a:p>
-            <a:r>
-              <a:rPr lang="en-US" dirty="0"/>
-              <a:t>PLUS (images)</a:t>
-            </a:r>
-            <a:r>
-              <a:rPr lang="en-US" baseline="30000" dirty="0"/>
-              <a:t>1</a:t>
-            </a:r>
-          </a:p>
-          <a:p>
-            <a:r>
-              <a:rPr lang="en-US" dirty="0"/>
-              <a:t>PRISM Rights Language (magazine publishing)</a:t>
-            </a:r>
-            <a:r>
-              <a:rPr lang="en-US" baseline="30000" dirty="0"/>
-              <a:t>2</a:t>
-            </a:r>
-            <a:endParaRPr lang="en-US" dirty="0"/>
-          </a:p>
-          <a:p>
-            <a:r>
-              <a:rPr lang="en-US" dirty="0" err="1"/>
-              <a:t>METSRights</a:t>
-            </a:r>
-            <a:r>
-              <a:rPr lang="en-US" dirty="0"/>
-              <a:t> (gov’t &amp; academic libraries)</a:t>
-            </a:r>
-            <a:r>
-              <a:rPr lang="en-US" baseline="30000" dirty="0"/>
-              <a:t>3</a:t>
-            </a:r>
-            <a:endParaRPr lang="en-US" dirty="0"/>
-          </a:p>
-          <a:p>
-            <a:endParaRPr lang="en-US" dirty="0"/>
-          </a:p>
-          <a:p>
-            <a:endParaRPr lang="en-US" dirty="0"/>
-          </a:p>
-        </p:txBody>
-      </p:sp>
-      <p:sp>
-        <p:nvSpPr>
-          <p:cNvPr id="4" name="TextBox 3">
-            <a:extLst>
-              <a:ext uri="{FF2B5EF4-FFF2-40B4-BE49-F238E27FC236}">
-                <a16:creationId xmlns:a16="http://schemas.microsoft.com/office/drawing/2014/main" id="{C92CCF95-A32F-4D93-9A4E-0A41013DFC27}"/>
-              </a:ext>
-            </a:extLst>
-          </p:cNvPr>
-          <p:cNvSpPr txBox="1"/>
-          <p:nvPr/>
-        </p:nvSpPr>
-        <p:spPr>
-          <a:xfrm>
-            <a:off x="228600" y="5976932"/>
-            <a:ext cx="7239000" cy="707886"/>
-          </a:xfrm>
-          <a:prstGeom prst="rect">
-            <a:avLst/>
-          </a:prstGeom>
-          <a:noFill/>
-        </p:spPr>
-        <p:txBody>
-          <a:bodyPr wrap="square" rtlCol="0">
-            <a:spAutoFit/>
-          </a:bodyPr>
-          <a:lstStyle/>
-          <a:p>
-            <a:r>
-              <a:rPr lang="en-US" sz="1000" baseline="30000" dirty="0"/>
-              <a:t>1 </a:t>
-            </a:r>
-            <a:r>
-              <a:rPr lang="en-US" sz="1000" dirty="0">
-                <a:hlinkClick r:id="rId2"/>
-              </a:rPr>
-              <a:t>http://www.useplus.com/index.asp</a:t>
-            </a:r>
-            <a:r>
-              <a:rPr lang="en-US" sz="1000" dirty="0"/>
-              <a:t>. </a:t>
-            </a:r>
-          </a:p>
-          <a:p>
-            <a:r>
-              <a:rPr lang="en-US" sz="1000" baseline="30000" dirty="0"/>
-              <a:t>2 </a:t>
-            </a:r>
-            <a:r>
-              <a:rPr lang="en-US" sz="1000" dirty="0">
-                <a:hlinkClick r:id="rId3"/>
-              </a:rPr>
-              <a:t>http://www.prismstandard.org/specifications/3.0/PRISM_usage_rights_metadata_3.0.pdf</a:t>
-            </a:r>
-            <a:r>
-              <a:rPr lang="en-US" sz="1000" dirty="0"/>
-              <a:t>.</a:t>
-            </a:r>
-          </a:p>
-          <a:p>
-            <a:r>
-              <a:rPr lang="en-US" sz="1000" baseline="30000" dirty="0"/>
-              <a:t>3 </a:t>
-            </a:r>
-            <a:r>
-              <a:rPr lang="en-US" sz="1000" dirty="0">
-                <a:hlinkClick r:id="rId4"/>
-              </a:rPr>
-              <a:t>https://www.loc.gov/standards/rights/</a:t>
-            </a:r>
-            <a:r>
-              <a:rPr lang="en-US" sz="1000" dirty="0"/>
-              <a:t>. </a:t>
-            </a:r>
-          </a:p>
-          <a:p>
-            <a:r>
-              <a:rPr lang="en-US" sz="1000" dirty="0"/>
-              <a:t> </a:t>
-            </a:r>
-          </a:p>
-        </p:txBody>
-      </p:sp>
-    </p:spTree>
-    <p:extLst>
-      <p:ext uri="{BB962C8B-B14F-4D97-AF65-F5344CB8AC3E}">
-        <p14:creationId xmlns:p14="http://schemas.microsoft.com/office/powerpoint/2010/main" val="4114122003"/>
-      </p:ext>
-    </p:extLst>
-  </p:cSld>
-  <p:clrMapOvr>
-    <a:masterClrMapping/>
-  </p:clrMapOvr>
-</p:sld>
-</file>
-
-<file path=ppt/slides/slide23.xml><?xml version="1.0" encoding="utf-8"?>
-<p:sld xmlns:a="http://schemas.openxmlformats.org/drawingml/2006/main" xmlns:r="http://schemas.openxmlformats.org/officeDocument/2006/relationships" xmlns:p="http://schemas.openxmlformats.org/presentationml/2006/main">
-  <p:cSld>
-    <p:spTree>
-      <p:nvGrpSpPr>
-        <p:cNvPr id="1" name=""/>
-        <p:cNvGrpSpPr/>
-        <p:nvPr/>
-      </p:nvGrpSpPr>
-      <p:grpSpPr>
-        <a:xfrm>
-          <a:off x="0" y="0"/>
-          <a:ext cx="0" cy="0"/>
-          <a:chOff x="0" y="0"/>
-          <a:chExt cx="0" cy="0"/>
-        </a:xfrm>
-      </p:grpSpPr>
-      <p:sp>
-        <p:nvSpPr>
-          <p:cNvPr id="2" name="Title 1">
-            <a:extLst>
-              <a:ext uri="{FF2B5EF4-FFF2-40B4-BE49-F238E27FC236}">
-                <a16:creationId xmlns:a16="http://schemas.microsoft.com/office/drawing/2014/main" id="{73DFC143-5811-4D2C-8F73-9148D6127769}"/>
-              </a:ext>
-            </a:extLst>
-          </p:cNvPr>
-          <p:cNvSpPr>
-            <a:spLocks noGrp="1"/>
-          </p:cNvSpPr>
-          <p:nvPr>
-            <p:ph type="title"/>
-          </p:nvPr>
-        </p:nvSpPr>
-        <p:spPr/>
-        <p:txBody>
-          <a:bodyPr/>
-          <a:lstStyle/>
-          <a:p>
-            <a:r>
-              <a:rPr lang="en-US" dirty="0"/>
-              <a:t>RELs, DRMs, Licenses, and Copyright</a:t>
-            </a:r>
-          </a:p>
-        </p:txBody>
-      </p:sp>
-      <p:sp>
-        <p:nvSpPr>
-          <p:cNvPr id="3" name="Content Placeholder 2">
-            <a:extLst>
-              <a:ext uri="{FF2B5EF4-FFF2-40B4-BE49-F238E27FC236}">
-                <a16:creationId xmlns:a16="http://schemas.microsoft.com/office/drawing/2014/main" id="{BCCC9330-BA00-487A-B5C6-A6030C188F19}"/>
-              </a:ext>
-            </a:extLst>
-          </p:cNvPr>
-          <p:cNvSpPr>
-            <a:spLocks noGrp="1"/>
-          </p:cNvSpPr>
-          <p:nvPr>
-            <p:ph idx="1"/>
-          </p:nvPr>
-        </p:nvSpPr>
-        <p:spPr/>
-        <p:txBody>
-          <a:bodyPr/>
-          <a:lstStyle/>
-          <a:p>
-            <a:r>
-              <a:rPr lang="en-US" sz="2800" dirty="0"/>
-              <a:t>DRM: </a:t>
-            </a:r>
-            <a:r>
-              <a:rPr lang="en-US" sz="2800" u="sng" dirty="0"/>
-              <a:t>technologically</a:t>
-            </a:r>
-            <a:r>
-              <a:rPr lang="en-US" sz="2800" dirty="0"/>
-              <a:t> enforced rights &amp; restrictions</a:t>
-            </a:r>
-          </a:p>
-          <a:p>
-            <a:r>
-              <a:rPr lang="en-US" sz="2800" dirty="0"/>
-              <a:t>Licenses: </a:t>
-            </a:r>
-            <a:r>
-              <a:rPr lang="en-US" sz="2800" u="sng" dirty="0"/>
-              <a:t>legally</a:t>
-            </a:r>
-            <a:r>
-              <a:rPr lang="en-US" sz="2800" dirty="0"/>
-              <a:t> enforced rights &amp; restrictions</a:t>
-            </a:r>
-          </a:p>
-          <a:p>
-            <a:r>
-              <a:rPr lang="en-US" sz="2800" dirty="0"/>
-              <a:t>RELs enable precision for both</a:t>
-            </a:r>
-          </a:p>
-          <a:p>
-            <a:r>
-              <a:rPr lang="en-US" sz="2800" dirty="0"/>
-              <a:t>RELs can encode licenses that confer </a:t>
-            </a:r>
-            <a:r>
-              <a:rPr lang="en-US" sz="2800" i="1" dirty="0"/>
-              <a:t>more</a:t>
-            </a:r>
-            <a:r>
-              <a:rPr lang="en-US" sz="2800" dirty="0"/>
-              <a:t> rights than copyright (basic idea of Creative Commons)</a:t>
-            </a:r>
-          </a:p>
-          <a:p>
-            <a:r>
-              <a:rPr lang="en-US" sz="2800" dirty="0"/>
-              <a:t>… or licenses that confer </a:t>
-            </a:r>
-            <a:r>
-              <a:rPr lang="en-US" sz="2800" i="1" dirty="0"/>
-              <a:t>less </a:t>
-            </a:r>
-            <a:r>
-              <a:rPr lang="en-US" sz="2800" dirty="0"/>
-              <a:t>rights than copyright</a:t>
-            </a:r>
-            <a:br>
-              <a:rPr lang="en-US" sz="2800" dirty="0"/>
-            </a:br>
-            <a:r>
-              <a:rPr lang="en-US" sz="2800" dirty="0"/>
-              <a:t>(true of most EULAs)</a:t>
-            </a:r>
-          </a:p>
-          <a:p>
-            <a:r>
-              <a:rPr lang="en-US" sz="2800" dirty="0"/>
-              <a:t>DRM is incapable of emulating copyright rights,</a:t>
-            </a:r>
-            <a:br>
-              <a:rPr lang="en-US" sz="2800" dirty="0"/>
-            </a:br>
-            <a:r>
-              <a:rPr lang="en-US" sz="2800" dirty="0"/>
-              <a:t>even with RELs</a:t>
-            </a:r>
-          </a:p>
-          <a:p>
-            <a:endParaRPr lang="en-US" sz="2800" dirty="0"/>
-          </a:p>
-          <a:p>
-            <a:endParaRPr lang="en-US" sz="2800" dirty="0"/>
-          </a:p>
-        </p:txBody>
-      </p:sp>
-    </p:spTree>
-    <p:extLst>
-      <p:ext uri="{BB962C8B-B14F-4D97-AF65-F5344CB8AC3E}">
-        <p14:creationId xmlns:p14="http://schemas.microsoft.com/office/powerpoint/2010/main" val="896676278"/>
-      </p:ext>
-    </p:extLst>
-  </p:cSld>
-  <p:clrMapOvr>
-    <a:masterClrMapping/>
-  </p:clrMapOvr>
-</p:sld>
-</file>
-
-<file path=ppt/slides/slide24.xml><?xml version="1.0" encoding="utf-8"?>
-<p:sld xmlns:a="http://schemas.openxmlformats.org/drawingml/2006/main" xmlns:r="http://schemas.openxmlformats.org/officeDocument/2006/relationships" xmlns:p="http://schemas.openxmlformats.org/presentationml/2006/main">
-  <p:cSld>
-    <p:spTree>
-      <p:nvGrpSpPr>
-        <p:cNvPr id="1" name=""/>
-        <p:cNvGrpSpPr/>
-        <p:nvPr/>
-      </p:nvGrpSpPr>
-      <p:grpSpPr>
-        <a:xfrm>
-          <a:off x="0" y="0"/>
-          <a:ext cx="0" cy="0"/>
-          <a:chOff x="0" y="0"/>
-          <a:chExt cx="0" cy="0"/>
-        </a:xfrm>
-      </p:grpSpPr>
-      <p:sp>
-        <p:nvSpPr>
-          <p:cNvPr id="2" name="Title 1">
-            <a:extLst>
-              <a:ext uri="{FF2B5EF4-FFF2-40B4-BE49-F238E27FC236}">
-                <a16:creationId xmlns:a16="http://schemas.microsoft.com/office/drawing/2014/main" id="{0E37CDB3-4626-43F1-B3F1-A39E420CF66C}"/>
-              </a:ext>
-            </a:extLst>
-          </p:cNvPr>
-          <p:cNvSpPr>
-            <a:spLocks noGrp="1"/>
-          </p:cNvSpPr>
-          <p:nvPr>
-            <p:ph type="title"/>
-          </p:nvPr>
-        </p:nvSpPr>
-        <p:spPr/>
-        <p:txBody>
-          <a:bodyPr/>
-          <a:lstStyle/>
-          <a:p>
-            <a:r>
-              <a:rPr lang="en-US" dirty="0"/>
-              <a:t>The Digital Media Project</a:t>
-            </a:r>
-            <a:br>
-              <a:rPr lang="en-US" dirty="0"/>
-            </a:br>
-            <a:r>
-              <a:rPr lang="en-US" sz="2400" dirty="0"/>
-              <a:t>An attempt to make a DRM that emulates copyright accurately</a:t>
-            </a:r>
-            <a:endParaRPr lang="en-US" dirty="0"/>
-          </a:p>
-        </p:txBody>
-      </p:sp>
-      <p:sp>
-        <p:nvSpPr>
-          <p:cNvPr id="3" name="Content Placeholder 2">
-            <a:extLst>
-              <a:ext uri="{FF2B5EF4-FFF2-40B4-BE49-F238E27FC236}">
-                <a16:creationId xmlns:a16="http://schemas.microsoft.com/office/drawing/2014/main" id="{B7C77794-4AA6-4B64-A6CD-21F4C5757066}"/>
-              </a:ext>
-            </a:extLst>
-          </p:cNvPr>
-          <p:cNvSpPr>
-            <a:spLocks noGrp="1"/>
-          </p:cNvSpPr>
-          <p:nvPr>
-            <p:ph idx="1"/>
-          </p:nvPr>
-        </p:nvSpPr>
-        <p:spPr/>
-        <p:txBody>
-          <a:bodyPr/>
-          <a:lstStyle/>
-          <a:p>
-            <a:r>
-              <a:rPr lang="en-US" sz="2800" dirty="0"/>
-              <a:t>Dr. Leonardo </a:t>
-            </a:r>
-            <a:r>
-              <a:rPr lang="en-US" sz="2800" dirty="0" err="1"/>
-              <a:t>Chiariglione</a:t>
-            </a:r>
-            <a:r>
-              <a:rPr lang="en-US" sz="2800" dirty="0"/>
-              <a:t>, founder of MPEG standards body</a:t>
-            </a:r>
-          </a:p>
-          <a:p>
-            <a:r>
-              <a:rPr lang="en-US" sz="2800" dirty="0"/>
-              <a:t>Attempt to create open interoperable DRM standards that respect and emulate real-world content usages, incl. copyright</a:t>
-            </a:r>
-          </a:p>
-          <a:p>
-            <a:r>
-              <a:rPr lang="en-US" sz="2800" dirty="0"/>
-              <a:t>Started in 2003, on “low simmer” since ~2007</a:t>
-            </a:r>
-          </a:p>
-          <a:p>
-            <a:r>
-              <a:rPr lang="en-US" sz="2800" dirty="0"/>
-              <a:t>Mappings of “</a:t>
-            </a:r>
-            <a:r>
-              <a:rPr lang="en-US" sz="2800" dirty="0">
-                <a:hlinkClick r:id="rId2"/>
-              </a:rPr>
-              <a:t>Traditional Rights and Usages</a:t>
-            </a:r>
-            <a:r>
-              <a:rPr lang="en-US" sz="2800" dirty="0"/>
-              <a:t>” to REL expressions</a:t>
-            </a:r>
-          </a:p>
-          <a:p>
-            <a:r>
-              <a:rPr lang="en-US" sz="2800" dirty="0"/>
-              <a:t>Promising work, never completed</a:t>
-            </a:r>
-          </a:p>
-        </p:txBody>
-      </p:sp>
-    </p:spTree>
-    <p:extLst>
-      <p:ext uri="{BB962C8B-B14F-4D97-AF65-F5344CB8AC3E}">
-        <p14:creationId xmlns:p14="http://schemas.microsoft.com/office/powerpoint/2010/main" val="3436800063"/>
-      </p:ext>
-    </p:extLst>
-  </p:cSld>
-  <p:clrMapOvr>
-    <a:masterClrMapping/>
-  </p:clrMapOvr>
-</p:sld>
-</file>
-
-<file path=ppt/slides/slide25.xml><?xml version="1.0" encoding="utf-8"?>
+<file path=ppt/slides/slide30.xml><?xml version="1.0" encoding="utf-8"?>
 <p:sld xmlns:a="http://schemas.openxmlformats.org/drawingml/2006/main" xmlns:r="http://schemas.openxmlformats.org/officeDocument/2006/relationships" xmlns:p="http://schemas.openxmlformats.org/presentationml/2006/main">
   <p:cSld>
     <p:spTree>
@@ -7376,7 +8964,998 @@
           <a:p>
             <a:r>
               <a:rPr lang="en-US" dirty="0"/>
-              <a:t>Final Thoughts</a:t>
+              <a:t>Representing MMA License in a REL?</a:t>
+            </a:r>
+          </a:p>
+        </p:txBody>
+      </p:sp>
+      <p:sp>
+        <p:nvSpPr>
+          <p:cNvPr id="4" name="Rectangle: Rounded Corners 3">
+            <a:extLst>
+              <a:ext uri="{FF2B5EF4-FFF2-40B4-BE49-F238E27FC236}">
+                <a16:creationId xmlns:a16="http://schemas.microsoft.com/office/drawing/2014/main" id="{6185835B-0A40-4881-A81D-304384840492}"/>
+              </a:ext>
+            </a:extLst>
+          </p:cNvPr>
+          <p:cNvSpPr/>
+          <p:nvPr/>
+        </p:nvSpPr>
+        <p:spPr bwMode="auto">
+          <a:xfrm>
+            <a:off x="978946" y="2819400"/>
+            <a:ext cx="1524000" cy="1219200"/>
+          </a:xfrm>
+          <a:prstGeom prst="roundRect">
+            <a:avLst/>
+          </a:prstGeom>
+          <a:solidFill>
+            <a:srgbClr val="00B0F0"/>
+          </a:solidFill>
+          <a:ln w="12700" cap="flat" cmpd="sng" algn="ctr">
+            <a:noFill/>
+            <a:prstDash val="solid"/>
+            <a:round/>
+            <a:headEnd type="none" w="med" len="med"/>
+            <a:tailEnd type="none" w="med" len="med"/>
+          </a:ln>
+          <a:effectLst/>
+        </p:spPr>
+        <p:txBody>
+          <a:bodyPr vert="horz" wrap="none" lIns="91440" tIns="45720" rIns="91440" bIns="45720" numCol="1" rtlCol="0" anchor="ctr" anchorCtr="0" compatLnSpc="1">
+            <a:prstTxWarp prst="textNoShape">
+              <a:avLst/>
+            </a:prstTxWarp>
+          </a:bodyPr>
+          <a:lstStyle/>
+          <a:p>
+            <a:pPr marL="0" marR="0" indent="0" algn="ctr" defTabSz="914400" rtl="0" eaLnBrk="1" fontAlgn="base" latinLnBrk="0" hangingPunct="1">
+              <a:lnSpc>
+                <a:spcPct val="100000"/>
+              </a:lnSpc>
+              <a:spcBef>
+                <a:spcPct val="0"/>
+              </a:spcBef>
+              <a:spcAft>
+                <a:spcPct val="0"/>
+              </a:spcAft>
+              <a:buClrTx/>
+              <a:buSzTx/>
+              <a:buFontTx/>
+              <a:buNone/>
+              <a:tabLst/>
+            </a:pPr>
+            <a:r>
+              <a:rPr lang="en-US" sz="1600" dirty="0"/>
+              <a:t>Publisher</a:t>
+            </a:r>
+            <a:endParaRPr kumimoji="0" lang="en-US" sz="1600" b="0" i="0" u="none" strike="noStrike" cap="none" normalizeH="0" baseline="0" dirty="0">
+              <a:ln>
+                <a:noFill/>
+              </a:ln>
+              <a:solidFill>
+                <a:schemeClr val="tx1"/>
+              </a:solidFill>
+              <a:effectLst/>
+              <a:latin typeface="Arial" charset="0"/>
+            </a:endParaRPr>
+          </a:p>
+        </p:txBody>
+      </p:sp>
+      <p:sp>
+        <p:nvSpPr>
+          <p:cNvPr id="5" name="Rectangle: Rounded Corners 4">
+            <a:extLst>
+              <a:ext uri="{FF2B5EF4-FFF2-40B4-BE49-F238E27FC236}">
+                <a16:creationId xmlns:a16="http://schemas.microsoft.com/office/drawing/2014/main" id="{C9863DF4-AD2C-4188-8170-45B78F144590}"/>
+              </a:ext>
+            </a:extLst>
+          </p:cNvPr>
+          <p:cNvSpPr/>
+          <p:nvPr/>
+        </p:nvSpPr>
+        <p:spPr bwMode="auto">
+          <a:xfrm>
+            <a:off x="3645946" y="2819400"/>
+            <a:ext cx="1524000" cy="1219200"/>
+          </a:xfrm>
+          <a:prstGeom prst="roundRect">
+            <a:avLst/>
+          </a:prstGeom>
+          <a:solidFill>
+            <a:srgbClr val="FFC000"/>
+          </a:solidFill>
+          <a:ln w="12700" cap="flat" cmpd="sng" algn="ctr">
+            <a:noFill/>
+            <a:prstDash val="solid"/>
+            <a:round/>
+            <a:headEnd type="none" w="med" len="med"/>
+            <a:tailEnd type="none" w="med" len="med"/>
+          </a:ln>
+          <a:effectLst/>
+        </p:spPr>
+        <p:txBody>
+          <a:bodyPr rot="0" spcFirstLastPara="0" vertOverflow="overflow" horzOverflow="overflow" vert="horz" wrap="none" lIns="91440" tIns="45720" rIns="91440" bIns="45720" numCol="1" spcCol="0" rtlCol="0" fromWordArt="0" anchor="ctr" anchorCtr="0" forceAA="0" compatLnSpc="1">
+            <a:prstTxWarp prst="textNoShape">
+              <a:avLst/>
+            </a:prstTxWarp>
+            <a:noAutofit/>
+          </a:bodyPr>
+          <a:lstStyle/>
+          <a:p>
+            <a:pPr algn="ctr"/>
+            <a:r>
+              <a:rPr lang="en-US" sz="1600" dirty="0"/>
+              <a:t>DSP</a:t>
+            </a:r>
+          </a:p>
+        </p:txBody>
+      </p:sp>
+      <p:sp>
+        <p:nvSpPr>
+          <p:cNvPr id="6" name="Rectangle: Rounded Corners 5">
+            <a:extLst>
+              <a:ext uri="{FF2B5EF4-FFF2-40B4-BE49-F238E27FC236}">
+                <a16:creationId xmlns:a16="http://schemas.microsoft.com/office/drawing/2014/main" id="{88987877-3DEE-4172-A12B-9F8432BD5FF0}"/>
+              </a:ext>
+            </a:extLst>
+          </p:cNvPr>
+          <p:cNvSpPr/>
+          <p:nvPr/>
+        </p:nvSpPr>
+        <p:spPr bwMode="auto">
+          <a:xfrm>
+            <a:off x="6934200" y="1146820"/>
+            <a:ext cx="1245198" cy="990600"/>
+          </a:xfrm>
+          <a:prstGeom prst="roundRect">
+            <a:avLst/>
+          </a:prstGeom>
+          <a:solidFill>
+            <a:srgbClr val="92D050"/>
+          </a:solidFill>
+          <a:ln w="12700" cap="flat" cmpd="sng" algn="ctr">
+            <a:noFill/>
+            <a:prstDash val="solid"/>
+            <a:round/>
+            <a:headEnd type="none" w="med" len="med"/>
+            <a:tailEnd type="none" w="med" len="med"/>
+          </a:ln>
+          <a:effectLst/>
+        </p:spPr>
+        <p:txBody>
+          <a:bodyPr vert="horz" wrap="none" lIns="91440" tIns="45720" rIns="91440" bIns="45720" numCol="1" rtlCol="0" anchor="ctr" anchorCtr="0" compatLnSpc="1">
+            <a:prstTxWarp prst="textNoShape">
+              <a:avLst/>
+            </a:prstTxWarp>
+          </a:bodyPr>
+          <a:lstStyle/>
+          <a:p>
+            <a:pPr marL="0" marR="0" indent="0" algn="ctr" defTabSz="914400" rtl="0" eaLnBrk="1" fontAlgn="base" latinLnBrk="0" hangingPunct="1">
+              <a:lnSpc>
+                <a:spcPct val="100000"/>
+              </a:lnSpc>
+              <a:spcBef>
+                <a:spcPct val="0"/>
+              </a:spcBef>
+              <a:spcAft>
+                <a:spcPct val="0"/>
+              </a:spcAft>
+              <a:buClrTx/>
+              <a:buSzTx/>
+              <a:buFontTx/>
+              <a:buNone/>
+              <a:tabLst/>
+            </a:pPr>
+            <a:r>
+              <a:rPr kumimoji="0" lang="en-US" sz="1200" b="0" i="0" u="none" strike="noStrike" cap="none" normalizeH="0" baseline="0" dirty="0">
+                <a:ln>
+                  <a:noFill/>
+                </a:ln>
+                <a:solidFill>
+                  <a:schemeClr val="tx1"/>
+                </a:solidFill>
+                <a:effectLst/>
+                <a:latin typeface="Arial" charset="0"/>
+              </a:rPr>
+              <a:t>User</a:t>
+            </a:r>
+          </a:p>
+          <a:p>
+            <a:pPr marL="0" marR="0" indent="0" algn="ctr" defTabSz="914400" rtl="0" eaLnBrk="1" fontAlgn="base" latinLnBrk="0" hangingPunct="1">
+              <a:lnSpc>
+                <a:spcPct val="100000"/>
+              </a:lnSpc>
+              <a:spcBef>
+                <a:spcPct val="0"/>
+              </a:spcBef>
+              <a:spcAft>
+                <a:spcPct val="0"/>
+              </a:spcAft>
+              <a:buClrTx/>
+              <a:buSzTx/>
+              <a:buFontTx/>
+              <a:buNone/>
+              <a:tabLst/>
+            </a:pPr>
+            <a:r>
+              <a:rPr lang="en-US" dirty="0"/>
+              <a:t>Device 1</a:t>
+            </a:r>
+            <a:endParaRPr kumimoji="0" lang="en-US" sz="1200" b="0" i="0" u="none" strike="noStrike" cap="none" normalizeH="0" baseline="0" dirty="0">
+              <a:ln>
+                <a:noFill/>
+              </a:ln>
+              <a:solidFill>
+                <a:schemeClr val="tx1"/>
+              </a:solidFill>
+              <a:effectLst/>
+              <a:latin typeface="Arial" charset="0"/>
+            </a:endParaRPr>
+          </a:p>
+        </p:txBody>
+      </p:sp>
+      <p:sp>
+        <p:nvSpPr>
+          <p:cNvPr id="8" name="Rectangle: Rounded Corners 7">
+            <a:extLst>
+              <a:ext uri="{FF2B5EF4-FFF2-40B4-BE49-F238E27FC236}">
+                <a16:creationId xmlns:a16="http://schemas.microsoft.com/office/drawing/2014/main" id="{E36F0616-9691-4AE5-B55A-F52661718E75}"/>
+              </a:ext>
+            </a:extLst>
+          </p:cNvPr>
+          <p:cNvSpPr/>
+          <p:nvPr/>
+        </p:nvSpPr>
+        <p:spPr bwMode="auto">
+          <a:xfrm>
+            <a:off x="6934200" y="2933700"/>
+            <a:ext cx="1245198" cy="990600"/>
+          </a:xfrm>
+          <a:prstGeom prst="roundRect">
+            <a:avLst/>
+          </a:prstGeom>
+          <a:solidFill>
+            <a:srgbClr val="92D050"/>
+          </a:solidFill>
+          <a:ln w="12700" cap="flat" cmpd="sng" algn="ctr">
+            <a:noFill/>
+            <a:prstDash val="solid"/>
+            <a:round/>
+            <a:headEnd type="none" w="med" len="med"/>
+            <a:tailEnd type="none" w="med" len="med"/>
+          </a:ln>
+          <a:effectLst/>
+        </p:spPr>
+        <p:txBody>
+          <a:bodyPr rot="0" spcFirstLastPara="0" vertOverflow="overflow" horzOverflow="overflow" vert="horz" wrap="none" lIns="91440" tIns="45720" rIns="91440" bIns="45720" numCol="1" spcCol="0" rtlCol="0" fromWordArt="0" anchor="ctr" anchorCtr="0" forceAA="0" compatLnSpc="1">
+            <a:prstTxWarp prst="textNoShape">
+              <a:avLst/>
+            </a:prstTxWarp>
+            <a:noAutofit/>
+          </a:bodyPr>
+          <a:lstStyle/>
+          <a:p>
+            <a:pPr algn="ctr"/>
+            <a:r>
+              <a:rPr lang="en-US" dirty="0"/>
+              <a:t>User </a:t>
+            </a:r>
+          </a:p>
+          <a:p>
+            <a:pPr algn="ctr"/>
+            <a:r>
+              <a:rPr lang="en-US" dirty="0"/>
+              <a:t>Device N</a:t>
+            </a:r>
+          </a:p>
+        </p:txBody>
+      </p:sp>
+      <p:sp>
+        <p:nvSpPr>
+          <p:cNvPr id="10" name="TextBox 9">
+            <a:extLst>
+              <a:ext uri="{FF2B5EF4-FFF2-40B4-BE49-F238E27FC236}">
+                <a16:creationId xmlns:a16="http://schemas.microsoft.com/office/drawing/2014/main" id="{DD8D7D4C-0F4C-4B58-8714-04A076584E42}"/>
+              </a:ext>
+            </a:extLst>
+          </p:cNvPr>
+          <p:cNvSpPr txBox="1"/>
+          <p:nvPr/>
+        </p:nvSpPr>
+        <p:spPr>
+          <a:xfrm>
+            <a:off x="7391400" y="2344659"/>
+            <a:ext cx="553998" cy="400110"/>
+          </a:xfrm>
+          <a:prstGeom prst="rect">
+            <a:avLst/>
+          </a:prstGeom>
+          <a:noFill/>
+        </p:spPr>
+        <p:txBody>
+          <a:bodyPr vert="eaVert" wrap="none" rtlCol="0">
+            <a:spAutoFit/>
+          </a:bodyPr>
+          <a:lstStyle/>
+          <a:p>
+            <a:r>
+              <a:rPr lang="en-US" sz="2400" b="1" dirty="0"/>
+              <a:t>…</a:t>
+            </a:r>
+          </a:p>
+        </p:txBody>
+      </p:sp>
+      <p:cxnSp>
+        <p:nvCxnSpPr>
+          <p:cNvPr id="12" name="Straight Connector 11">
+            <a:extLst>
+              <a:ext uri="{FF2B5EF4-FFF2-40B4-BE49-F238E27FC236}">
+                <a16:creationId xmlns:a16="http://schemas.microsoft.com/office/drawing/2014/main" id="{16E98772-8AE8-4BE4-8204-662E2E0C422E}"/>
+              </a:ext>
+            </a:extLst>
+          </p:cNvPr>
+          <p:cNvCxnSpPr>
+            <a:cxnSpLocks/>
+            <a:stCxn id="4" idx="3"/>
+            <a:endCxn id="5" idx="1"/>
+          </p:cNvCxnSpPr>
+          <p:nvPr/>
+        </p:nvCxnSpPr>
+        <p:spPr bwMode="auto">
+          <a:xfrm>
+            <a:off x="2502946" y="3429000"/>
+            <a:ext cx="1143000" cy="0"/>
+          </a:xfrm>
+          <a:prstGeom prst="line">
+            <a:avLst/>
+          </a:prstGeom>
+          <a:solidFill>
+            <a:srgbClr val="5F5F5F"/>
+          </a:solidFill>
+          <a:ln w="12700" cap="flat" cmpd="sng" algn="ctr">
+            <a:solidFill>
+              <a:schemeClr val="tx1"/>
+            </a:solidFill>
+            <a:prstDash val="solid"/>
+            <a:round/>
+            <a:headEnd type="none" w="med" len="med"/>
+            <a:tailEnd type="none" w="med" len="med"/>
+          </a:ln>
+          <a:effectLst/>
+        </p:spPr>
+      </p:cxnSp>
+      <p:cxnSp>
+        <p:nvCxnSpPr>
+          <p:cNvPr id="16" name="Straight Connector 15">
+            <a:extLst>
+              <a:ext uri="{FF2B5EF4-FFF2-40B4-BE49-F238E27FC236}">
+                <a16:creationId xmlns:a16="http://schemas.microsoft.com/office/drawing/2014/main" id="{63730B89-D02D-4482-A8BF-655C3EBC8E6C}"/>
+              </a:ext>
+            </a:extLst>
+          </p:cNvPr>
+          <p:cNvCxnSpPr>
+            <a:stCxn id="5" idx="3"/>
+            <a:endCxn id="6" idx="1"/>
+          </p:cNvCxnSpPr>
+          <p:nvPr/>
+        </p:nvCxnSpPr>
+        <p:spPr bwMode="auto">
+          <a:xfrm flipV="1">
+            <a:off x="5169946" y="1642120"/>
+            <a:ext cx="1764254" cy="1786880"/>
+          </a:xfrm>
+          <a:prstGeom prst="line">
+            <a:avLst/>
+          </a:prstGeom>
+          <a:solidFill>
+            <a:srgbClr val="5F5F5F"/>
+          </a:solidFill>
+          <a:ln w="12700" cap="flat" cmpd="sng" algn="ctr">
+            <a:solidFill>
+              <a:schemeClr val="tx1"/>
+            </a:solidFill>
+            <a:prstDash val="solid"/>
+            <a:round/>
+            <a:headEnd type="none" w="med" len="med"/>
+            <a:tailEnd type="none" w="med" len="med"/>
+          </a:ln>
+          <a:effectLst/>
+        </p:spPr>
+      </p:cxnSp>
+      <p:cxnSp>
+        <p:nvCxnSpPr>
+          <p:cNvPr id="18" name="Straight Connector 17">
+            <a:extLst>
+              <a:ext uri="{FF2B5EF4-FFF2-40B4-BE49-F238E27FC236}">
+                <a16:creationId xmlns:a16="http://schemas.microsoft.com/office/drawing/2014/main" id="{9E5A1790-A6F3-4E78-8332-5E91E9735430}"/>
+              </a:ext>
+            </a:extLst>
+          </p:cNvPr>
+          <p:cNvCxnSpPr>
+            <a:stCxn id="5" idx="3"/>
+            <a:endCxn id="8" idx="1"/>
+          </p:cNvCxnSpPr>
+          <p:nvPr/>
+        </p:nvCxnSpPr>
+        <p:spPr bwMode="auto">
+          <a:xfrm>
+            <a:off x="5169946" y="3429000"/>
+            <a:ext cx="1764254" cy="0"/>
+          </a:xfrm>
+          <a:prstGeom prst="line">
+            <a:avLst/>
+          </a:prstGeom>
+          <a:solidFill>
+            <a:srgbClr val="5F5F5F"/>
+          </a:solidFill>
+          <a:ln w="12700" cap="flat" cmpd="sng" algn="ctr">
+            <a:solidFill>
+              <a:schemeClr val="tx1"/>
+            </a:solidFill>
+            <a:prstDash val="solid"/>
+            <a:round/>
+            <a:headEnd type="none" w="med" len="med"/>
+            <a:tailEnd type="none" w="med" len="med"/>
+          </a:ln>
+          <a:effectLst/>
+        </p:spPr>
+      </p:cxnSp>
+      <p:sp>
+        <p:nvSpPr>
+          <p:cNvPr id="21" name="Rectangle 20">
+            <a:extLst>
+              <a:ext uri="{FF2B5EF4-FFF2-40B4-BE49-F238E27FC236}">
+                <a16:creationId xmlns:a16="http://schemas.microsoft.com/office/drawing/2014/main" id="{0C3A1ED6-7F4B-4D63-A2D9-221ABB1D0127}"/>
+              </a:ext>
+            </a:extLst>
+          </p:cNvPr>
+          <p:cNvSpPr/>
+          <p:nvPr/>
+        </p:nvSpPr>
+        <p:spPr bwMode="auto">
+          <a:xfrm>
+            <a:off x="2192319" y="4419600"/>
+            <a:ext cx="1764253" cy="1140352"/>
+          </a:xfrm>
+          <a:prstGeom prst="rect">
+            <a:avLst/>
+          </a:prstGeom>
+          <a:noFill/>
+          <a:ln w="12700" cap="flat" cmpd="sng" algn="ctr">
+            <a:solidFill>
+              <a:schemeClr val="tx1"/>
+            </a:solidFill>
+            <a:prstDash val="solid"/>
+            <a:round/>
+            <a:headEnd type="none" w="med" len="med"/>
+            <a:tailEnd type="none" w="med" len="med"/>
+          </a:ln>
+          <a:effectLst/>
+        </p:spPr>
+        <p:txBody>
+          <a:bodyPr vert="horz" wrap="none" lIns="91440" tIns="45720" rIns="91440" bIns="45720" numCol="1" rtlCol="0" anchor="ctr" anchorCtr="0" compatLnSpc="1">
+            <a:prstTxWarp prst="textNoShape">
+              <a:avLst/>
+            </a:prstTxWarp>
+          </a:bodyPr>
+          <a:lstStyle/>
+          <a:p>
+            <a:pPr marL="0" marR="0" indent="0" defTabSz="914400" rtl="0" eaLnBrk="1" fontAlgn="base" latinLnBrk="0" hangingPunct="1">
+              <a:lnSpc>
+                <a:spcPct val="100000"/>
+              </a:lnSpc>
+              <a:spcBef>
+                <a:spcPct val="0"/>
+              </a:spcBef>
+              <a:spcAft>
+                <a:spcPct val="0"/>
+              </a:spcAft>
+              <a:buClrTx/>
+              <a:buSzTx/>
+              <a:buFontTx/>
+              <a:buNone/>
+              <a:tabLst/>
+            </a:pPr>
+            <a:r>
+              <a:rPr kumimoji="0" lang="en-US" sz="1100" b="0" i="0" u="none" strike="noStrike" cap="none" normalizeH="0" baseline="0" dirty="0">
+                <a:ln>
+                  <a:noFill/>
+                </a:ln>
+                <a:solidFill>
+                  <a:schemeClr val="tx1"/>
+                </a:solidFill>
+                <a:effectLst/>
+                <a:latin typeface="Arial" charset="0"/>
+              </a:rPr>
+              <a:t>Track: 97432428</a:t>
+            </a:r>
+          </a:p>
+          <a:p>
+            <a:pPr marL="0" marR="0" indent="0" defTabSz="914400" rtl="0" eaLnBrk="1" fontAlgn="base" latinLnBrk="0" hangingPunct="1">
+              <a:lnSpc>
+                <a:spcPct val="100000"/>
+              </a:lnSpc>
+              <a:spcBef>
+                <a:spcPct val="0"/>
+              </a:spcBef>
+              <a:spcAft>
+                <a:spcPct val="0"/>
+              </a:spcAft>
+              <a:buClrTx/>
+              <a:buSzTx/>
+              <a:buFontTx/>
+              <a:buNone/>
+              <a:tabLst/>
+            </a:pPr>
+            <a:r>
+              <a:rPr lang="en-US" sz="1100" dirty="0"/>
+              <a:t>Format: MP3 320kbps</a:t>
+            </a:r>
+            <a:endParaRPr kumimoji="0" lang="en-US" sz="1100" b="0" i="0" u="none" strike="noStrike" cap="none" normalizeH="0" baseline="0" dirty="0">
+              <a:ln>
+                <a:noFill/>
+              </a:ln>
+              <a:solidFill>
+                <a:schemeClr val="tx1"/>
+              </a:solidFill>
+              <a:effectLst/>
+              <a:latin typeface="Arial" charset="0"/>
+            </a:endParaRPr>
+          </a:p>
+          <a:p>
+            <a:pPr marL="0" marR="0" indent="0" defTabSz="914400" rtl="0" eaLnBrk="1" fontAlgn="base" latinLnBrk="0" hangingPunct="1">
+              <a:lnSpc>
+                <a:spcPct val="100000"/>
+              </a:lnSpc>
+              <a:spcBef>
+                <a:spcPct val="0"/>
+              </a:spcBef>
+              <a:spcAft>
+                <a:spcPct val="0"/>
+              </a:spcAft>
+              <a:buClrTx/>
+              <a:buSzTx/>
+              <a:buFontTx/>
+              <a:buNone/>
+              <a:tabLst/>
+            </a:pPr>
+            <a:r>
+              <a:rPr kumimoji="0" lang="en-US" sz="1100" b="0" i="0" u="none" strike="noStrike" cap="none" normalizeH="0" baseline="0" dirty="0">
+                <a:ln>
+                  <a:noFill/>
+                </a:ln>
+                <a:solidFill>
+                  <a:schemeClr val="tx1"/>
+                </a:solidFill>
+                <a:effectLst/>
+                <a:latin typeface="Arial" charset="0"/>
+              </a:rPr>
+              <a:t>Rights:</a:t>
+            </a:r>
+          </a:p>
+          <a:p>
+            <a:pPr marL="171450" marR="0" indent="-171450" defTabSz="914400" rtl="0" eaLnBrk="1" fontAlgn="base" latinLnBrk="0" hangingPunct="1">
+              <a:lnSpc>
+                <a:spcPct val="100000"/>
+              </a:lnSpc>
+              <a:spcBef>
+                <a:spcPct val="0"/>
+              </a:spcBef>
+              <a:spcAft>
+                <a:spcPct val="0"/>
+              </a:spcAft>
+              <a:buClrTx/>
+              <a:buSzTx/>
+              <a:buFontTx/>
+              <a:buChar char="-"/>
+              <a:tabLst/>
+            </a:pPr>
+            <a:r>
+              <a:rPr lang="en-US" sz="1100" dirty="0" err="1"/>
+              <a:t>OnDemandStream</a:t>
+            </a:r>
+            <a:endParaRPr lang="en-US" sz="1100" dirty="0"/>
+          </a:p>
+          <a:p>
+            <a:pPr marL="171450" marR="0" indent="-171450" defTabSz="914400" rtl="0" eaLnBrk="1" fontAlgn="base" latinLnBrk="0" hangingPunct="1">
+              <a:lnSpc>
+                <a:spcPct val="100000"/>
+              </a:lnSpc>
+              <a:spcBef>
+                <a:spcPct val="0"/>
+              </a:spcBef>
+              <a:spcAft>
+                <a:spcPct val="0"/>
+              </a:spcAft>
+              <a:buClrTx/>
+              <a:buSzTx/>
+              <a:buFontTx/>
+              <a:buChar char="-"/>
+              <a:tabLst/>
+            </a:pPr>
+            <a:r>
+              <a:rPr kumimoji="0" lang="en-US" sz="1100" b="0" i="0" u="none" strike="noStrike" cap="none" normalizeH="0" baseline="0" dirty="0" err="1">
+                <a:ln>
+                  <a:noFill/>
+                </a:ln>
+                <a:solidFill>
+                  <a:schemeClr val="tx1"/>
+                </a:solidFill>
+                <a:effectLst/>
+                <a:latin typeface="Arial" charset="0"/>
+              </a:rPr>
+              <a:t>PermanentDownload</a:t>
+            </a:r>
+            <a:endParaRPr kumimoji="0" lang="en-US" sz="1100" b="0" i="0" u="none" strike="noStrike" cap="none" normalizeH="0" baseline="0" dirty="0">
+              <a:ln>
+                <a:noFill/>
+              </a:ln>
+              <a:solidFill>
+                <a:schemeClr val="tx1"/>
+              </a:solidFill>
+              <a:effectLst/>
+              <a:latin typeface="Arial" charset="0"/>
+            </a:endParaRPr>
+          </a:p>
+          <a:p>
+            <a:pPr marL="171450" indent="-171450">
+              <a:buFontTx/>
+              <a:buChar char="-"/>
+            </a:pPr>
+            <a:r>
+              <a:rPr lang="en-US" sz="1100" b="1" dirty="0">
+                <a:solidFill>
+                  <a:srgbClr val="FF0000"/>
+                </a:solidFill>
+              </a:rPr>
+              <a:t>Conditional-Download</a:t>
+            </a:r>
+          </a:p>
+        </p:txBody>
+      </p:sp>
+      <p:cxnSp>
+        <p:nvCxnSpPr>
+          <p:cNvPr id="27" name="Straight Connector 26">
+            <a:extLst>
+              <a:ext uri="{FF2B5EF4-FFF2-40B4-BE49-F238E27FC236}">
+                <a16:creationId xmlns:a16="http://schemas.microsoft.com/office/drawing/2014/main" id="{EB7A9188-3029-49F8-A66C-89A174C784EC}"/>
+              </a:ext>
+            </a:extLst>
+          </p:cNvPr>
+          <p:cNvCxnSpPr>
+            <a:stCxn id="21" idx="0"/>
+          </p:cNvCxnSpPr>
+          <p:nvPr/>
+        </p:nvCxnSpPr>
+        <p:spPr bwMode="auto">
+          <a:xfrm flipH="1" flipV="1">
+            <a:off x="3074445" y="3429000"/>
+            <a:ext cx="1" cy="990600"/>
+          </a:xfrm>
+          <a:prstGeom prst="line">
+            <a:avLst/>
+          </a:prstGeom>
+          <a:solidFill>
+            <a:srgbClr val="5F5F5F"/>
+          </a:solidFill>
+          <a:ln w="12700" cap="flat" cmpd="sng" algn="ctr">
+            <a:solidFill>
+              <a:schemeClr val="tx1"/>
+            </a:solidFill>
+            <a:prstDash val="solid"/>
+            <a:round/>
+            <a:headEnd type="none" w="med" len="med"/>
+            <a:tailEnd type="none" w="med" len="med"/>
+          </a:ln>
+          <a:effectLst/>
+        </p:spPr>
+      </p:cxnSp>
+      <p:sp>
+        <p:nvSpPr>
+          <p:cNvPr id="28" name="Rectangle 27">
+            <a:extLst>
+              <a:ext uri="{FF2B5EF4-FFF2-40B4-BE49-F238E27FC236}">
+                <a16:creationId xmlns:a16="http://schemas.microsoft.com/office/drawing/2014/main" id="{435B704C-C1C9-444F-B7B1-DAEE919DD78A}"/>
+              </a:ext>
+            </a:extLst>
+          </p:cNvPr>
+          <p:cNvSpPr/>
+          <p:nvPr/>
+        </p:nvSpPr>
+        <p:spPr bwMode="auto">
+          <a:xfrm>
+            <a:off x="5187430" y="4419600"/>
+            <a:ext cx="1764253" cy="1140352"/>
+          </a:xfrm>
+          <a:prstGeom prst="rect">
+            <a:avLst/>
+          </a:prstGeom>
+          <a:noFill/>
+          <a:ln w="12700" cap="flat" cmpd="sng" algn="ctr">
+            <a:solidFill>
+              <a:schemeClr val="tx1"/>
+            </a:solidFill>
+            <a:prstDash val="solid"/>
+            <a:round/>
+            <a:headEnd type="none" w="med" len="med"/>
+            <a:tailEnd type="none" w="med" len="med"/>
+          </a:ln>
+          <a:effectLst/>
+        </p:spPr>
+        <p:txBody>
+          <a:bodyPr vert="horz" wrap="none" lIns="91440" tIns="45720" rIns="91440" bIns="45720" numCol="1" rtlCol="0" anchor="ctr" anchorCtr="0" compatLnSpc="1">
+            <a:prstTxWarp prst="textNoShape">
+              <a:avLst/>
+            </a:prstTxWarp>
+          </a:bodyPr>
+          <a:lstStyle/>
+          <a:p>
+            <a:pPr marL="0" marR="0" indent="0" defTabSz="914400" rtl="0" eaLnBrk="1" fontAlgn="base" latinLnBrk="0" hangingPunct="1">
+              <a:lnSpc>
+                <a:spcPct val="100000"/>
+              </a:lnSpc>
+              <a:spcBef>
+                <a:spcPct val="0"/>
+              </a:spcBef>
+              <a:spcAft>
+                <a:spcPct val="0"/>
+              </a:spcAft>
+              <a:buClrTx/>
+              <a:buSzTx/>
+              <a:buFontTx/>
+              <a:buNone/>
+              <a:tabLst/>
+            </a:pPr>
+            <a:r>
+              <a:rPr kumimoji="0" lang="en-US" sz="1100" b="0" i="0" u="none" strike="noStrike" cap="none" normalizeH="0" baseline="0" dirty="0">
+                <a:ln>
+                  <a:noFill/>
+                </a:ln>
+                <a:solidFill>
+                  <a:schemeClr val="tx1"/>
+                </a:solidFill>
+                <a:effectLst/>
+                <a:latin typeface="Arial" charset="0"/>
+              </a:rPr>
+              <a:t>Track: 97432428</a:t>
+            </a:r>
+          </a:p>
+          <a:p>
+            <a:pPr marL="0" marR="0" indent="0" defTabSz="914400" rtl="0" eaLnBrk="1" fontAlgn="base" latinLnBrk="0" hangingPunct="1">
+              <a:lnSpc>
+                <a:spcPct val="100000"/>
+              </a:lnSpc>
+              <a:spcBef>
+                <a:spcPct val="0"/>
+              </a:spcBef>
+              <a:spcAft>
+                <a:spcPct val="0"/>
+              </a:spcAft>
+              <a:buClrTx/>
+              <a:buSzTx/>
+              <a:buFontTx/>
+              <a:buNone/>
+              <a:tabLst/>
+            </a:pPr>
+            <a:r>
+              <a:rPr lang="en-US" sz="1100" dirty="0"/>
+              <a:t>Format: MP3 320kbps</a:t>
+            </a:r>
+            <a:endParaRPr kumimoji="0" lang="en-US" sz="1100" b="0" i="0" u="none" strike="noStrike" cap="none" normalizeH="0" baseline="0" dirty="0">
+              <a:ln>
+                <a:noFill/>
+              </a:ln>
+              <a:solidFill>
+                <a:schemeClr val="tx1"/>
+              </a:solidFill>
+              <a:effectLst/>
+              <a:latin typeface="Arial" charset="0"/>
+            </a:endParaRPr>
+          </a:p>
+          <a:p>
+            <a:pPr marL="0" marR="0" indent="0" defTabSz="914400" rtl="0" eaLnBrk="1" fontAlgn="base" latinLnBrk="0" hangingPunct="1">
+              <a:lnSpc>
+                <a:spcPct val="100000"/>
+              </a:lnSpc>
+              <a:spcBef>
+                <a:spcPct val="0"/>
+              </a:spcBef>
+              <a:spcAft>
+                <a:spcPct val="0"/>
+              </a:spcAft>
+              <a:buClrTx/>
+              <a:buSzTx/>
+              <a:buFontTx/>
+              <a:buNone/>
+              <a:tabLst/>
+            </a:pPr>
+            <a:r>
+              <a:rPr kumimoji="0" lang="en-US" sz="1100" b="0" i="0" u="none" strike="noStrike" cap="none" normalizeH="0" baseline="0" dirty="0">
+                <a:ln>
+                  <a:noFill/>
+                </a:ln>
+                <a:solidFill>
+                  <a:schemeClr val="tx1"/>
+                </a:solidFill>
+                <a:effectLst/>
+                <a:latin typeface="Arial" charset="0"/>
+              </a:rPr>
+              <a:t>Rights:</a:t>
+            </a:r>
+          </a:p>
+          <a:p>
+            <a:pPr marL="171450" marR="0" indent="-171450" defTabSz="914400" rtl="0" eaLnBrk="1" fontAlgn="base" latinLnBrk="0" hangingPunct="1">
+              <a:lnSpc>
+                <a:spcPct val="100000"/>
+              </a:lnSpc>
+              <a:spcBef>
+                <a:spcPct val="0"/>
+              </a:spcBef>
+              <a:spcAft>
+                <a:spcPct val="0"/>
+              </a:spcAft>
+              <a:buClrTx/>
+              <a:buSzTx/>
+              <a:buFontTx/>
+              <a:buChar char="-"/>
+              <a:tabLst/>
+            </a:pPr>
+            <a:r>
+              <a:rPr lang="en-US" sz="1100" dirty="0" err="1"/>
+              <a:t>OnDemandStream</a:t>
+            </a:r>
+            <a:endParaRPr lang="en-US" sz="1100" dirty="0"/>
+          </a:p>
+          <a:p>
+            <a:pPr marL="171450" marR="0" indent="-171450" defTabSz="914400" rtl="0" eaLnBrk="1" fontAlgn="base" latinLnBrk="0" hangingPunct="1">
+              <a:lnSpc>
+                <a:spcPct val="100000"/>
+              </a:lnSpc>
+              <a:spcBef>
+                <a:spcPct val="0"/>
+              </a:spcBef>
+              <a:spcAft>
+                <a:spcPct val="0"/>
+              </a:spcAft>
+              <a:buClrTx/>
+              <a:buSzTx/>
+              <a:buFontTx/>
+              <a:buChar char="-"/>
+              <a:tabLst/>
+            </a:pPr>
+            <a:r>
+              <a:rPr kumimoji="0" lang="en-US" sz="1100" b="1" i="0" u="none" strike="noStrike" cap="none" normalizeH="0" baseline="0" dirty="0">
+                <a:ln>
+                  <a:noFill/>
+                </a:ln>
+                <a:solidFill>
+                  <a:srgbClr val="FF0000"/>
+                </a:solidFill>
+                <a:effectLst/>
+                <a:latin typeface="Arial" charset="0"/>
+              </a:rPr>
+              <a:t>Download and play </a:t>
+            </a:r>
+            <a:br>
+              <a:rPr kumimoji="0" lang="en-US" sz="1100" b="1" i="0" u="none" strike="noStrike" cap="none" normalizeH="0" baseline="0" dirty="0">
+                <a:ln>
+                  <a:noFill/>
+                </a:ln>
+                <a:solidFill>
+                  <a:srgbClr val="FF0000"/>
+                </a:solidFill>
+                <a:effectLst/>
+                <a:latin typeface="Arial" charset="0"/>
+              </a:rPr>
+            </a:br>
+            <a:r>
+              <a:rPr kumimoji="0" lang="en-US" sz="1100" b="1" i="0" u="none" strike="noStrike" cap="none" normalizeH="0" baseline="0" dirty="0">
+                <a:ln>
+                  <a:noFill/>
+                </a:ln>
+                <a:solidFill>
+                  <a:srgbClr val="FF0000"/>
+                </a:solidFill>
+                <a:effectLst/>
+                <a:latin typeface="Arial" charset="0"/>
+              </a:rPr>
+              <a:t>until end of month</a:t>
+            </a:r>
+          </a:p>
+        </p:txBody>
+      </p:sp>
+      <p:cxnSp>
+        <p:nvCxnSpPr>
+          <p:cNvPr id="29" name="Straight Connector 28">
+            <a:extLst>
+              <a:ext uri="{FF2B5EF4-FFF2-40B4-BE49-F238E27FC236}">
+                <a16:creationId xmlns:a16="http://schemas.microsoft.com/office/drawing/2014/main" id="{D39E6DDA-392F-474B-8FB2-BDDB2A4A294E}"/>
+              </a:ext>
+            </a:extLst>
+          </p:cNvPr>
+          <p:cNvCxnSpPr>
+            <a:stCxn id="28" idx="0"/>
+          </p:cNvCxnSpPr>
+          <p:nvPr/>
+        </p:nvCxnSpPr>
+        <p:spPr bwMode="auto">
+          <a:xfrm flipH="1" flipV="1">
+            <a:off x="6069556" y="3429000"/>
+            <a:ext cx="1" cy="990600"/>
+          </a:xfrm>
+          <a:prstGeom prst="line">
+            <a:avLst/>
+          </a:prstGeom>
+          <a:solidFill>
+            <a:srgbClr val="5F5F5F"/>
+          </a:solidFill>
+          <a:ln w="12700" cap="flat" cmpd="sng" algn="ctr">
+            <a:solidFill>
+              <a:schemeClr val="tx1"/>
+            </a:solidFill>
+            <a:prstDash val="solid"/>
+            <a:round/>
+            <a:headEnd type="none" w="med" len="med"/>
+            <a:tailEnd type="none" w="med" len="med"/>
+          </a:ln>
+          <a:effectLst/>
+        </p:spPr>
+      </p:cxnSp>
+    </p:spTree>
+    <p:extLst>
+      <p:ext uri="{BB962C8B-B14F-4D97-AF65-F5344CB8AC3E}">
+        <p14:creationId xmlns:p14="http://schemas.microsoft.com/office/powerpoint/2010/main" val="2213628433"/>
+      </p:ext>
+    </p:extLst>
+  </p:cSld>
+  <p:clrMapOvr>
+    <a:masterClrMapping/>
+  </p:clrMapOvr>
+</p:sld>
+</file>
+
+<file path=ppt/slides/slide31.xml><?xml version="1.0" encoding="utf-8"?>
+<p:sld xmlns:a="http://schemas.openxmlformats.org/drawingml/2006/main" xmlns:r="http://schemas.openxmlformats.org/officeDocument/2006/relationships" xmlns:p="http://schemas.openxmlformats.org/presentationml/2006/main">
+  <p:cSld>
+    <p:spTree>
+      <p:nvGrpSpPr>
+        <p:cNvPr id="1" name=""/>
+        <p:cNvGrpSpPr/>
+        <p:nvPr/>
+      </p:nvGrpSpPr>
+      <p:grpSpPr>
+        <a:xfrm>
+          <a:off x="0" y="0"/>
+          <a:ext cx="0" cy="0"/>
+          <a:chOff x="0" y="0"/>
+          <a:chExt cx="0" cy="0"/>
+        </a:xfrm>
+      </p:grpSpPr>
+      <p:sp>
+        <p:nvSpPr>
+          <p:cNvPr id="2" name="Title 1">
+            <a:extLst>
+              <a:ext uri="{FF2B5EF4-FFF2-40B4-BE49-F238E27FC236}">
+                <a16:creationId xmlns:a16="http://schemas.microsoft.com/office/drawing/2014/main" id="{8C456827-C6A9-4C42-9BD3-DD4549104A6E}"/>
+              </a:ext>
+            </a:extLst>
+          </p:cNvPr>
+          <p:cNvSpPr>
+            <a:spLocks noGrp="1"/>
+          </p:cNvSpPr>
+          <p:nvPr>
+            <p:ph type="title"/>
+          </p:nvPr>
+        </p:nvSpPr>
+        <p:spPr/>
+        <p:txBody>
+          <a:bodyPr/>
+          <a:lstStyle/>
+          <a:p>
+            <a:r>
+              <a:rPr lang="en-US" dirty="0"/>
+              <a:t>Exercise: Represent MMA Rights in REL</a:t>
             </a:r>
           </a:p>
         </p:txBody>
@@ -7386,7 +9965,7 @@
           <p:cNvPr id="3" name="Content Placeholder 2">
             <a:extLst>
               <a:ext uri="{FF2B5EF4-FFF2-40B4-BE49-F238E27FC236}">
-                <a16:creationId xmlns:a16="http://schemas.microsoft.com/office/drawing/2014/main" id="{F5A9540C-2C66-4E5B-A5BB-1E46701A15CC}"/>
+                <a16:creationId xmlns:a16="http://schemas.microsoft.com/office/drawing/2014/main" id="{7F449E96-880E-47D8-9427-9057BC3FC258}"/>
               </a:ext>
             </a:extLst>
           </p:cNvPr>
@@ -7402,14 +9981,85 @@
           <a:bodyPr/>
           <a:lstStyle/>
           <a:p>
-            <a:endParaRPr lang="en-US"/>
+            <a:pPr marL="514350" indent="-514350">
+              <a:buFont typeface="+mj-lt"/>
+              <a:buAutoNum type="arabicPeriod"/>
+            </a:pPr>
+            <a:r>
+              <a:rPr lang="en-US" dirty="0"/>
+              <a:t>As </a:t>
+            </a:r>
+            <a:r>
+              <a:rPr lang="en-US" dirty="0" err="1"/>
+              <a:t>RightsML</a:t>
+            </a:r>
+            <a:r>
+              <a:rPr lang="en-US" dirty="0"/>
+              <a:t> style data structure</a:t>
+            </a:r>
+          </a:p>
+          <a:p>
+            <a:pPr marL="514350" indent="-514350">
+              <a:buFont typeface="+mj-lt"/>
+              <a:buAutoNum type="arabicPeriod"/>
+            </a:pPr>
+            <a:r>
+              <a:rPr lang="en-US" dirty="0"/>
+              <a:t>Extra credit: in ODRL JSON or RDF syntax</a:t>
+            </a:r>
+          </a:p>
+          <a:p>
+            <a:pPr marL="514350" indent="-514350">
+              <a:buFont typeface="+mj-lt"/>
+              <a:buAutoNum type="arabicPeriod"/>
+            </a:pPr>
+            <a:r>
+              <a:rPr lang="en-US" dirty="0"/>
+              <a:t>Extra </a:t>
+            </a:r>
+            <a:r>
+              <a:rPr lang="en-US" dirty="0" err="1"/>
+              <a:t>extra</a:t>
+            </a:r>
+            <a:r>
+              <a:rPr lang="en-US" dirty="0"/>
+              <a:t> credit: represent </a:t>
+            </a:r>
+            <a:r>
+              <a:rPr lang="en-US" u="sng" dirty="0"/>
+              <a:t>all</a:t>
+            </a:r>
+            <a:r>
+              <a:rPr lang="en-US" dirty="0"/>
+              <a:t> rights for interactive music DSPs as ODRL profile</a:t>
+            </a:r>
+          </a:p>
+          <a:p>
+            <a:pPr marL="971550" lvl="1" indent="-514350">
+              <a:buFont typeface="+mj-lt"/>
+              <a:buAutoNum type="alphaLcPeriod"/>
+            </a:pPr>
+            <a:r>
+              <a:rPr lang="en-US" dirty="0"/>
+              <a:t>Stream, conditional download, permanent download</a:t>
+            </a:r>
+          </a:p>
+          <a:p>
+            <a:pPr marL="971550" lvl="1" indent="-514350">
+              <a:buFont typeface="+mj-lt"/>
+              <a:buAutoNum type="alphaLcPeriod"/>
+            </a:pPr>
+            <a:r>
+              <a:rPr lang="en-US" dirty="0"/>
+              <a:t>Composition and sound recording rights</a:t>
+            </a:r>
           </a:p>
         </p:txBody>
       </p:sp>
     </p:spTree>
     <p:extLst>
       <p:ext uri="{BB962C8B-B14F-4D97-AF65-F5344CB8AC3E}">
-        <p14:creationId xmlns:p14="http://schemas.microsoft.com/office/powerpoint/2010/main" val="2213628433"/>
+        <p14:creationId xmlns:p14="http://schemas.microsoft.com/office/powerpoint/2010/main" val="3784525803"/>
       </p:ext>
     </p:extLst>
   </p:cSld>
@@ -7419,7 +10069,7 @@
 </p:sld>
 </file>
 
-<file path=ppt/slides/slide26.xml><?xml version="1.0" encoding="utf-8"?>
+<file path=ppt/slides/slide32.xml><?xml version="1.0" encoding="utf-8"?>
 <p:sld xmlns:a="http://schemas.openxmlformats.org/drawingml/2006/main" xmlns:r="http://schemas.openxmlformats.org/officeDocument/2006/relationships" xmlns:p="http://schemas.openxmlformats.org/presentationml/2006/main">
   <p:cSld>
     <p:spTree>
@@ -7699,7 +10349,7 @@
 </p:sld>
 </file>
 
-<file path=ppt/slides/slide3.xml><?xml version="1.0" encoding="utf-8"?>
+<file path=ppt/slides/slide4.xml><?xml version="1.0" encoding="utf-8"?>
 <p:sld xmlns:a="http://schemas.openxmlformats.org/drawingml/2006/main" xmlns:r="http://schemas.openxmlformats.org/officeDocument/2006/relationships" xmlns:p="http://schemas.openxmlformats.org/presentationml/2006/main">
   <p:cSld>
     <p:spTree>
@@ -7739,7 +10389,7 @@
           <a:p>
             <a:r>
               <a:rPr lang="en-US" dirty="0"/>
-              <a:t>Copyright Law: Rights</a:t>
+              <a:t>Copyright Law: The “Rights Bundle”</a:t>
             </a:r>
             <a:br>
               <a:rPr lang="en-US" dirty="0"/>
@@ -7864,7 +10514,7 @@
             <a:pPr lvl="1"/>
             <a:r>
               <a:rPr lang="en-US" sz="2000" dirty="0"/>
-              <a:t>If you obtain it legally, you can dispose of it w/o involvement from author</a:t>
+              <a:t>If you obtain it legally, you can dispose of it w/o involvement from publisher</a:t>
             </a:r>
           </a:p>
           <a:p>
@@ -7896,7 +10546,7 @@
 </p:sld>
 </file>
 
-<file path=ppt/slides/slide4.xml><?xml version="1.0" encoding="utf-8"?>
+<file path=ppt/slides/slide5.xml><?xml version="1.0" encoding="utf-8"?>
 <p:sld xmlns:a="http://schemas.openxmlformats.org/drawingml/2006/main" xmlns:r="http://schemas.openxmlformats.org/officeDocument/2006/relationships" xmlns:p="http://schemas.openxmlformats.org/presentationml/2006/main">
   <p:cSld>
     <p:spTree>
@@ -8140,7 +10790,7 @@
 </p:sld>
 </file>
 
-<file path=ppt/slides/slide5.xml><?xml version="1.0" encoding="utf-8"?>
+<file path=ppt/slides/slide6.xml><?xml version="1.0" encoding="utf-8"?>
 <p:sld xmlns:a="http://schemas.openxmlformats.org/drawingml/2006/main" xmlns:r="http://schemas.openxmlformats.org/officeDocument/2006/relationships" xmlns:p="http://schemas.openxmlformats.org/presentationml/2006/main">
   <p:cSld>
     <p:spTree>
@@ -8324,7 +10974,7 @@
 </p:sld>
 </file>
 
-<file path=ppt/slides/slide6.xml><?xml version="1.0" encoding="utf-8"?>
+<file path=ppt/slides/slide7.xml><?xml version="1.0" encoding="utf-8"?>
 <p:sld xmlns:a="http://schemas.openxmlformats.org/drawingml/2006/main" xmlns:r="http://schemas.openxmlformats.org/officeDocument/2006/relationships" xmlns:p="http://schemas.openxmlformats.org/presentationml/2006/main">
   <p:cSld>
     <p:spTree>
@@ -8429,7 +11079,7 @@
               <a:rPr lang="en-US" sz="2800" dirty="0"/>
             </a:br>
             <a:r>
-              <a:rPr lang="en-US" sz="2000" dirty="0"/>
+              <a:rPr lang="en-US" sz="2200" dirty="0"/>
               <a:t>“System for controlling the distribution and use of digital works having attached usage rights where the usage rights are defined by a usage rights grammar”</a:t>
             </a:r>
           </a:p>
@@ -8521,204 +11171,6 @@
     <p:extLst>
       <p:ext uri="{BB962C8B-B14F-4D97-AF65-F5344CB8AC3E}">
         <p14:creationId xmlns:p14="http://schemas.microsoft.com/office/powerpoint/2010/main" val="3206178047"/>
-      </p:ext>
-    </p:extLst>
-  </p:cSld>
-  <p:clrMapOvr>
-    <a:masterClrMapping/>
-  </p:clrMapOvr>
-</p:sld>
-</file>
-
-<file path=ppt/slides/slide7.xml><?xml version="1.0" encoding="utf-8"?>
-<p:sld xmlns:a="http://schemas.openxmlformats.org/drawingml/2006/main" xmlns:r="http://schemas.openxmlformats.org/officeDocument/2006/relationships" xmlns:p="http://schemas.openxmlformats.org/presentationml/2006/main">
-  <p:cSld>
-    <p:spTree>
-      <p:nvGrpSpPr>
-        <p:cNvPr id="1" name=""/>
-        <p:cNvGrpSpPr/>
-        <p:nvPr/>
-      </p:nvGrpSpPr>
-      <p:grpSpPr>
-        <a:xfrm>
-          <a:off x="0" y="0"/>
-          <a:ext cx="0" cy="0"/>
-          <a:chOff x="0" y="0"/>
-          <a:chExt cx="0" cy="0"/>
-        </a:xfrm>
-      </p:grpSpPr>
-      <p:sp>
-        <p:nvSpPr>
-          <p:cNvPr id="2" name="Title 1">
-            <a:extLst>
-              <a:ext uri="{FF2B5EF4-FFF2-40B4-BE49-F238E27FC236}">
-                <a16:creationId xmlns:a16="http://schemas.microsoft.com/office/drawing/2014/main" id="{888B552F-3856-4ABF-8C4C-5CD84A79A15F}"/>
-              </a:ext>
-            </a:extLst>
-          </p:cNvPr>
-          <p:cNvSpPr>
-            <a:spLocks noGrp="1"/>
-          </p:cNvSpPr>
-          <p:nvPr>
-            <p:ph type="title"/>
-          </p:nvPr>
-        </p:nvSpPr>
-        <p:spPr/>
-        <p:txBody>
-          <a:bodyPr/>
-          <a:lstStyle/>
-          <a:p>
-            <a:r>
-              <a:rPr lang="en-US" dirty="0"/>
-              <a:t>Original Goals of DRM</a:t>
-            </a:r>
-          </a:p>
-        </p:txBody>
-      </p:sp>
-      <p:sp>
-        <p:nvSpPr>
-          <p:cNvPr id="3" name="Content Placeholder 2">
-            <a:extLst>
-              <a:ext uri="{FF2B5EF4-FFF2-40B4-BE49-F238E27FC236}">
-                <a16:creationId xmlns:a16="http://schemas.microsoft.com/office/drawing/2014/main" id="{5B5A060A-A608-45DE-AF10-7B5EFDBDE3BF}"/>
-              </a:ext>
-            </a:extLst>
-          </p:cNvPr>
-          <p:cNvSpPr>
-            <a:spLocks noGrp="1"/>
-          </p:cNvSpPr>
-          <p:nvPr>
-            <p:ph idx="1"/>
-          </p:nvPr>
-        </p:nvSpPr>
-        <p:spPr/>
-        <p:txBody>
-          <a:bodyPr/>
-          <a:lstStyle/>
-          <a:p>
-            <a:r>
-              <a:rPr lang="en-US" dirty="0"/>
-              <a:t>“Make the Internet safe for publishers”</a:t>
-            </a:r>
-          </a:p>
-          <a:p>
-            <a:r>
-              <a:rPr lang="en-US" dirty="0"/>
-              <a:t>Emulate physical-world content models</a:t>
-            </a:r>
-          </a:p>
-          <a:p>
-            <a:pPr lvl="1"/>
-            <a:r>
-              <a:rPr lang="en-US" dirty="0"/>
-              <a:t>Ownership</a:t>
-            </a:r>
-          </a:p>
-          <a:p>
-            <a:pPr lvl="1"/>
-            <a:r>
-              <a:rPr lang="en-US" dirty="0"/>
-              <a:t>Lending</a:t>
-            </a:r>
-          </a:p>
-          <a:p>
-            <a:pPr lvl="1"/>
-            <a:r>
-              <a:rPr lang="en-US" dirty="0"/>
-              <a:t>Rental</a:t>
-            </a:r>
-          </a:p>
-          <a:p>
-            <a:r>
-              <a:rPr lang="en-US" dirty="0"/>
-              <a:t>Implement non-physical-world content models</a:t>
-            </a:r>
-          </a:p>
-          <a:p>
-            <a:pPr lvl="1"/>
-            <a:r>
-              <a:rPr lang="en-US" dirty="0"/>
-              <a:t>“Celestial Jukebox”</a:t>
-            </a:r>
-            <a:r>
-              <a:rPr lang="en-US" baseline="30000" dirty="0"/>
-              <a:t>1</a:t>
-            </a:r>
-          </a:p>
-          <a:p>
-            <a:r>
-              <a:rPr lang="en-US" dirty="0"/>
-              <a:t>Prevent “piracy”</a:t>
-            </a:r>
-          </a:p>
-        </p:txBody>
-      </p:sp>
-      <p:sp>
-        <p:nvSpPr>
-          <p:cNvPr id="4" name="TextBox 3">
-            <a:extLst>
-              <a:ext uri="{FF2B5EF4-FFF2-40B4-BE49-F238E27FC236}">
-                <a16:creationId xmlns:a16="http://schemas.microsoft.com/office/drawing/2014/main" id="{6FF37993-7259-4D3E-AB09-C09AF3682D96}"/>
-              </a:ext>
-            </a:extLst>
-          </p:cNvPr>
-          <p:cNvSpPr txBox="1"/>
-          <p:nvPr/>
-        </p:nvSpPr>
-        <p:spPr>
-          <a:xfrm>
-            <a:off x="228600" y="6334688"/>
-            <a:ext cx="7086600" cy="400110"/>
-          </a:xfrm>
-          <a:prstGeom prst="rect">
-            <a:avLst/>
-          </a:prstGeom>
-          <a:noFill/>
-        </p:spPr>
-        <p:txBody>
-          <a:bodyPr wrap="square" rtlCol="0">
-            <a:spAutoFit/>
-          </a:bodyPr>
-          <a:lstStyle/>
-          <a:p>
-            <a:r>
-              <a:rPr lang="en-US" sz="1000" baseline="30000" dirty="0"/>
-              <a:t>1</a:t>
-            </a:r>
-            <a:r>
-              <a:rPr lang="en-US" sz="1000" dirty="0"/>
-              <a:t>Goldstein, Paul, </a:t>
-            </a:r>
-            <a:r>
-              <a:rPr lang="en-US" sz="1000" i="1" dirty="0"/>
-              <a:t>Copyright's Highway: From Gutenberg to the Celestial Jukebox</a:t>
-            </a:r>
-            <a:r>
-              <a:rPr lang="en-US" sz="1000" dirty="0"/>
-              <a:t>, 1994, Stanford University Press </a:t>
-            </a:r>
-            <a:br>
-              <a:rPr lang="en-US" sz="1000" dirty="0"/>
-            </a:br>
-            <a:r>
-              <a:rPr lang="en-US" sz="1000" dirty="0"/>
-              <a:t>(Rev. Ed., 2003; 2</a:t>
-            </a:r>
-            <a:r>
-              <a:rPr lang="en-US" sz="1000" baseline="30000" dirty="0"/>
-              <a:t>nd</a:t>
-            </a:r>
-            <a:r>
-              <a:rPr lang="en-US" sz="1000" dirty="0"/>
-              <a:t> Edition forthcoming Spring 2019)</a:t>
-            </a:r>
-          </a:p>
-        </p:txBody>
-      </p:sp>
-    </p:spTree>
-    <p:extLst>
-      <p:ext uri="{BB962C8B-B14F-4D97-AF65-F5344CB8AC3E}">
-        <p14:creationId xmlns:p14="http://schemas.microsoft.com/office/powerpoint/2010/main" val="1579075689"/>
       </p:ext>
     </p:extLst>
   </p:cSld>
@@ -8768,7 +11220,7 @@
           <a:p>
             <a:r>
               <a:rPr lang="en-US" dirty="0"/>
-              <a:t>The Establishment REL: </a:t>
+              <a:t>The “Establishment” REL: </a:t>
             </a:r>
             <a:r>
               <a:rPr lang="en-US" dirty="0" err="1"/>
@@ -8816,7 +11268,7 @@
           <a:p>
             <a:r>
               <a:rPr lang="en-US" sz="2000" dirty="0"/>
-              <a:t>1994-1998: Xerox</a:t>
+              <a:t>1995-1998: Xerox</a:t>
             </a:r>
           </a:p>
           <a:p>
@@ -8962,7 +11414,7 @@
             <a:pPr lvl="1"/>
             <a:r>
               <a:rPr lang="en-US" sz="1800" dirty="0"/>
-              <a:t>Time Warner takes stake in </a:t>
+              <a:t>Time Warner buys share of </a:t>
             </a:r>
             <a:r>
               <a:rPr lang="en-US" sz="1800" dirty="0" err="1"/>
@@ -9021,30 +11473,16 @@
             <a:pPr lvl="1"/>
             <a:r>
               <a:rPr lang="en-US" sz="1800" dirty="0" err="1"/>
+              <a:t>Pendrell</a:t>
+            </a:r>
+            <a:r>
+              <a:rPr lang="en-US" sz="1800" dirty="0"/>
+              <a:t>, patent aggregator, buys </a:t>
+            </a:r>
+            <a:r>
+              <a:rPr lang="en-US" sz="1800" dirty="0" err="1"/>
               <a:t>ContentGuard</a:t>
             </a:r>
-            <a:r>
-              <a:rPr lang="en-US" sz="1800" dirty="0"/>
-              <a:t> sold to </a:t>
-            </a:r>
-            <a:r>
-              <a:rPr lang="en-US" sz="1800" dirty="0" err="1"/>
-              <a:t>Pendrell</a:t>
-            </a:r>
-            <a:r>
-              <a:rPr lang="en-US" sz="1800" dirty="0"/>
-              <a:t>, </a:t>
-            </a:r>
-            <a:br>
-              <a:rPr lang="en-US" sz="1800" dirty="0"/>
-            </a:br>
-            <a:r>
-              <a:rPr lang="en-US" sz="1800" dirty="0"/>
-              <a:t>patent aggregator</a:t>
-            </a:r>
-          </a:p>
-          <a:p>
-            <a:pPr lvl="1"/>
             <a:endParaRPr lang="en-US" sz="1800" dirty="0"/>
           </a:p>
           <a:p>
